--- a/cceug3 abatement.pptx
+++ b/cceug3 abatement.pptx
@@ -5,33 +5,44 @@
     <p:sldMasterId id="2147483648" r:id="rId1"/>
   </p:sldMasterIdLst>
   <p:notesMasterIdLst>
-    <p:notesMasterId r:id="rId23"/>
+    <p:notesMasterId r:id="rId34"/>
   </p:notesMasterIdLst>
   <p:handoutMasterIdLst>
-    <p:handoutMasterId r:id="rId24"/>
+    <p:handoutMasterId r:id="rId35"/>
   </p:handoutMasterIdLst>
   <p:sldIdLst>
     <p:sldId id="257" r:id="rId2"/>
     <p:sldId id="279" r:id="rId3"/>
-    <p:sldId id="281" r:id="rId4"/>
-    <p:sldId id="318" r:id="rId5"/>
-    <p:sldId id="319" r:id="rId6"/>
-    <p:sldId id="314" r:id="rId7"/>
-    <p:sldId id="317" r:id="rId8"/>
-    <p:sldId id="323" r:id="rId9"/>
-    <p:sldId id="315" r:id="rId10"/>
-    <p:sldId id="322" r:id="rId11"/>
-    <p:sldId id="324" r:id="rId12"/>
-    <p:sldId id="321" r:id="rId13"/>
-    <p:sldId id="309" r:id="rId14"/>
-    <p:sldId id="283" r:id="rId15"/>
-    <p:sldId id="320" r:id="rId16"/>
-    <p:sldId id="310" r:id="rId17"/>
-    <p:sldId id="325" r:id="rId18"/>
-    <p:sldId id="311" r:id="rId19"/>
-    <p:sldId id="301" r:id="rId20"/>
-    <p:sldId id="312" r:id="rId21"/>
-    <p:sldId id="290" r:id="rId22"/>
+    <p:sldId id="485" r:id="rId4"/>
+    <p:sldId id="281" r:id="rId5"/>
+    <p:sldId id="318" r:id="rId6"/>
+    <p:sldId id="319" r:id="rId7"/>
+    <p:sldId id="314" r:id="rId8"/>
+    <p:sldId id="317" r:id="rId9"/>
+    <p:sldId id="309" r:id="rId10"/>
+    <p:sldId id="486" r:id="rId11"/>
+    <p:sldId id="323" r:id="rId12"/>
+    <p:sldId id="315" r:id="rId13"/>
+    <p:sldId id="322" r:id="rId14"/>
+    <p:sldId id="324" r:id="rId15"/>
+    <p:sldId id="321" r:id="rId16"/>
+    <p:sldId id="487" r:id="rId17"/>
+    <p:sldId id="320" r:id="rId18"/>
+    <p:sldId id="483" r:id="rId19"/>
+    <p:sldId id="331" r:id="rId20"/>
+    <p:sldId id="326" r:id="rId21"/>
+    <p:sldId id="327" r:id="rId22"/>
+    <p:sldId id="328" r:id="rId23"/>
+    <p:sldId id="329" r:id="rId24"/>
+    <p:sldId id="488" r:id="rId25"/>
+    <p:sldId id="283" r:id="rId26"/>
+    <p:sldId id="484" r:id="rId27"/>
+    <p:sldId id="310" r:id="rId28"/>
+    <p:sldId id="325" r:id="rId29"/>
+    <p:sldId id="311" r:id="rId30"/>
+    <p:sldId id="301" r:id="rId31"/>
+    <p:sldId id="312" r:id="rId32"/>
+    <p:sldId id="290" r:id="rId33"/>
   </p:sldIdLst>
   <p:sldSz cx="9144000" cy="6858000" type="screen4x3"/>
   <p:notesSz cx="6772275" cy="9902825"/>
@@ -967,7 +978,7 @@
       </p:grpSpPr>
       <p:sp>
         <p:nvSpPr>
-          <p:cNvPr id="23554" name="Rectangle 7"/>
+          <p:cNvPr id="20482" name="Rectangle 7"/>
           <p:cNvSpPr>
             <a:spLocks noGrp="1" noChangeArrowheads="1"/>
           </p:cNvSpPr>
@@ -982,10 +993,10 @@
           <a:bodyPr/>
           <a:lstStyle/>
           <a:p>
-            <a:fld id="{ADDC522B-A4B7-427F-AC15-2ED1F139E242}" type="slidenum">
+            <a:fld id="{D37E4059-FDF7-4A87-B188-AF182853AF6A}" type="slidenum">
               <a:rPr lang="en-US" smtClean="0"/>
               <a:pPr/>
-              <a:t>14</a:t>
+              <a:t>12</a:t>
             </a:fld>
             <a:endParaRPr lang="en-US"/>
           </a:p>
@@ -993,7 +1004,7 @@
       </p:sp>
       <p:sp>
         <p:nvSpPr>
-          <p:cNvPr id="23555" name="Rectangle 2"/>
+          <p:cNvPr id="20483" name="Rectangle 2"/>
           <p:cNvSpPr>
             <a:spLocks noGrp="1" noRot="1" noChangeAspect="1" noChangeArrowheads="1" noTextEdit="1"/>
           </p:cNvSpPr>
@@ -1007,7 +1018,7 @@
       </p:sp>
       <p:sp>
         <p:nvSpPr>
-          <p:cNvPr id="23556" name="Rectangle 3"/>
+          <p:cNvPr id="20484" name="Rectangle 3"/>
           <p:cNvSpPr>
             <a:spLocks noGrp="1" noChangeArrowheads="1"/>
           </p:cNvSpPr>
@@ -1031,7 +1042,7 @@
     </p:spTree>
     <p:extLst>
       <p:ext uri="{BB962C8B-B14F-4D97-AF65-F5344CB8AC3E}">
-        <p14:creationId xmlns:p14="http://schemas.microsoft.com/office/powerpoint/2010/main" val="949615111"/>
+        <p14:creationId xmlns:p14="http://schemas.microsoft.com/office/powerpoint/2010/main" val="795708580"/>
       </p:ext>
     </p:extLst>
   </p:cSld>
@@ -1060,7 +1071,7 @@
       </p:grpSpPr>
       <p:sp>
         <p:nvSpPr>
-          <p:cNvPr id="23554" name="Rectangle 7"/>
+          <p:cNvPr id="17410" name="Rectangle 7"/>
           <p:cNvSpPr>
             <a:spLocks noGrp="1" noChangeArrowheads="1"/>
           </p:cNvSpPr>
@@ -1075,10 +1086,10 @@
           <a:bodyPr/>
           <a:lstStyle/>
           <a:p>
-            <a:fld id="{ADDC522B-A4B7-427F-AC15-2ED1F139E242}" type="slidenum">
+            <a:fld id="{9EF728AE-C90F-44F8-A0DE-C808E08B1365}" type="slidenum">
               <a:rPr lang="en-US" smtClean="0"/>
               <a:pPr/>
-              <a:t>15</a:t>
+              <a:t>14</a:t>
             </a:fld>
             <a:endParaRPr lang="en-US"/>
           </a:p>
@@ -1086,7 +1097,7 @@
       </p:sp>
       <p:sp>
         <p:nvSpPr>
-          <p:cNvPr id="23555" name="Rectangle 2"/>
+          <p:cNvPr id="17411" name="Rectangle 2"/>
           <p:cNvSpPr>
             <a:spLocks noGrp="1" noRot="1" noChangeAspect="1" noChangeArrowheads="1" noTextEdit="1"/>
           </p:cNvSpPr>
@@ -1100,7 +1111,7 @@
       </p:sp>
       <p:sp>
         <p:nvSpPr>
-          <p:cNvPr id="23556" name="Rectangle 3"/>
+          <p:cNvPr id="17412" name="Rectangle 3"/>
           <p:cNvSpPr>
             <a:spLocks noGrp="1" noChangeArrowheads="1"/>
           </p:cNvSpPr>
@@ -1124,7 +1135,7 @@
     </p:spTree>
     <p:extLst>
       <p:ext uri="{BB962C8B-B14F-4D97-AF65-F5344CB8AC3E}">
-        <p14:creationId xmlns:p14="http://schemas.microsoft.com/office/powerpoint/2010/main" val="650572508"/>
+        <p14:creationId xmlns:p14="http://schemas.microsoft.com/office/powerpoint/2010/main" val="3909929149"/>
       </p:ext>
     </p:extLst>
   </p:cSld>
@@ -1153,7 +1164,7 @@
       </p:grpSpPr>
       <p:sp>
         <p:nvSpPr>
-          <p:cNvPr id="24578" name="Rectangle 7"/>
+          <p:cNvPr id="16386" name="Rectangle 7"/>
           <p:cNvSpPr>
             <a:spLocks noGrp="1" noChangeArrowheads="1"/>
           </p:cNvSpPr>
@@ -1168,7 +1179,7 @@
           <a:bodyPr/>
           <a:lstStyle/>
           <a:p>
-            <a:fld id="{D9160451-A2C7-4E19-BBFC-D2FC1007B1AB}" type="slidenum">
+            <a:fld id="{91B34325-C08E-4044-8F83-D670CE4449B3}" type="slidenum">
               <a:rPr lang="en-US" smtClean="0"/>
               <a:pPr/>
               <a:t>16</a:t>
@@ -1179,7 +1190,7 @@
       </p:sp>
       <p:sp>
         <p:nvSpPr>
-          <p:cNvPr id="24579" name="Rectangle 2"/>
+          <p:cNvPr id="16387" name="Rectangle 2"/>
           <p:cNvSpPr>
             <a:spLocks noGrp="1" noRot="1" noChangeAspect="1" noChangeArrowheads="1" noTextEdit="1"/>
           </p:cNvSpPr>
@@ -1193,7 +1204,7 @@
       </p:sp>
       <p:sp>
         <p:nvSpPr>
-          <p:cNvPr id="24580" name="Rectangle 3"/>
+          <p:cNvPr id="16388" name="Rectangle 3"/>
           <p:cNvSpPr>
             <a:spLocks noGrp="1" noChangeArrowheads="1"/>
           </p:cNvSpPr>
@@ -1217,7 +1228,7 @@
     </p:spTree>
     <p:extLst>
       <p:ext uri="{BB962C8B-B14F-4D97-AF65-F5344CB8AC3E}">
-        <p14:creationId xmlns:p14="http://schemas.microsoft.com/office/powerpoint/2010/main" val="25964577"/>
+        <p14:creationId xmlns:p14="http://schemas.microsoft.com/office/powerpoint/2010/main" val="2908622688"/>
       </p:ext>
     </p:extLst>
   </p:cSld>
@@ -1246,7 +1257,7 @@
       </p:grpSpPr>
       <p:sp>
         <p:nvSpPr>
-          <p:cNvPr id="24578" name="Rectangle 7"/>
+          <p:cNvPr id="23554" name="Rectangle 7"/>
           <p:cNvSpPr>
             <a:spLocks noGrp="1" noChangeArrowheads="1"/>
           </p:cNvSpPr>
@@ -1261,7 +1272,7 @@
           <a:bodyPr/>
           <a:lstStyle/>
           <a:p>
-            <a:fld id="{D9160451-A2C7-4E19-BBFC-D2FC1007B1AB}" type="slidenum">
+            <a:fld id="{ADDC522B-A4B7-427F-AC15-2ED1F139E242}" type="slidenum">
               <a:rPr lang="en-US" smtClean="0"/>
               <a:pPr/>
               <a:t>17</a:t>
@@ -1272,7 +1283,7 @@
       </p:sp>
       <p:sp>
         <p:nvSpPr>
-          <p:cNvPr id="24579" name="Rectangle 2"/>
+          <p:cNvPr id="23555" name="Rectangle 2"/>
           <p:cNvSpPr>
             <a:spLocks noGrp="1" noRot="1" noChangeAspect="1" noChangeArrowheads="1" noTextEdit="1"/>
           </p:cNvSpPr>
@@ -1286,7 +1297,7 @@
       </p:sp>
       <p:sp>
         <p:nvSpPr>
-          <p:cNvPr id="24580" name="Rectangle 3"/>
+          <p:cNvPr id="23556" name="Rectangle 3"/>
           <p:cNvSpPr>
             <a:spLocks noGrp="1" noChangeArrowheads="1"/>
           </p:cNvSpPr>
@@ -1310,7 +1321,7 @@
     </p:spTree>
     <p:extLst>
       <p:ext uri="{BB962C8B-B14F-4D97-AF65-F5344CB8AC3E}">
-        <p14:creationId xmlns:p14="http://schemas.microsoft.com/office/powerpoint/2010/main" val="1167367061"/>
+        <p14:creationId xmlns:p14="http://schemas.microsoft.com/office/powerpoint/2010/main" val="650572508"/>
       </p:ext>
     </p:extLst>
   </p:cSld>
@@ -1339,7 +1350,7 @@
       </p:grpSpPr>
       <p:sp>
         <p:nvSpPr>
-          <p:cNvPr id="25602" name="Rectangle 7"/>
+          <p:cNvPr id="16386" name="Rectangle 7"/>
           <p:cNvSpPr>
             <a:spLocks noGrp="1" noChangeArrowheads="1"/>
           </p:cNvSpPr>
@@ -1354,10 +1365,10 @@
           <a:bodyPr/>
           <a:lstStyle/>
           <a:p>
-            <a:fld id="{A3FBCAD2-C113-4CA7-8BBB-98CFB0B593F4}" type="slidenum">
+            <a:fld id="{91B34325-C08E-4044-8F83-D670CE4449B3}" type="slidenum">
               <a:rPr lang="en-US" smtClean="0"/>
               <a:pPr/>
-              <a:t>18</a:t>
+              <a:t>24</a:t>
             </a:fld>
             <a:endParaRPr lang="en-US"/>
           </a:p>
@@ -1365,7 +1376,7 @@
       </p:sp>
       <p:sp>
         <p:nvSpPr>
-          <p:cNvPr id="25603" name="Rectangle 2"/>
+          <p:cNvPr id="16387" name="Rectangle 2"/>
           <p:cNvSpPr>
             <a:spLocks noGrp="1" noRot="1" noChangeAspect="1" noChangeArrowheads="1" noTextEdit="1"/>
           </p:cNvSpPr>
@@ -1379,7 +1390,7 @@
       </p:sp>
       <p:sp>
         <p:nvSpPr>
-          <p:cNvPr id="25604" name="Rectangle 3"/>
+          <p:cNvPr id="16388" name="Rectangle 3"/>
           <p:cNvSpPr>
             <a:spLocks noGrp="1" noChangeArrowheads="1"/>
           </p:cNvSpPr>
@@ -1403,7 +1414,7 @@
     </p:spTree>
     <p:extLst>
       <p:ext uri="{BB962C8B-B14F-4D97-AF65-F5344CB8AC3E}">
-        <p14:creationId xmlns:p14="http://schemas.microsoft.com/office/powerpoint/2010/main" val="1658034633"/>
+        <p14:creationId xmlns:p14="http://schemas.microsoft.com/office/powerpoint/2010/main" val="1566607831"/>
       </p:ext>
     </p:extLst>
   </p:cSld>
@@ -1432,7 +1443,7 @@
       </p:grpSpPr>
       <p:sp>
         <p:nvSpPr>
-          <p:cNvPr id="26626" name="Rectangle 7"/>
+          <p:cNvPr id="23554" name="Rectangle 7"/>
           <p:cNvSpPr>
             <a:spLocks noGrp="1" noChangeArrowheads="1"/>
           </p:cNvSpPr>
@@ -1447,10 +1458,10 @@
           <a:bodyPr/>
           <a:lstStyle/>
           <a:p>
-            <a:fld id="{64F51FE0-55BE-4CDF-83EA-6C2B13F07691}" type="slidenum">
+            <a:fld id="{ADDC522B-A4B7-427F-AC15-2ED1F139E242}" type="slidenum">
               <a:rPr lang="en-US" smtClean="0"/>
               <a:pPr/>
-              <a:t>19</a:t>
+              <a:t>25</a:t>
             </a:fld>
             <a:endParaRPr lang="en-US"/>
           </a:p>
@@ -1458,7 +1469,7 @@
       </p:sp>
       <p:sp>
         <p:nvSpPr>
-          <p:cNvPr id="26627" name="Rectangle 2"/>
+          <p:cNvPr id="23555" name="Rectangle 2"/>
           <p:cNvSpPr>
             <a:spLocks noGrp="1" noRot="1" noChangeAspect="1" noChangeArrowheads="1" noTextEdit="1"/>
           </p:cNvSpPr>
@@ -1472,7 +1483,7 @@
       </p:sp>
       <p:sp>
         <p:nvSpPr>
-          <p:cNvPr id="26628" name="Rectangle 3"/>
+          <p:cNvPr id="23556" name="Rectangle 3"/>
           <p:cNvSpPr>
             <a:spLocks noGrp="1" noChangeArrowheads="1"/>
           </p:cNvSpPr>
@@ -1496,7 +1507,7 @@
     </p:spTree>
     <p:extLst>
       <p:ext uri="{BB962C8B-B14F-4D97-AF65-F5344CB8AC3E}">
-        <p14:creationId xmlns:p14="http://schemas.microsoft.com/office/powerpoint/2010/main" val="4131240320"/>
+        <p14:creationId xmlns:p14="http://schemas.microsoft.com/office/powerpoint/2010/main" val="949615111"/>
       </p:ext>
     </p:extLst>
   </p:cSld>
@@ -1525,7 +1536,7 @@
       </p:grpSpPr>
       <p:sp>
         <p:nvSpPr>
-          <p:cNvPr id="27650" name="Rectangle 7"/>
+          <p:cNvPr id="23554" name="Rectangle 7"/>
           <p:cNvSpPr>
             <a:spLocks noGrp="1" noChangeArrowheads="1"/>
           </p:cNvSpPr>
@@ -1540,10 +1551,10 @@
           <a:bodyPr/>
           <a:lstStyle/>
           <a:p>
-            <a:fld id="{B749E452-0B7D-4586-8851-C752047CDF0A}" type="slidenum">
+            <a:fld id="{ADDC522B-A4B7-427F-AC15-2ED1F139E242}" type="slidenum">
               <a:rPr lang="en-US" smtClean="0"/>
               <a:pPr/>
-              <a:t>20</a:t>
+              <a:t>26</a:t>
             </a:fld>
             <a:endParaRPr lang="en-US"/>
           </a:p>
@@ -1551,7 +1562,7 @@
       </p:sp>
       <p:sp>
         <p:nvSpPr>
-          <p:cNvPr id="27651" name="Rectangle 2"/>
+          <p:cNvPr id="23555" name="Rectangle 2"/>
           <p:cNvSpPr>
             <a:spLocks noGrp="1" noRot="1" noChangeAspect="1" noChangeArrowheads="1" noTextEdit="1"/>
           </p:cNvSpPr>
@@ -1565,7 +1576,7 @@
       </p:sp>
       <p:sp>
         <p:nvSpPr>
-          <p:cNvPr id="27652" name="Rectangle 3"/>
+          <p:cNvPr id="23556" name="Rectangle 3"/>
           <p:cNvSpPr>
             <a:spLocks noGrp="1" noChangeArrowheads="1"/>
           </p:cNvSpPr>
@@ -1589,7 +1600,7 @@
     </p:spTree>
     <p:extLst>
       <p:ext uri="{BB962C8B-B14F-4D97-AF65-F5344CB8AC3E}">
-        <p14:creationId xmlns:p14="http://schemas.microsoft.com/office/powerpoint/2010/main" val="877811032"/>
+        <p14:creationId xmlns:p14="http://schemas.microsoft.com/office/powerpoint/2010/main" val="2346836059"/>
       </p:ext>
     </p:extLst>
   </p:cSld>
@@ -1618,7 +1629,7 @@
       </p:grpSpPr>
       <p:sp>
         <p:nvSpPr>
-          <p:cNvPr id="28674" name="Rectangle 7"/>
+          <p:cNvPr id="24578" name="Rectangle 7"/>
           <p:cNvSpPr>
             <a:spLocks noGrp="1" noChangeArrowheads="1"/>
           </p:cNvSpPr>
@@ -1633,10 +1644,10 @@
           <a:bodyPr/>
           <a:lstStyle/>
           <a:p>
-            <a:fld id="{FC9E0E19-FE68-4D35-9797-A0D2867D542C}" type="slidenum">
+            <a:fld id="{D9160451-A2C7-4E19-BBFC-D2FC1007B1AB}" type="slidenum">
               <a:rPr lang="en-US" smtClean="0"/>
               <a:pPr/>
-              <a:t>21</a:t>
+              <a:t>27</a:t>
             </a:fld>
             <a:endParaRPr lang="en-US"/>
           </a:p>
@@ -1644,7 +1655,7 @@
       </p:sp>
       <p:sp>
         <p:nvSpPr>
-          <p:cNvPr id="28675" name="Rectangle 2"/>
+          <p:cNvPr id="24579" name="Rectangle 2"/>
           <p:cNvSpPr>
             <a:spLocks noGrp="1" noRot="1" noChangeAspect="1" noChangeArrowheads="1" noTextEdit="1"/>
           </p:cNvSpPr>
@@ -1658,7 +1669,7 @@
       </p:sp>
       <p:sp>
         <p:nvSpPr>
-          <p:cNvPr id="28676" name="Rectangle 3"/>
+          <p:cNvPr id="24580" name="Rectangle 3"/>
           <p:cNvSpPr>
             <a:spLocks noGrp="1" noChangeArrowheads="1"/>
           </p:cNvSpPr>
@@ -1682,7 +1693,193 @@
     </p:spTree>
     <p:extLst>
       <p:ext uri="{BB962C8B-B14F-4D97-AF65-F5344CB8AC3E}">
-        <p14:creationId xmlns:p14="http://schemas.microsoft.com/office/powerpoint/2010/main" val="386983841"/>
+        <p14:creationId xmlns:p14="http://schemas.microsoft.com/office/powerpoint/2010/main" val="25964577"/>
+      </p:ext>
+    </p:extLst>
+  </p:cSld>
+  <p:clrMapOvr>
+    <a:masterClrMapping/>
+  </p:clrMapOvr>
+</p:notes>
+</file>
+
+<file path=ppt/notesSlides/notesSlide18.xml><?xml version="1.0" encoding="utf-8"?>
+<p:notes xmlns:a="http://schemas.openxmlformats.org/drawingml/2006/main" xmlns:r="http://schemas.openxmlformats.org/officeDocument/2006/relationships" xmlns:p="http://schemas.openxmlformats.org/presentationml/2006/main">
+  <p:cSld>
+    <p:spTree>
+      <p:nvGrpSpPr>
+        <p:cNvPr id="1" name=""/>
+        <p:cNvGrpSpPr/>
+        <p:nvPr/>
+      </p:nvGrpSpPr>
+      <p:grpSpPr>
+        <a:xfrm>
+          <a:off x="0" y="0"/>
+          <a:ext cx="0" cy="0"/>
+          <a:chOff x="0" y="0"/>
+          <a:chExt cx="0" cy="0"/>
+        </a:xfrm>
+      </p:grpSpPr>
+      <p:sp>
+        <p:nvSpPr>
+          <p:cNvPr id="24578" name="Rectangle 7"/>
+          <p:cNvSpPr>
+            <a:spLocks noGrp="1" noChangeArrowheads="1"/>
+          </p:cNvSpPr>
+          <p:nvPr>
+            <p:ph type="sldNum" sz="quarter" idx="5"/>
+          </p:nvPr>
+        </p:nvSpPr>
+        <p:spPr>
+          <a:noFill/>
+        </p:spPr>
+        <p:txBody>
+          <a:bodyPr/>
+          <a:lstStyle/>
+          <a:p>
+            <a:fld id="{D9160451-A2C7-4E19-BBFC-D2FC1007B1AB}" type="slidenum">
+              <a:rPr lang="en-US" smtClean="0"/>
+              <a:pPr/>
+              <a:t>28</a:t>
+            </a:fld>
+            <a:endParaRPr lang="en-US"/>
+          </a:p>
+        </p:txBody>
+      </p:sp>
+      <p:sp>
+        <p:nvSpPr>
+          <p:cNvPr id="24579" name="Rectangle 2"/>
+          <p:cNvSpPr>
+            <a:spLocks noGrp="1" noRot="1" noChangeAspect="1" noChangeArrowheads="1" noTextEdit="1"/>
+          </p:cNvSpPr>
+          <p:nvPr>
+            <p:ph type="sldImg"/>
+          </p:nvPr>
+        </p:nvSpPr>
+        <p:spPr>
+          <a:ln/>
+        </p:spPr>
+      </p:sp>
+      <p:sp>
+        <p:nvSpPr>
+          <p:cNvPr id="24580" name="Rectangle 3"/>
+          <p:cNvSpPr>
+            <a:spLocks noGrp="1" noChangeArrowheads="1"/>
+          </p:cNvSpPr>
+          <p:nvPr>
+            <p:ph type="body" idx="1"/>
+          </p:nvPr>
+        </p:nvSpPr>
+        <p:spPr>
+          <a:noFill/>
+          <a:ln/>
+        </p:spPr>
+        <p:txBody>
+          <a:bodyPr/>
+          <a:lstStyle/>
+          <a:p>
+            <a:pPr eaLnBrk="1" hangingPunct="1"/>
+            <a:endParaRPr lang="en-US"/>
+          </a:p>
+        </p:txBody>
+      </p:sp>
+    </p:spTree>
+    <p:extLst>
+      <p:ext uri="{BB962C8B-B14F-4D97-AF65-F5344CB8AC3E}">
+        <p14:creationId xmlns:p14="http://schemas.microsoft.com/office/powerpoint/2010/main" val="1167367061"/>
+      </p:ext>
+    </p:extLst>
+  </p:cSld>
+  <p:clrMapOvr>
+    <a:masterClrMapping/>
+  </p:clrMapOvr>
+</p:notes>
+</file>
+
+<file path=ppt/notesSlides/notesSlide19.xml><?xml version="1.0" encoding="utf-8"?>
+<p:notes xmlns:a="http://schemas.openxmlformats.org/drawingml/2006/main" xmlns:r="http://schemas.openxmlformats.org/officeDocument/2006/relationships" xmlns:p="http://schemas.openxmlformats.org/presentationml/2006/main">
+  <p:cSld>
+    <p:spTree>
+      <p:nvGrpSpPr>
+        <p:cNvPr id="1" name=""/>
+        <p:cNvGrpSpPr/>
+        <p:nvPr/>
+      </p:nvGrpSpPr>
+      <p:grpSpPr>
+        <a:xfrm>
+          <a:off x="0" y="0"/>
+          <a:ext cx="0" cy="0"/>
+          <a:chOff x="0" y="0"/>
+          <a:chExt cx="0" cy="0"/>
+        </a:xfrm>
+      </p:grpSpPr>
+      <p:sp>
+        <p:nvSpPr>
+          <p:cNvPr id="25602" name="Rectangle 7"/>
+          <p:cNvSpPr>
+            <a:spLocks noGrp="1" noChangeArrowheads="1"/>
+          </p:cNvSpPr>
+          <p:nvPr>
+            <p:ph type="sldNum" sz="quarter" idx="5"/>
+          </p:nvPr>
+        </p:nvSpPr>
+        <p:spPr>
+          <a:noFill/>
+        </p:spPr>
+        <p:txBody>
+          <a:bodyPr/>
+          <a:lstStyle/>
+          <a:p>
+            <a:fld id="{A3FBCAD2-C113-4CA7-8BBB-98CFB0B593F4}" type="slidenum">
+              <a:rPr lang="en-US" smtClean="0"/>
+              <a:pPr/>
+              <a:t>29</a:t>
+            </a:fld>
+            <a:endParaRPr lang="en-US"/>
+          </a:p>
+        </p:txBody>
+      </p:sp>
+      <p:sp>
+        <p:nvSpPr>
+          <p:cNvPr id="25603" name="Rectangle 2"/>
+          <p:cNvSpPr>
+            <a:spLocks noGrp="1" noRot="1" noChangeAspect="1" noChangeArrowheads="1" noTextEdit="1"/>
+          </p:cNvSpPr>
+          <p:nvPr>
+            <p:ph type="sldImg"/>
+          </p:nvPr>
+        </p:nvSpPr>
+        <p:spPr>
+          <a:ln/>
+        </p:spPr>
+      </p:sp>
+      <p:sp>
+        <p:nvSpPr>
+          <p:cNvPr id="25604" name="Rectangle 3"/>
+          <p:cNvSpPr>
+            <a:spLocks noGrp="1" noChangeArrowheads="1"/>
+          </p:cNvSpPr>
+          <p:nvPr>
+            <p:ph type="body" idx="1"/>
+          </p:nvPr>
+        </p:nvSpPr>
+        <p:spPr>
+          <a:noFill/>
+          <a:ln/>
+        </p:spPr>
+        <p:txBody>
+          <a:bodyPr/>
+          <a:lstStyle/>
+          <a:p>
+            <a:pPr eaLnBrk="1" hangingPunct="1"/>
+            <a:endParaRPr lang="en-US"/>
+          </a:p>
+        </p:txBody>
+      </p:sp>
+    </p:spTree>
+    <p:extLst>
+      <p:ext uri="{BB962C8B-B14F-4D97-AF65-F5344CB8AC3E}">
+        <p14:creationId xmlns:p14="http://schemas.microsoft.com/office/powerpoint/2010/main" val="1658034633"/>
       </p:ext>
     </p:extLst>
   </p:cSld>
@@ -1781,6 +1978,285 @@
 </p:notes>
 </file>
 
+<file path=ppt/notesSlides/notesSlide20.xml><?xml version="1.0" encoding="utf-8"?>
+<p:notes xmlns:a="http://schemas.openxmlformats.org/drawingml/2006/main" xmlns:r="http://schemas.openxmlformats.org/officeDocument/2006/relationships" xmlns:p="http://schemas.openxmlformats.org/presentationml/2006/main">
+  <p:cSld>
+    <p:spTree>
+      <p:nvGrpSpPr>
+        <p:cNvPr id="1" name=""/>
+        <p:cNvGrpSpPr/>
+        <p:nvPr/>
+      </p:nvGrpSpPr>
+      <p:grpSpPr>
+        <a:xfrm>
+          <a:off x="0" y="0"/>
+          <a:ext cx="0" cy="0"/>
+          <a:chOff x="0" y="0"/>
+          <a:chExt cx="0" cy="0"/>
+        </a:xfrm>
+      </p:grpSpPr>
+      <p:sp>
+        <p:nvSpPr>
+          <p:cNvPr id="26626" name="Rectangle 7"/>
+          <p:cNvSpPr>
+            <a:spLocks noGrp="1" noChangeArrowheads="1"/>
+          </p:cNvSpPr>
+          <p:nvPr>
+            <p:ph type="sldNum" sz="quarter" idx="5"/>
+          </p:nvPr>
+        </p:nvSpPr>
+        <p:spPr>
+          <a:noFill/>
+        </p:spPr>
+        <p:txBody>
+          <a:bodyPr/>
+          <a:lstStyle/>
+          <a:p>
+            <a:fld id="{64F51FE0-55BE-4CDF-83EA-6C2B13F07691}" type="slidenum">
+              <a:rPr lang="en-US" smtClean="0"/>
+              <a:pPr/>
+              <a:t>30</a:t>
+            </a:fld>
+            <a:endParaRPr lang="en-US"/>
+          </a:p>
+        </p:txBody>
+      </p:sp>
+      <p:sp>
+        <p:nvSpPr>
+          <p:cNvPr id="26627" name="Rectangle 2"/>
+          <p:cNvSpPr>
+            <a:spLocks noGrp="1" noRot="1" noChangeAspect="1" noChangeArrowheads="1" noTextEdit="1"/>
+          </p:cNvSpPr>
+          <p:nvPr>
+            <p:ph type="sldImg"/>
+          </p:nvPr>
+        </p:nvSpPr>
+        <p:spPr>
+          <a:ln/>
+        </p:spPr>
+      </p:sp>
+      <p:sp>
+        <p:nvSpPr>
+          <p:cNvPr id="26628" name="Rectangle 3"/>
+          <p:cNvSpPr>
+            <a:spLocks noGrp="1" noChangeArrowheads="1"/>
+          </p:cNvSpPr>
+          <p:nvPr>
+            <p:ph type="body" idx="1"/>
+          </p:nvPr>
+        </p:nvSpPr>
+        <p:spPr>
+          <a:noFill/>
+          <a:ln/>
+        </p:spPr>
+        <p:txBody>
+          <a:bodyPr/>
+          <a:lstStyle/>
+          <a:p>
+            <a:pPr eaLnBrk="1" hangingPunct="1"/>
+            <a:endParaRPr lang="en-US"/>
+          </a:p>
+        </p:txBody>
+      </p:sp>
+    </p:spTree>
+    <p:extLst>
+      <p:ext uri="{BB962C8B-B14F-4D97-AF65-F5344CB8AC3E}">
+        <p14:creationId xmlns:p14="http://schemas.microsoft.com/office/powerpoint/2010/main" val="4131240320"/>
+      </p:ext>
+    </p:extLst>
+  </p:cSld>
+  <p:clrMapOvr>
+    <a:masterClrMapping/>
+  </p:clrMapOvr>
+</p:notes>
+</file>
+
+<file path=ppt/notesSlides/notesSlide21.xml><?xml version="1.0" encoding="utf-8"?>
+<p:notes xmlns:a="http://schemas.openxmlformats.org/drawingml/2006/main" xmlns:r="http://schemas.openxmlformats.org/officeDocument/2006/relationships" xmlns:p="http://schemas.openxmlformats.org/presentationml/2006/main">
+  <p:cSld>
+    <p:spTree>
+      <p:nvGrpSpPr>
+        <p:cNvPr id="1" name=""/>
+        <p:cNvGrpSpPr/>
+        <p:nvPr/>
+      </p:nvGrpSpPr>
+      <p:grpSpPr>
+        <a:xfrm>
+          <a:off x="0" y="0"/>
+          <a:ext cx="0" cy="0"/>
+          <a:chOff x="0" y="0"/>
+          <a:chExt cx="0" cy="0"/>
+        </a:xfrm>
+      </p:grpSpPr>
+      <p:sp>
+        <p:nvSpPr>
+          <p:cNvPr id="27650" name="Rectangle 7"/>
+          <p:cNvSpPr>
+            <a:spLocks noGrp="1" noChangeArrowheads="1"/>
+          </p:cNvSpPr>
+          <p:nvPr>
+            <p:ph type="sldNum" sz="quarter" idx="5"/>
+          </p:nvPr>
+        </p:nvSpPr>
+        <p:spPr>
+          <a:noFill/>
+        </p:spPr>
+        <p:txBody>
+          <a:bodyPr/>
+          <a:lstStyle/>
+          <a:p>
+            <a:fld id="{B749E452-0B7D-4586-8851-C752047CDF0A}" type="slidenum">
+              <a:rPr lang="en-US" smtClean="0"/>
+              <a:pPr/>
+              <a:t>31</a:t>
+            </a:fld>
+            <a:endParaRPr lang="en-US"/>
+          </a:p>
+        </p:txBody>
+      </p:sp>
+      <p:sp>
+        <p:nvSpPr>
+          <p:cNvPr id="27651" name="Rectangle 2"/>
+          <p:cNvSpPr>
+            <a:spLocks noGrp="1" noRot="1" noChangeAspect="1" noChangeArrowheads="1" noTextEdit="1"/>
+          </p:cNvSpPr>
+          <p:nvPr>
+            <p:ph type="sldImg"/>
+          </p:nvPr>
+        </p:nvSpPr>
+        <p:spPr>
+          <a:ln/>
+        </p:spPr>
+      </p:sp>
+      <p:sp>
+        <p:nvSpPr>
+          <p:cNvPr id="27652" name="Rectangle 3"/>
+          <p:cNvSpPr>
+            <a:spLocks noGrp="1" noChangeArrowheads="1"/>
+          </p:cNvSpPr>
+          <p:nvPr>
+            <p:ph type="body" idx="1"/>
+          </p:nvPr>
+        </p:nvSpPr>
+        <p:spPr>
+          <a:noFill/>
+          <a:ln/>
+        </p:spPr>
+        <p:txBody>
+          <a:bodyPr/>
+          <a:lstStyle/>
+          <a:p>
+            <a:pPr eaLnBrk="1" hangingPunct="1"/>
+            <a:endParaRPr lang="en-US"/>
+          </a:p>
+        </p:txBody>
+      </p:sp>
+    </p:spTree>
+    <p:extLst>
+      <p:ext uri="{BB962C8B-B14F-4D97-AF65-F5344CB8AC3E}">
+        <p14:creationId xmlns:p14="http://schemas.microsoft.com/office/powerpoint/2010/main" val="877811032"/>
+      </p:ext>
+    </p:extLst>
+  </p:cSld>
+  <p:clrMapOvr>
+    <a:masterClrMapping/>
+  </p:clrMapOvr>
+</p:notes>
+</file>
+
+<file path=ppt/notesSlides/notesSlide22.xml><?xml version="1.0" encoding="utf-8"?>
+<p:notes xmlns:a="http://schemas.openxmlformats.org/drawingml/2006/main" xmlns:r="http://schemas.openxmlformats.org/officeDocument/2006/relationships" xmlns:p="http://schemas.openxmlformats.org/presentationml/2006/main">
+  <p:cSld>
+    <p:spTree>
+      <p:nvGrpSpPr>
+        <p:cNvPr id="1" name=""/>
+        <p:cNvGrpSpPr/>
+        <p:nvPr/>
+      </p:nvGrpSpPr>
+      <p:grpSpPr>
+        <a:xfrm>
+          <a:off x="0" y="0"/>
+          <a:ext cx="0" cy="0"/>
+          <a:chOff x="0" y="0"/>
+          <a:chExt cx="0" cy="0"/>
+        </a:xfrm>
+      </p:grpSpPr>
+      <p:sp>
+        <p:nvSpPr>
+          <p:cNvPr id="28674" name="Rectangle 7"/>
+          <p:cNvSpPr>
+            <a:spLocks noGrp="1" noChangeArrowheads="1"/>
+          </p:cNvSpPr>
+          <p:nvPr>
+            <p:ph type="sldNum" sz="quarter" idx="5"/>
+          </p:nvPr>
+        </p:nvSpPr>
+        <p:spPr>
+          <a:noFill/>
+        </p:spPr>
+        <p:txBody>
+          <a:bodyPr/>
+          <a:lstStyle/>
+          <a:p>
+            <a:fld id="{FC9E0E19-FE68-4D35-9797-A0D2867D542C}" type="slidenum">
+              <a:rPr lang="en-US" smtClean="0"/>
+              <a:pPr/>
+              <a:t>32</a:t>
+            </a:fld>
+            <a:endParaRPr lang="en-US"/>
+          </a:p>
+        </p:txBody>
+      </p:sp>
+      <p:sp>
+        <p:nvSpPr>
+          <p:cNvPr id="28675" name="Rectangle 2"/>
+          <p:cNvSpPr>
+            <a:spLocks noGrp="1" noRot="1" noChangeAspect="1" noChangeArrowheads="1" noTextEdit="1"/>
+          </p:cNvSpPr>
+          <p:nvPr>
+            <p:ph type="sldImg"/>
+          </p:nvPr>
+        </p:nvSpPr>
+        <p:spPr>
+          <a:ln/>
+        </p:spPr>
+      </p:sp>
+      <p:sp>
+        <p:nvSpPr>
+          <p:cNvPr id="28676" name="Rectangle 3"/>
+          <p:cNvSpPr>
+            <a:spLocks noGrp="1" noChangeArrowheads="1"/>
+          </p:cNvSpPr>
+          <p:nvPr>
+            <p:ph type="body" idx="1"/>
+          </p:nvPr>
+        </p:nvSpPr>
+        <p:spPr>
+          <a:noFill/>
+          <a:ln/>
+        </p:spPr>
+        <p:txBody>
+          <a:bodyPr/>
+          <a:lstStyle/>
+          <a:p>
+            <a:pPr eaLnBrk="1" hangingPunct="1"/>
+            <a:endParaRPr lang="en-US"/>
+          </a:p>
+        </p:txBody>
+      </p:sp>
+    </p:spTree>
+    <p:extLst>
+      <p:ext uri="{BB962C8B-B14F-4D97-AF65-F5344CB8AC3E}">
+        <p14:creationId xmlns:p14="http://schemas.microsoft.com/office/powerpoint/2010/main" val="386983841"/>
+      </p:ext>
+    </p:extLst>
+  </p:cSld>
+  <p:clrMapOvr>
+    <a:masterClrMapping/>
+  </p:clrMapOvr>
+</p:notes>
+</file>
+
 <file path=ppt/notesSlides/notesSlide3.xml><?xml version="1.0" encoding="utf-8"?>
 <p:notes xmlns:a="http://schemas.openxmlformats.org/drawingml/2006/main" xmlns:r="http://schemas.openxmlformats.org/officeDocument/2006/relationships" xmlns:p="http://schemas.openxmlformats.org/presentationml/2006/main">
   <p:cSld>
@@ -1800,7 +2276,7 @@
       </p:grpSpPr>
       <p:sp>
         <p:nvSpPr>
-          <p:cNvPr id="17410" name="Rectangle 7"/>
+          <p:cNvPr id="16386" name="Rectangle 7"/>
           <p:cNvSpPr>
             <a:spLocks noGrp="1" noChangeArrowheads="1"/>
           </p:cNvSpPr>
@@ -1815,7 +2291,7 @@
           <a:bodyPr/>
           <a:lstStyle/>
           <a:p>
-            <a:fld id="{9EF728AE-C90F-44F8-A0DE-C808E08B1365}" type="slidenum">
+            <a:fld id="{91B34325-C08E-4044-8F83-D670CE4449B3}" type="slidenum">
               <a:rPr lang="en-US" smtClean="0"/>
               <a:pPr/>
               <a:t>3</a:t>
@@ -1826,7 +2302,7 @@
       </p:sp>
       <p:sp>
         <p:nvSpPr>
-          <p:cNvPr id="17411" name="Rectangle 2"/>
+          <p:cNvPr id="16387" name="Rectangle 2"/>
           <p:cNvSpPr>
             <a:spLocks noGrp="1" noRot="1" noChangeAspect="1" noChangeArrowheads="1" noTextEdit="1"/>
           </p:cNvSpPr>
@@ -1840,7 +2316,7 @@
       </p:sp>
       <p:sp>
         <p:nvSpPr>
-          <p:cNvPr id="17412" name="Rectangle 3"/>
+          <p:cNvPr id="16388" name="Rectangle 3"/>
           <p:cNvSpPr>
             <a:spLocks noGrp="1" noChangeArrowheads="1"/>
           </p:cNvSpPr>
@@ -1864,7 +2340,7 @@
     </p:spTree>
     <p:extLst>
       <p:ext uri="{BB962C8B-B14F-4D97-AF65-F5344CB8AC3E}">
-        <p14:creationId xmlns:p14="http://schemas.microsoft.com/office/powerpoint/2010/main" val="3661901259"/>
+        <p14:creationId xmlns:p14="http://schemas.microsoft.com/office/powerpoint/2010/main" val="3669794406"/>
       </p:ext>
     </p:extLst>
   </p:cSld>
@@ -1893,7 +2369,7 @@
       </p:grpSpPr>
       <p:sp>
         <p:nvSpPr>
-          <p:cNvPr id="19458" name="Rectangle 7"/>
+          <p:cNvPr id="17410" name="Rectangle 7"/>
           <p:cNvSpPr>
             <a:spLocks noGrp="1" noChangeArrowheads="1"/>
           </p:cNvSpPr>
@@ -1908,10 +2384,10 @@
           <a:bodyPr/>
           <a:lstStyle/>
           <a:p>
-            <a:fld id="{02B3A5F0-C02B-47F8-A8A9-EE4CA3FD156C}" type="slidenum">
+            <a:fld id="{9EF728AE-C90F-44F8-A0DE-C808E08B1365}" type="slidenum">
               <a:rPr lang="en-US" smtClean="0"/>
               <a:pPr/>
-              <a:t>6</a:t>
+              <a:t>4</a:t>
             </a:fld>
             <a:endParaRPr lang="en-US"/>
           </a:p>
@@ -1919,7 +2395,7 @@
       </p:sp>
       <p:sp>
         <p:nvSpPr>
-          <p:cNvPr id="19459" name="Rectangle 2"/>
+          <p:cNvPr id="17411" name="Rectangle 2"/>
           <p:cNvSpPr>
             <a:spLocks noGrp="1" noRot="1" noChangeAspect="1" noChangeArrowheads="1" noTextEdit="1"/>
           </p:cNvSpPr>
@@ -1933,7 +2409,7 @@
       </p:sp>
       <p:sp>
         <p:nvSpPr>
-          <p:cNvPr id="19460" name="Rectangle 3"/>
+          <p:cNvPr id="17412" name="Rectangle 3"/>
           <p:cNvSpPr>
             <a:spLocks noGrp="1" noChangeArrowheads="1"/>
           </p:cNvSpPr>
@@ -1957,7 +2433,7 @@
     </p:spTree>
     <p:extLst>
       <p:ext uri="{BB962C8B-B14F-4D97-AF65-F5344CB8AC3E}">
-        <p14:creationId xmlns:p14="http://schemas.microsoft.com/office/powerpoint/2010/main" val="2046208575"/>
+        <p14:creationId xmlns:p14="http://schemas.microsoft.com/office/powerpoint/2010/main" val="3661901259"/>
       </p:ext>
     </p:extLst>
   </p:cSld>
@@ -1986,7 +2462,7 @@
       </p:grpSpPr>
       <p:sp>
         <p:nvSpPr>
-          <p:cNvPr id="17410" name="Rectangle 7"/>
+          <p:cNvPr id="19458" name="Rectangle 7"/>
           <p:cNvSpPr>
             <a:spLocks noGrp="1" noChangeArrowheads="1"/>
           </p:cNvSpPr>
@@ -2001,7 +2477,7 @@
           <a:bodyPr/>
           <a:lstStyle/>
           <a:p>
-            <a:fld id="{9EF728AE-C90F-44F8-A0DE-C808E08B1365}" type="slidenum">
+            <a:fld id="{02B3A5F0-C02B-47F8-A8A9-EE4CA3FD156C}" type="slidenum">
               <a:rPr lang="en-US" smtClean="0"/>
               <a:pPr/>
               <a:t>7</a:t>
@@ -2012,7 +2488,7 @@
       </p:sp>
       <p:sp>
         <p:nvSpPr>
-          <p:cNvPr id="17411" name="Rectangle 2"/>
+          <p:cNvPr id="19459" name="Rectangle 2"/>
           <p:cNvSpPr>
             <a:spLocks noGrp="1" noRot="1" noChangeAspect="1" noChangeArrowheads="1" noTextEdit="1"/>
           </p:cNvSpPr>
@@ -2026,7 +2502,7 @@
       </p:sp>
       <p:sp>
         <p:nvSpPr>
-          <p:cNvPr id="17412" name="Rectangle 3"/>
+          <p:cNvPr id="19460" name="Rectangle 3"/>
           <p:cNvSpPr>
             <a:spLocks noGrp="1" noChangeArrowheads="1"/>
           </p:cNvSpPr>
@@ -2050,7 +2526,7 @@
     </p:spTree>
     <p:extLst>
       <p:ext uri="{BB962C8B-B14F-4D97-AF65-F5344CB8AC3E}">
-        <p14:creationId xmlns:p14="http://schemas.microsoft.com/office/powerpoint/2010/main" val="1342264179"/>
+        <p14:creationId xmlns:p14="http://schemas.microsoft.com/office/powerpoint/2010/main" val="2046208575"/>
       </p:ext>
     </p:extLst>
   </p:cSld>
@@ -2079,7 +2555,7 @@
       </p:grpSpPr>
       <p:sp>
         <p:nvSpPr>
-          <p:cNvPr id="19458" name="Rectangle 7"/>
+          <p:cNvPr id="17410" name="Rectangle 7"/>
           <p:cNvSpPr>
             <a:spLocks noGrp="1" noChangeArrowheads="1"/>
           </p:cNvSpPr>
@@ -2094,7 +2570,7 @@
           <a:bodyPr/>
           <a:lstStyle/>
           <a:p>
-            <a:fld id="{02B3A5F0-C02B-47F8-A8A9-EE4CA3FD156C}" type="slidenum">
+            <a:fld id="{9EF728AE-C90F-44F8-A0DE-C808E08B1365}" type="slidenum">
               <a:rPr lang="en-US" smtClean="0"/>
               <a:pPr/>
               <a:t>8</a:t>
@@ -2105,7 +2581,7 @@
       </p:sp>
       <p:sp>
         <p:nvSpPr>
-          <p:cNvPr id="19459" name="Rectangle 2"/>
+          <p:cNvPr id="17411" name="Rectangle 2"/>
           <p:cNvSpPr>
             <a:spLocks noGrp="1" noRot="1" noChangeAspect="1" noChangeArrowheads="1" noTextEdit="1"/>
           </p:cNvSpPr>
@@ -2119,7 +2595,7 @@
       </p:sp>
       <p:sp>
         <p:nvSpPr>
-          <p:cNvPr id="19460" name="Rectangle 3"/>
+          <p:cNvPr id="17412" name="Rectangle 3"/>
           <p:cNvSpPr>
             <a:spLocks noGrp="1" noChangeArrowheads="1"/>
           </p:cNvSpPr>
@@ -2143,7 +2619,7 @@
     </p:spTree>
     <p:extLst>
       <p:ext uri="{BB962C8B-B14F-4D97-AF65-F5344CB8AC3E}">
-        <p14:creationId xmlns:p14="http://schemas.microsoft.com/office/powerpoint/2010/main" val="1127886469"/>
+        <p14:creationId xmlns:p14="http://schemas.microsoft.com/office/powerpoint/2010/main" val="1342264179"/>
       </p:ext>
     </p:extLst>
   </p:cSld>
@@ -2172,7 +2648,7 @@
       </p:grpSpPr>
       <p:sp>
         <p:nvSpPr>
-          <p:cNvPr id="20482" name="Rectangle 7"/>
+          <p:cNvPr id="22530" name="Rectangle 7"/>
           <p:cNvSpPr>
             <a:spLocks noGrp="1" noChangeArrowheads="1"/>
           </p:cNvSpPr>
@@ -2187,7 +2663,7 @@
           <a:bodyPr/>
           <a:lstStyle/>
           <a:p>
-            <a:fld id="{D37E4059-FDF7-4A87-B188-AF182853AF6A}" type="slidenum">
+            <a:fld id="{5A85A754-D7B7-475E-A067-9E1E6C46FC53}" type="slidenum">
               <a:rPr lang="en-US" smtClean="0"/>
               <a:pPr/>
               <a:t>9</a:t>
@@ -2198,7 +2674,7 @@
       </p:sp>
       <p:sp>
         <p:nvSpPr>
-          <p:cNvPr id="20483" name="Rectangle 2"/>
+          <p:cNvPr id="22531" name="Rectangle 2"/>
           <p:cNvSpPr>
             <a:spLocks noGrp="1" noRot="1" noChangeAspect="1" noChangeArrowheads="1" noTextEdit="1"/>
           </p:cNvSpPr>
@@ -2207,12 +2683,16 @@
           </p:nvPr>
         </p:nvSpPr>
         <p:spPr>
+          <a:xfrm>
+            <a:off x="911225" y="742950"/>
+            <a:ext cx="4951413" cy="3713163"/>
+          </a:xfrm>
           <a:ln/>
         </p:spPr>
       </p:sp>
       <p:sp>
         <p:nvSpPr>
-          <p:cNvPr id="20484" name="Rectangle 3"/>
+          <p:cNvPr id="22532" name="Rectangle 3"/>
           <p:cNvSpPr>
             <a:spLocks noGrp="1" noChangeArrowheads="1"/>
           </p:cNvSpPr>
@@ -2236,7 +2716,7 @@
     </p:spTree>
     <p:extLst>
       <p:ext uri="{BB962C8B-B14F-4D97-AF65-F5344CB8AC3E}">
-        <p14:creationId xmlns:p14="http://schemas.microsoft.com/office/powerpoint/2010/main" val="795708580"/>
+        <p14:creationId xmlns:p14="http://schemas.microsoft.com/office/powerpoint/2010/main" val="3593866179"/>
       </p:ext>
     </p:extLst>
   </p:cSld>
@@ -2265,7 +2745,7 @@
       </p:grpSpPr>
       <p:sp>
         <p:nvSpPr>
-          <p:cNvPr id="17410" name="Rectangle 7"/>
+          <p:cNvPr id="16386" name="Rectangle 7"/>
           <p:cNvSpPr>
             <a:spLocks noGrp="1" noChangeArrowheads="1"/>
           </p:cNvSpPr>
@@ -2280,10 +2760,10 @@
           <a:bodyPr/>
           <a:lstStyle/>
           <a:p>
-            <a:fld id="{9EF728AE-C90F-44F8-A0DE-C808E08B1365}" type="slidenum">
+            <a:fld id="{91B34325-C08E-4044-8F83-D670CE4449B3}" type="slidenum">
               <a:rPr lang="en-US" smtClean="0"/>
               <a:pPr/>
-              <a:t>11</a:t>
+              <a:t>10</a:t>
             </a:fld>
             <a:endParaRPr lang="en-US"/>
           </a:p>
@@ -2291,7 +2771,7 @@
       </p:sp>
       <p:sp>
         <p:nvSpPr>
-          <p:cNvPr id="17411" name="Rectangle 2"/>
+          <p:cNvPr id="16387" name="Rectangle 2"/>
           <p:cNvSpPr>
             <a:spLocks noGrp="1" noRot="1" noChangeAspect="1" noChangeArrowheads="1" noTextEdit="1"/>
           </p:cNvSpPr>
@@ -2305,7 +2785,7 @@
       </p:sp>
       <p:sp>
         <p:nvSpPr>
-          <p:cNvPr id="17412" name="Rectangle 3"/>
+          <p:cNvPr id="16388" name="Rectangle 3"/>
           <p:cNvSpPr>
             <a:spLocks noGrp="1" noChangeArrowheads="1"/>
           </p:cNvSpPr>
@@ -2329,7 +2809,7 @@
     </p:spTree>
     <p:extLst>
       <p:ext uri="{BB962C8B-B14F-4D97-AF65-F5344CB8AC3E}">
-        <p14:creationId xmlns:p14="http://schemas.microsoft.com/office/powerpoint/2010/main" val="3909929149"/>
+        <p14:creationId xmlns:p14="http://schemas.microsoft.com/office/powerpoint/2010/main" val="2321489297"/>
       </p:ext>
     </p:extLst>
   </p:cSld>
@@ -2358,7 +2838,7 @@
       </p:grpSpPr>
       <p:sp>
         <p:nvSpPr>
-          <p:cNvPr id="22530" name="Rectangle 7"/>
+          <p:cNvPr id="19458" name="Rectangle 7"/>
           <p:cNvSpPr>
             <a:spLocks noGrp="1" noChangeArrowheads="1"/>
           </p:cNvSpPr>
@@ -2373,10 +2853,10 @@
           <a:bodyPr/>
           <a:lstStyle/>
           <a:p>
-            <a:fld id="{5A85A754-D7B7-475E-A067-9E1E6C46FC53}" type="slidenum">
+            <a:fld id="{02B3A5F0-C02B-47F8-A8A9-EE4CA3FD156C}" type="slidenum">
               <a:rPr lang="en-US" smtClean="0"/>
               <a:pPr/>
-              <a:t>13</a:t>
+              <a:t>11</a:t>
             </a:fld>
             <a:endParaRPr lang="en-US"/>
           </a:p>
@@ -2384,7 +2864,7 @@
       </p:sp>
       <p:sp>
         <p:nvSpPr>
-          <p:cNvPr id="22531" name="Rectangle 2"/>
+          <p:cNvPr id="19459" name="Rectangle 2"/>
           <p:cNvSpPr>
             <a:spLocks noGrp="1" noRot="1" noChangeAspect="1" noChangeArrowheads="1" noTextEdit="1"/>
           </p:cNvSpPr>
@@ -2393,16 +2873,12 @@
           </p:nvPr>
         </p:nvSpPr>
         <p:spPr>
-          <a:xfrm>
-            <a:off x="911225" y="742950"/>
-            <a:ext cx="4951413" cy="3713163"/>
-          </a:xfrm>
           <a:ln/>
         </p:spPr>
       </p:sp>
       <p:sp>
         <p:nvSpPr>
-          <p:cNvPr id="22532" name="Rectangle 3"/>
+          <p:cNvPr id="19460" name="Rectangle 3"/>
           <p:cNvSpPr>
             <a:spLocks noGrp="1" noChangeArrowheads="1"/>
           </p:cNvSpPr>
@@ -2426,7 +2902,7 @@
     </p:spTree>
     <p:extLst>
       <p:ext uri="{BB962C8B-B14F-4D97-AF65-F5344CB8AC3E}">
-        <p14:creationId xmlns:p14="http://schemas.microsoft.com/office/powerpoint/2010/main" val="3593866179"/>
+        <p14:creationId xmlns:p14="http://schemas.microsoft.com/office/powerpoint/2010/main" val="1127886469"/>
       </p:ext>
     </p:extLst>
   </p:cSld>
@@ -5915,7 +6391,7 @@
           <a:p>
             <a:pPr eaLnBrk="1" hangingPunct="1"/>
             <a:r>
-              <a:rPr lang="de-DE" dirty="0" smtClean="0">
+              <a:rPr lang="de-DE" dirty="0">
                 <a:latin typeface="Candara" panose="020E0502030303020204" pitchFamily="34" charset="0"/>
               </a:rPr>
               <a:t>Estimates of total and marginal costs</a:t>
@@ -5924,7 +6400,7 @@
           <a:p>
             <a:pPr eaLnBrk="1" hangingPunct="1"/>
             <a:r>
-              <a:rPr lang="de-DE" dirty="0" smtClean="0">
+              <a:rPr lang="de-DE" dirty="0">
                 <a:latin typeface="Candara" panose="020E0502030303020204" pitchFamily="34" charset="0"/>
               </a:rPr>
               <a:t>Sensitivity of these costs</a:t>
@@ -5933,7 +6409,7 @@
           <a:p>
             <a:pPr eaLnBrk="1" hangingPunct="1"/>
             <a:r>
-              <a:rPr lang="de-DE" dirty="0" smtClean="0">
+              <a:rPr lang="de-DE" dirty="0">
                 <a:latin typeface="Candara" panose="020E0502030303020204" pitchFamily="34" charset="0"/>
               </a:rPr>
               <a:t>Feasibility of deep cuts</a:t>
@@ -5942,14 +6418,20 @@
           <a:p>
             <a:pPr eaLnBrk="1" hangingPunct="1"/>
             <a:r>
-              <a:rPr lang="de-DE" dirty="0" smtClean="0">
+              <a:rPr lang="de-DE" dirty="0">
+                <a:latin typeface="Candara" panose="020E0502030303020204" pitchFamily="34" charset="0"/>
+              </a:rPr>
+              <a:t>Distribution of costs</a:t>
+            </a:r>
+          </a:p>
+          <a:p>
+            <a:pPr eaLnBrk="1" hangingPunct="1"/>
+            <a:r>
+              <a:rPr lang="de-DE" dirty="0">
                 <a:latin typeface="Candara" panose="020E0502030303020204" pitchFamily="34" charset="0"/>
               </a:rPr>
               <a:t>Negative costs</a:t>
             </a:r>
-            <a:endParaRPr lang="de-DE" dirty="0">
-              <a:latin typeface="Candara" panose="020E0502030303020204" pitchFamily="34" charset="0"/>
-            </a:endParaRPr>
           </a:p>
         </p:txBody>
       </p:sp>
@@ -5958,17 +6440,290 @@
   <p:clrMapOvr>
     <a:masterClrMapping/>
   </p:clrMapOvr>
-  <p:timing>
-    <p:tnLst>
-      <p:par>
-        <p:cTn id="1" dur="indefinite" restart="never" nodeType="tmRoot"/>
-      </p:par>
-    </p:tnLst>
-  </p:timing>
 </p:sld>
 </file>
 
 <file path=ppt/slides/slide10.xml><?xml version="1.0" encoding="utf-8"?>
+<p:sld xmlns:a="http://schemas.openxmlformats.org/drawingml/2006/main" xmlns:r="http://schemas.openxmlformats.org/officeDocument/2006/relationships" xmlns:p="http://schemas.openxmlformats.org/presentationml/2006/main">
+  <p:cSld>
+    <p:spTree>
+      <p:nvGrpSpPr>
+        <p:cNvPr id="1" name=""/>
+        <p:cNvGrpSpPr/>
+        <p:nvPr/>
+      </p:nvGrpSpPr>
+      <p:grpSpPr>
+        <a:xfrm>
+          <a:off x="0" y="0"/>
+          <a:ext cx="0" cy="0"/>
+          <a:chOff x="0" y="0"/>
+          <a:chExt cx="0" cy="0"/>
+        </a:xfrm>
+      </p:grpSpPr>
+      <p:sp>
+        <p:nvSpPr>
+          <p:cNvPr id="2050" name="Rectangle 2"/>
+          <p:cNvSpPr>
+            <a:spLocks noGrp="1" noChangeArrowheads="1"/>
+          </p:cNvSpPr>
+          <p:nvPr>
+            <p:ph type="title"/>
+          </p:nvPr>
+        </p:nvSpPr>
+        <p:spPr>
+          <a:xfrm>
+            <a:off x="685800" y="228600"/>
+            <a:ext cx="7772400" cy="1143000"/>
+          </a:xfrm>
+        </p:spPr>
+        <p:txBody>
+          <a:bodyPr/>
+          <a:lstStyle/>
+          <a:p>
+            <a:pPr eaLnBrk="1" hangingPunct="1"/>
+            <a:r>
+              <a:rPr lang="de-DE" sz="4000" dirty="0">
+                <a:latin typeface="Candara" panose="020E0502030303020204" pitchFamily="34" charset="0"/>
+              </a:rPr>
+              <a:t>Costs of Emission Reduction</a:t>
+            </a:r>
+            <a:endParaRPr lang="en-GB" sz="4000" dirty="0">
+              <a:latin typeface="Candara" panose="020E0502030303020204" pitchFamily="34" charset="0"/>
+            </a:endParaRPr>
+          </a:p>
+        </p:txBody>
+      </p:sp>
+      <p:sp>
+        <p:nvSpPr>
+          <p:cNvPr id="2051" name="Rectangle 3"/>
+          <p:cNvSpPr>
+            <a:spLocks noGrp="1" noChangeArrowheads="1"/>
+          </p:cNvSpPr>
+          <p:nvPr>
+            <p:ph type="body" idx="1"/>
+          </p:nvPr>
+        </p:nvSpPr>
+        <p:spPr>
+          <a:xfrm>
+            <a:off x="685800" y="1371600"/>
+            <a:ext cx="7772400" cy="4114800"/>
+          </a:xfrm>
+        </p:spPr>
+        <p:txBody>
+          <a:bodyPr/>
+          <a:lstStyle/>
+          <a:p>
+            <a:pPr eaLnBrk="1" hangingPunct="1"/>
+            <a:r>
+              <a:rPr lang="de-DE" dirty="0">
+                <a:latin typeface="Candara" panose="020E0502030303020204" pitchFamily="34" charset="0"/>
+              </a:rPr>
+              <a:t>Estimates of total and marginal costs</a:t>
+            </a:r>
+          </a:p>
+          <a:p>
+            <a:pPr eaLnBrk="1" hangingPunct="1"/>
+            <a:r>
+              <a:rPr lang="de-DE" dirty="0">
+                <a:latin typeface="Candara" panose="020E0502030303020204" pitchFamily="34" charset="0"/>
+              </a:rPr>
+              <a:t>Sensitivity of these costs</a:t>
+            </a:r>
+          </a:p>
+          <a:p>
+            <a:pPr eaLnBrk="1" hangingPunct="1"/>
+            <a:r>
+              <a:rPr lang="de-DE" b="1" dirty="0">
+                <a:latin typeface="Candara" panose="020E0502030303020204" pitchFamily="34" charset="0"/>
+              </a:rPr>
+              <a:t>Feasibility of deep cuts</a:t>
+            </a:r>
+          </a:p>
+          <a:p>
+            <a:pPr eaLnBrk="1" hangingPunct="1"/>
+            <a:r>
+              <a:rPr lang="de-DE" dirty="0">
+                <a:latin typeface="Candara" panose="020E0502030303020204" pitchFamily="34" charset="0"/>
+              </a:rPr>
+              <a:t>Distribution of costs</a:t>
+            </a:r>
+          </a:p>
+          <a:p>
+            <a:pPr eaLnBrk="1" hangingPunct="1"/>
+            <a:r>
+              <a:rPr lang="de-DE" dirty="0">
+                <a:latin typeface="Candara" panose="020E0502030303020204" pitchFamily="34" charset="0"/>
+              </a:rPr>
+              <a:t>Negative costs</a:t>
+            </a:r>
+          </a:p>
+        </p:txBody>
+      </p:sp>
+    </p:spTree>
+    <p:extLst>
+      <p:ext uri="{BB962C8B-B14F-4D97-AF65-F5344CB8AC3E}">
+        <p14:creationId xmlns:p14="http://schemas.microsoft.com/office/powerpoint/2010/main" val="2314952055"/>
+      </p:ext>
+    </p:extLst>
+  </p:cSld>
+  <p:clrMapOvr>
+    <a:masterClrMapping/>
+  </p:clrMapOvr>
+</p:sld>
+</file>
+
+<file path=ppt/slides/slide11.xml><?xml version="1.0" encoding="utf-8"?>
+<p:sld xmlns:a="http://schemas.openxmlformats.org/drawingml/2006/main" xmlns:r="http://schemas.openxmlformats.org/officeDocument/2006/relationships" xmlns:p="http://schemas.openxmlformats.org/presentationml/2006/main">
+  <p:cSld>
+    <p:spTree>
+      <p:nvGrpSpPr>
+        <p:cNvPr id="1" name=""/>
+        <p:cNvGrpSpPr/>
+        <p:nvPr/>
+      </p:nvGrpSpPr>
+      <p:grpSpPr>
+        <a:xfrm>
+          <a:off x="0" y="0"/>
+          <a:ext cx="0" cy="0"/>
+          <a:chOff x="0" y="0"/>
+          <a:chExt cx="0" cy="0"/>
+        </a:xfrm>
+      </p:grpSpPr>
+      <p:pic>
+        <p:nvPicPr>
+          <p:cNvPr id="5123" name="Picture 3"/>
+          <p:cNvPicPr>
+            <a:picLocks noChangeAspect="1" noChangeArrowheads="1"/>
+          </p:cNvPicPr>
+          <p:nvPr/>
+        </p:nvPicPr>
+        <p:blipFill>
+          <a:blip r:embed="rId3" cstate="print"/>
+          <a:srcRect/>
+          <a:stretch>
+            <a:fillRect/>
+          </a:stretch>
+        </p:blipFill>
+        <p:spPr bwMode="auto">
+          <a:xfrm>
+            <a:off x="-1" y="0"/>
+            <a:ext cx="9127911" cy="3505200"/>
+          </a:xfrm>
+          <a:prstGeom prst="rect">
+            <a:avLst/>
+          </a:prstGeom>
+          <a:noFill/>
+          <a:ln w="9525">
+            <a:noFill/>
+            <a:miter lim="800000"/>
+            <a:headEnd/>
+            <a:tailEnd/>
+          </a:ln>
+          <a:effectLst/>
+        </p:spPr>
+      </p:pic>
+      <p:sp>
+        <p:nvSpPr>
+          <p:cNvPr id="2" name="TextBox 1"/>
+          <p:cNvSpPr txBox="1"/>
+          <p:nvPr/>
+        </p:nvSpPr>
+        <p:spPr>
+          <a:xfrm>
+            <a:off x="2271499" y="3962400"/>
+            <a:ext cx="4584909" cy="523220"/>
+          </a:xfrm>
+          <a:prstGeom prst="rect">
+            <a:avLst/>
+          </a:prstGeom>
+          <a:noFill/>
+        </p:spPr>
+        <p:txBody>
+          <a:bodyPr wrap="none" rtlCol="0">
+            <a:spAutoFit/>
+          </a:bodyPr>
+          <a:lstStyle/>
+          <a:p>
+            <a:r>
+              <a:rPr lang="en-GB" sz="2800" dirty="0">
+                <a:latin typeface="Candara" panose="020E0502030303020204" pitchFamily="34" charset="0"/>
+              </a:rPr>
+              <a:t>Why so many missing values?</a:t>
+            </a:r>
+          </a:p>
+        </p:txBody>
+      </p:sp>
+    </p:spTree>
+    <p:extLst>
+      <p:ext uri="{BB962C8B-B14F-4D97-AF65-F5344CB8AC3E}">
+        <p14:creationId xmlns:p14="http://schemas.microsoft.com/office/powerpoint/2010/main" val="3176805782"/>
+      </p:ext>
+    </p:extLst>
+  </p:cSld>
+  <p:clrMapOvr>
+    <a:masterClrMapping/>
+  </p:clrMapOvr>
+</p:sld>
+</file>
+
+<file path=ppt/slides/slide12.xml><?xml version="1.0" encoding="utf-8"?>
+<p:sld xmlns:a="http://schemas.openxmlformats.org/drawingml/2006/main" xmlns:r="http://schemas.openxmlformats.org/officeDocument/2006/relationships" xmlns:p="http://schemas.openxmlformats.org/presentationml/2006/main">
+  <p:cSld>
+    <p:spTree>
+      <p:nvGrpSpPr>
+        <p:cNvPr id="1" name=""/>
+        <p:cNvGrpSpPr/>
+        <p:nvPr/>
+      </p:nvGrpSpPr>
+      <p:grpSpPr>
+        <a:xfrm>
+          <a:off x="0" y="0"/>
+          <a:ext cx="0" cy="0"/>
+          <a:chOff x="0" y="0"/>
+          <a:chExt cx="0" cy="0"/>
+        </a:xfrm>
+      </p:grpSpPr>
+      <p:pic>
+        <p:nvPicPr>
+          <p:cNvPr id="6146" name="Picture 3"/>
+          <p:cNvPicPr>
+            <a:picLocks noChangeAspect="1" noChangeArrowheads="1"/>
+          </p:cNvPicPr>
+          <p:nvPr/>
+        </p:nvPicPr>
+        <p:blipFill>
+          <a:blip r:embed="rId3" cstate="print"/>
+          <a:srcRect/>
+          <a:stretch>
+            <a:fillRect/>
+          </a:stretch>
+        </p:blipFill>
+        <p:spPr bwMode="auto">
+          <a:xfrm>
+            <a:off x="457200" y="0"/>
+            <a:ext cx="8610600" cy="6856413"/>
+          </a:xfrm>
+          <a:prstGeom prst="rect">
+            <a:avLst/>
+          </a:prstGeom>
+          <a:noFill/>
+          <a:ln w="9525">
+            <a:noFill/>
+            <a:miter lim="800000"/>
+            <a:headEnd/>
+            <a:tailEnd/>
+          </a:ln>
+        </p:spPr>
+      </p:pic>
+    </p:spTree>
+  </p:cSld>
+  <p:clrMapOvr>
+    <a:masterClrMapping/>
+  </p:clrMapOvr>
+</p:sld>
+</file>
+
+<file path=ppt/slides/slide13.xml><?xml version="1.0" encoding="utf-8"?>
 <p:sld xmlns:a="http://schemas.openxmlformats.org/drawingml/2006/main" xmlns:r="http://schemas.openxmlformats.org/officeDocument/2006/relationships" xmlns:p="http://schemas.openxmlformats.org/presentationml/2006/main">
   <p:cSld>
     <p:spTree>
@@ -5990,7 +6745,7 @@
           <p:cNvPr id="5" name="Picture 4" descr="A close up of text on a white background&#10;&#10;Description automatically generated">
             <a:extLst>
               <a:ext uri="{FF2B5EF4-FFF2-40B4-BE49-F238E27FC236}">
-                <a16:creationId xmlns:a16="http://schemas.microsoft.com/office/drawing/2014/main" xmlns="" id="{EF81F3D8-1EFA-4AD2-BB0A-611E69A3C273}"/>
+                <a16:creationId xmlns:a16="http://schemas.microsoft.com/office/drawing/2014/main" id="{EF81F3D8-1EFA-4AD2-BB0A-611E69A3C273}"/>
               </a:ext>
             </a:extLst>
           </p:cNvPr>
@@ -6026,7 +6781,7 @@
           <p:cNvPr id="3" name="TextBox 2">
             <a:extLst>
               <a:ext uri="{FF2B5EF4-FFF2-40B4-BE49-F238E27FC236}">
-                <a16:creationId xmlns:a16="http://schemas.microsoft.com/office/drawing/2014/main" xmlns="" id="{A1828D40-6CD3-4F29-A49F-B3911EBC69DF}"/>
+                <a16:creationId xmlns:a16="http://schemas.microsoft.com/office/drawing/2014/main" id="{A1828D40-6CD3-4F29-A49F-B3911EBC69DF}"/>
               </a:ext>
             </a:extLst>
           </p:cNvPr>
@@ -6080,17 +6835,10 @@
   <p:clrMapOvr>
     <a:masterClrMapping/>
   </p:clrMapOvr>
-  <p:timing>
-    <p:tnLst>
-      <p:par>
-        <p:cTn id="1" dur="indefinite" restart="never" nodeType="tmRoot"/>
-      </p:par>
-    </p:tnLst>
-  </p:timing>
 </p:sld>
 </file>
 
-<file path=ppt/slides/slide11.xml><?xml version="1.0" encoding="utf-8"?>
+<file path=ppt/slides/slide14.xml><?xml version="1.0" encoding="utf-8"?>
 <p:sld xmlns:a="http://schemas.openxmlformats.org/drawingml/2006/main" xmlns:r="http://schemas.openxmlformats.org/officeDocument/2006/relationships" xmlns:p="http://schemas.openxmlformats.org/presentationml/2006/main">
   <p:cSld>
     <p:spTree>
@@ -6129,14 +6877,11 @@
           <a:p>
             <a:pPr eaLnBrk="1" hangingPunct="1"/>
             <a:r>
-              <a:rPr lang="en-GB" sz="3600" dirty="0" smtClean="0">
+              <a:rPr lang="en-GB" sz="3600" dirty="0">
                 <a:latin typeface="Candara" panose="020E0502030303020204" pitchFamily="34" charset="0"/>
               </a:rPr>
               <a:t>Negative carbon energy</a:t>
             </a:r>
-            <a:endParaRPr lang="en-GB" sz="3600" dirty="0">
-              <a:latin typeface="Candara" panose="020E0502030303020204" pitchFamily="34" charset="0"/>
-            </a:endParaRPr>
           </a:p>
         </p:txBody>
       </p:sp>
@@ -6162,7 +6907,7 @@
           <a:p>
             <a:pPr eaLnBrk="1" hangingPunct="1"/>
             <a:r>
-              <a:rPr lang="de-DE" sz="2800" dirty="0" smtClean="0">
+              <a:rPr lang="de-DE" sz="2800" dirty="0">
                 <a:latin typeface="Candara" panose="020E0502030303020204" pitchFamily="34" charset="0"/>
               </a:rPr>
               <a:t>Burning fossil fuels (ancient biomass) emits carbon dioxide</a:t>
@@ -6171,7 +6916,7 @@
           <a:p>
             <a:pPr eaLnBrk="1" hangingPunct="1"/>
             <a:r>
-              <a:rPr lang="de-DE" sz="2800" dirty="0" smtClean="0">
+              <a:rPr lang="de-DE" sz="2800" dirty="0">
                 <a:latin typeface="Candara" panose="020E0502030303020204" pitchFamily="34" charset="0"/>
               </a:rPr>
               <a:t>... unless carbon is captured and stored</a:t>
@@ -6180,7 +6925,7 @@
           <a:p>
             <a:pPr eaLnBrk="1" hangingPunct="1"/>
             <a:r>
-              <a:rPr lang="de-DE" sz="2800" dirty="0" smtClean="0">
+              <a:rPr lang="de-DE" sz="2800" dirty="0">
                 <a:latin typeface="Candara" panose="020E0502030303020204" pitchFamily="34" charset="0"/>
               </a:rPr>
               <a:t>Growing biomass absorbs carbon dioxide, burning biomass emits carbon dioxide</a:t>
@@ -6192,7 +6937,7 @@
           <a:p>
             <a:pPr eaLnBrk="1" hangingPunct="1"/>
             <a:r>
-              <a:rPr lang="de-DE" sz="2800" dirty="0" smtClean="0">
+              <a:rPr lang="de-DE" sz="2800" dirty="0">
                 <a:latin typeface="Candara" panose="020E0502030303020204" pitchFamily="34" charset="0"/>
               </a:rPr>
               <a:t>... unless carbon is captured and stored</a:t>
@@ -6210,17 +6955,10 @@
   <p:clrMapOvr>
     <a:masterClrMapping/>
   </p:clrMapOvr>
-  <p:timing>
-    <p:tnLst>
-      <p:par>
-        <p:cTn id="1" dur="indefinite" restart="never" nodeType="tmRoot"/>
-      </p:par>
-    </p:tnLst>
-  </p:timing>
 </p:sld>
 </file>
 
-<file path=ppt/slides/slide12.xml><?xml version="1.0" encoding="utf-8"?>
+<file path=ppt/slides/slide15.xml><?xml version="1.0" encoding="utf-8"?>
 <p:sld xmlns:a="http://schemas.openxmlformats.org/drawingml/2006/main" xmlns:r="http://schemas.openxmlformats.org/officeDocument/2006/relationships" xmlns:p="http://schemas.openxmlformats.org/presentationml/2006/main">
   <p:cSld>
     <p:spTree>
@@ -6535,7 +7273,251 @@
 </p:sld>
 </file>
 
-<file path=ppt/slides/slide13.xml><?xml version="1.0" encoding="utf-8"?>
+<file path=ppt/slides/slide16.xml><?xml version="1.0" encoding="utf-8"?>
+<p:sld xmlns:a="http://schemas.openxmlformats.org/drawingml/2006/main" xmlns:r="http://schemas.openxmlformats.org/officeDocument/2006/relationships" xmlns:p="http://schemas.openxmlformats.org/presentationml/2006/main">
+  <p:cSld>
+    <p:spTree>
+      <p:nvGrpSpPr>
+        <p:cNvPr id="1" name=""/>
+        <p:cNvGrpSpPr/>
+        <p:nvPr/>
+      </p:nvGrpSpPr>
+      <p:grpSpPr>
+        <a:xfrm>
+          <a:off x="0" y="0"/>
+          <a:ext cx="0" cy="0"/>
+          <a:chOff x="0" y="0"/>
+          <a:chExt cx="0" cy="0"/>
+        </a:xfrm>
+      </p:grpSpPr>
+      <p:sp>
+        <p:nvSpPr>
+          <p:cNvPr id="2050" name="Rectangle 2"/>
+          <p:cNvSpPr>
+            <a:spLocks noGrp="1" noChangeArrowheads="1"/>
+          </p:cNvSpPr>
+          <p:nvPr>
+            <p:ph type="title"/>
+          </p:nvPr>
+        </p:nvSpPr>
+        <p:spPr>
+          <a:xfrm>
+            <a:off x="685800" y="228600"/>
+            <a:ext cx="7772400" cy="1143000"/>
+          </a:xfrm>
+        </p:spPr>
+        <p:txBody>
+          <a:bodyPr/>
+          <a:lstStyle/>
+          <a:p>
+            <a:pPr eaLnBrk="1" hangingPunct="1"/>
+            <a:r>
+              <a:rPr lang="de-DE" sz="4000" dirty="0">
+                <a:latin typeface="Candara" panose="020E0502030303020204" pitchFamily="34" charset="0"/>
+              </a:rPr>
+              <a:t>Costs of Emission Reduction</a:t>
+            </a:r>
+            <a:endParaRPr lang="en-GB" sz="4000" dirty="0">
+              <a:latin typeface="Candara" panose="020E0502030303020204" pitchFamily="34" charset="0"/>
+            </a:endParaRPr>
+          </a:p>
+        </p:txBody>
+      </p:sp>
+      <p:sp>
+        <p:nvSpPr>
+          <p:cNvPr id="2051" name="Rectangle 3"/>
+          <p:cNvSpPr>
+            <a:spLocks noGrp="1" noChangeArrowheads="1"/>
+          </p:cNvSpPr>
+          <p:nvPr>
+            <p:ph type="body" idx="1"/>
+          </p:nvPr>
+        </p:nvSpPr>
+        <p:spPr>
+          <a:xfrm>
+            <a:off x="685800" y="1371600"/>
+            <a:ext cx="7772400" cy="4114800"/>
+          </a:xfrm>
+        </p:spPr>
+        <p:txBody>
+          <a:bodyPr/>
+          <a:lstStyle/>
+          <a:p>
+            <a:pPr eaLnBrk="1" hangingPunct="1"/>
+            <a:r>
+              <a:rPr lang="de-DE" dirty="0">
+                <a:latin typeface="Candara" panose="020E0502030303020204" pitchFamily="34" charset="0"/>
+              </a:rPr>
+              <a:t>Estimates of total and marginal costs</a:t>
+            </a:r>
+          </a:p>
+          <a:p>
+            <a:pPr eaLnBrk="1" hangingPunct="1"/>
+            <a:r>
+              <a:rPr lang="de-DE" dirty="0">
+                <a:latin typeface="Candara" panose="020E0502030303020204" pitchFamily="34" charset="0"/>
+              </a:rPr>
+              <a:t>Sensitivity of these costs</a:t>
+            </a:r>
+          </a:p>
+          <a:p>
+            <a:pPr eaLnBrk="1" hangingPunct="1"/>
+            <a:r>
+              <a:rPr lang="de-DE" dirty="0">
+                <a:latin typeface="Candara" panose="020E0502030303020204" pitchFamily="34" charset="0"/>
+              </a:rPr>
+              <a:t>Feasibility of deep cuts</a:t>
+            </a:r>
+          </a:p>
+          <a:p>
+            <a:pPr eaLnBrk="1" hangingPunct="1"/>
+            <a:r>
+              <a:rPr lang="de-DE" b="1" dirty="0">
+                <a:latin typeface="Candara" panose="020E0502030303020204" pitchFamily="34" charset="0"/>
+              </a:rPr>
+              <a:t>Distribution of costs</a:t>
+            </a:r>
+          </a:p>
+          <a:p>
+            <a:pPr eaLnBrk="1" hangingPunct="1"/>
+            <a:r>
+              <a:rPr lang="de-DE" dirty="0">
+                <a:latin typeface="Candara" panose="020E0502030303020204" pitchFamily="34" charset="0"/>
+              </a:rPr>
+              <a:t>Negative costs</a:t>
+            </a:r>
+          </a:p>
+        </p:txBody>
+      </p:sp>
+    </p:spTree>
+    <p:extLst>
+      <p:ext uri="{BB962C8B-B14F-4D97-AF65-F5344CB8AC3E}">
+        <p14:creationId xmlns:p14="http://schemas.microsoft.com/office/powerpoint/2010/main" val="1968700511"/>
+      </p:ext>
+    </p:extLst>
+  </p:cSld>
+  <p:clrMapOvr>
+    <a:masterClrMapping/>
+  </p:clrMapOvr>
+</p:sld>
+</file>
+
+<file path=ppt/slides/slide17.xml><?xml version="1.0" encoding="utf-8"?>
+<p:sld xmlns:a="http://schemas.openxmlformats.org/drawingml/2006/main" xmlns:r="http://schemas.openxmlformats.org/officeDocument/2006/relationships" xmlns:p="http://schemas.openxmlformats.org/presentationml/2006/main">
+  <p:cSld>
+    <p:spTree>
+      <p:nvGrpSpPr>
+        <p:cNvPr id="1" name=""/>
+        <p:cNvGrpSpPr/>
+        <p:nvPr/>
+      </p:nvGrpSpPr>
+      <p:grpSpPr>
+        <a:xfrm>
+          <a:off x="0" y="0"/>
+          <a:ext cx="0" cy="0"/>
+          <a:chOff x="0" y="0"/>
+          <a:chExt cx="0" cy="0"/>
+        </a:xfrm>
+      </p:grpSpPr>
+      <p:sp>
+        <p:nvSpPr>
+          <p:cNvPr id="9218" name="Rectangle 2"/>
+          <p:cNvSpPr>
+            <a:spLocks noGrp="1" noChangeArrowheads="1"/>
+          </p:cNvSpPr>
+          <p:nvPr>
+            <p:ph type="title"/>
+          </p:nvPr>
+        </p:nvSpPr>
+        <p:spPr>
+          <a:xfrm>
+            <a:off x="685800" y="0"/>
+            <a:ext cx="7772400" cy="1143000"/>
+          </a:xfrm>
+        </p:spPr>
+        <p:txBody>
+          <a:bodyPr/>
+          <a:lstStyle/>
+          <a:p>
+            <a:pPr eaLnBrk="1" hangingPunct="1"/>
+            <a:r>
+              <a:rPr lang="de-DE" sz="3600" dirty="0">
+                <a:latin typeface="Candara" panose="020E0502030303020204" pitchFamily="34" charset="0"/>
+              </a:rPr>
+              <a:t>Incidence</a:t>
+            </a:r>
+            <a:endParaRPr lang="en-GB" sz="3600" dirty="0">
+              <a:latin typeface="Candara" panose="020E0502030303020204" pitchFamily="34" charset="0"/>
+            </a:endParaRPr>
+          </a:p>
+        </p:txBody>
+      </p:sp>
+      <p:sp>
+        <p:nvSpPr>
+          <p:cNvPr id="9219" name="Rectangle 3"/>
+          <p:cNvSpPr>
+            <a:spLocks noGrp="1" noChangeArrowheads="1"/>
+          </p:cNvSpPr>
+          <p:nvPr>
+            <p:ph type="body" idx="1"/>
+          </p:nvPr>
+        </p:nvSpPr>
+        <p:spPr>
+          <a:xfrm>
+            <a:off x="685800" y="990600"/>
+            <a:ext cx="7772400" cy="5105400"/>
+          </a:xfrm>
+        </p:spPr>
+        <p:txBody>
+          <a:bodyPr/>
+          <a:lstStyle/>
+          <a:p>
+            <a:pPr eaLnBrk="1" hangingPunct="1"/>
+            <a:r>
+              <a:rPr lang="en-GB" sz="2800" dirty="0">
+                <a:latin typeface="Candara" panose="020E0502030303020204" pitchFamily="34" charset="0"/>
+              </a:rPr>
+              <a:t>Incidence is the somewhat peculiar word economists use for who pays</a:t>
+            </a:r>
+          </a:p>
+          <a:p>
+            <a:pPr eaLnBrk="1" hangingPunct="1"/>
+            <a:r>
+              <a:rPr lang="en-GB" sz="2800" dirty="0">
+                <a:latin typeface="Candara" panose="020E0502030303020204" pitchFamily="34" charset="0"/>
+              </a:rPr>
+              <a:t>The average cost discussed above does tell us anything about the distribution of costs across society</a:t>
+            </a:r>
+          </a:p>
+          <a:p>
+            <a:pPr eaLnBrk="1" hangingPunct="1"/>
+            <a:r>
+              <a:rPr lang="en-GB" sz="2800" dirty="0">
+                <a:latin typeface="Candara" panose="020E0502030303020204" pitchFamily="34" charset="0"/>
+              </a:rPr>
+              <a:t>Energy and food are the main sources of greenhouse gas emissions</a:t>
+            </a:r>
+          </a:p>
+          <a:p>
+            <a:pPr eaLnBrk="1" hangingPunct="1"/>
+            <a:r>
+              <a:rPr lang="en-GB" sz="2800" dirty="0">
+                <a:latin typeface="Candara" panose="020E0502030303020204" pitchFamily="34" charset="0"/>
+              </a:rPr>
+              <a:t>Both are necessary goods</a:t>
+            </a:r>
+          </a:p>
+        </p:txBody>
+      </p:sp>
+    </p:spTree>
+  </p:cSld>
+  <p:clrMapOvr>
+    <a:masterClrMapping/>
+  </p:clrMapOvr>
+</p:sld>
+</file>
+
+<file path=ppt/slides/slide18.xml><?xml version="1.0" encoding="utf-8"?>
 <p:sld xmlns:a="http://schemas.openxmlformats.org/drawingml/2006/main" xmlns:r="http://schemas.openxmlformats.org/officeDocument/2006/relationships" xmlns:p="http://schemas.openxmlformats.org/presentationml/2006/main">
   <p:cSld>
     <p:spTree>
@@ -6554,162 +7536,323 @@
       </p:grpSpPr>
       <p:pic>
         <p:nvPicPr>
-          <p:cNvPr id="8194" name="Picture 2"/>
+          <p:cNvPr id="3" name="Picture 2">
+            <a:extLst>
+              <a:ext uri="{FF2B5EF4-FFF2-40B4-BE49-F238E27FC236}">
+                <a16:creationId xmlns:a16="http://schemas.microsoft.com/office/drawing/2014/main" id="{DE67F5D1-FF7A-43EA-9582-EC80A81CA8BC}"/>
+              </a:ext>
+            </a:extLst>
+          </p:cNvPr>
           <p:cNvPicPr>
-            <a:picLocks noChangeAspect="1" noChangeArrowheads="1"/>
+            <a:picLocks noChangeAspect="1"/>
           </p:cNvPicPr>
           <p:nvPr/>
         </p:nvPicPr>
         <p:blipFill>
-          <a:blip r:embed="rId3" cstate="print"/>
-          <a:srcRect/>
+          <a:blip r:embed="rId2"/>
           <a:stretch>
             <a:fillRect/>
           </a:stretch>
         </p:blipFill>
-        <p:spPr bwMode="auto">
+        <p:spPr>
           <a:xfrm>
-            <a:off x="152400" y="228600"/>
-            <a:ext cx="3756025" cy="6400800"/>
+            <a:off x="324852" y="0"/>
+            <a:ext cx="8494295" cy="6891015"/>
           </a:xfrm>
           <a:prstGeom prst="rect">
             <a:avLst/>
           </a:prstGeom>
-          <a:noFill/>
-          <a:ln w="9525">
-            <a:noFill/>
-            <a:miter lim="800000"/>
-            <a:headEnd/>
-            <a:tailEnd/>
-          </a:ln>
         </p:spPr>
       </p:pic>
+    </p:spTree>
+    <p:extLst>
+      <p:ext uri="{BB962C8B-B14F-4D97-AF65-F5344CB8AC3E}">
+        <p14:creationId xmlns:p14="http://schemas.microsoft.com/office/powerpoint/2010/main" val="705799880"/>
+      </p:ext>
+    </p:extLst>
+  </p:cSld>
+  <p:clrMapOvr>
+    <a:masterClrMapping/>
+  </p:clrMapOvr>
+</p:sld>
+</file>
+
+<file path=ppt/slides/slide19.xml><?xml version="1.0" encoding="utf-8"?>
+<p:sld xmlns:a="http://schemas.openxmlformats.org/drawingml/2006/main" xmlns:r="http://schemas.openxmlformats.org/officeDocument/2006/relationships" xmlns:p="http://schemas.openxmlformats.org/presentationml/2006/main">
+  <p:cSld>
+    <p:spTree>
+      <p:nvGrpSpPr>
+        <p:cNvPr id="1" name=""/>
+        <p:cNvGrpSpPr/>
+        <p:nvPr/>
+      </p:nvGrpSpPr>
+      <p:grpSpPr>
+        <a:xfrm>
+          <a:off x="0" y="0"/>
+          <a:ext cx="0" cy="0"/>
+          <a:chOff x="0" y="0"/>
+          <a:chExt cx="0" cy="0"/>
+        </a:xfrm>
+      </p:grpSpPr>
       <p:pic>
         <p:nvPicPr>
-          <p:cNvPr id="8195" name="Picture 3"/>
+          <p:cNvPr id="3" name="Picture 2" descr="Chart, bar chart&#10;&#10;Description automatically generated">
+            <a:extLst>
+              <a:ext uri="{FF2B5EF4-FFF2-40B4-BE49-F238E27FC236}">
+                <a16:creationId xmlns:a16="http://schemas.microsoft.com/office/drawing/2014/main" id="{E2C77D76-1DCE-41FF-B2BC-9719DB815766}"/>
+              </a:ext>
+            </a:extLst>
+          </p:cNvPr>
           <p:cNvPicPr>
-            <a:picLocks noChangeAspect="1" noChangeArrowheads="1"/>
+            <a:picLocks noChangeAspect="1"/>
           </p:cNvPicPr>
           <p:nvPr/>
         </p:nvPicPr>
         <p:blipFill>
-          <a:blip r:embed="rId4" cstate="print"/>
-          <a:srcRect/>
+          <a:blip r:embed="rId2">
+            <a:extLst>
+              <a:ext uri="{28A0092B-C50C-407E-A947-70E740481C1C}">
+                <a14:useLocalDpi xmlns:a14="http://schemas.microsoft.com/office/drawing/2010/main" val="0"/>
+              </a:ext>
+            </a:extLst>
+          </a:blip>
           <a:stretch>
             <a:fillRect/>
           </a:stretch>
         </p:blipFill>
-        <p:spPr bwMode="auto">
+        <p:spPr>
           <a:xfrm>
-            <a:off x="3779838" y="260350"/>
-            <a:ext cx="5364162" cy="3362325"/>
+            <a:off x="-1" y="9939"/>
+            <a:ext cx="9144001" cy="5056095"/>
           </a:xfrm>
           <a:prstGeom prst="rect">
             <a:avLst/>
           </a:prstGeom>
-          <a:noFill/>
-          <a:ln w="9525">
-            <a:noFill/>
-            <a:miter lim="800000"/>
-            <a:headEnd/>
-            <a:tailEnd/>
-          </a:ln>
         </p:spPr>
       </p:pic>
-      <p:sp>
-        <p:nvSpPr>
-          <p:cNvPr id="8196" name="Text Box 4"/>
-          <p:cNvSpPr txBox="1">
-            <a:spLocks noChangeArrowheads="1"/>
-          </p:cNvSpPr>
-          <p:nvPr/>
-        </p:nvSpPr>
-        <p:spPr bwMode="auto">
+    </p:spTree>
+    <p:extLst>
+      <p:ext uri="{BB962C8B-B14F-4D97-AF65-F5344CB8AC3E}">
+        <p14:creationId xmlns:p14="http://schemas.microsoft.com/office/powerpoint/2010/main" val="2617953751"/>
+      </p:ext>
+    </p:extLst>
+  </p:cSld>
+  <p:clrMapOvr>
+    <a:masterClrMapping/>
+  </p:clrMapOvr>
+</p:sld>
+</file>
+
+<file path=ppt/slides/slide2.xml><?xml version="1.0" encoding="utf-8"?>
+<p:sld xmlns:a="http://schemas.openxmlformats.org/drawingml/2006/main" xmlns:r="http://schemas.openxmlformats.org/officeDocument/2006/relationships" xmlns:p="http://schemas.openxmlformats.org/presentationml/2006/main">
+  <p:cSld>
+    <p:spTree>
+      <p:nvGrpSpPr>
+        <p:cNvPr id="1" name=""/>
+        <p:cNvGrpSpPr/>
+        <p:nvPr/>
+      </p:nvGrpSpPr>
+      <p:grpSpPr>
+        <a:xfrm>
+          <a:off x="0" y="0"/>
+          <a:ext cx="0" cy="0"/>
+          <a:chOff x="0" y="0"/>
+          <a:chExt cx="0" cy="0"/>
+        </a:xfrm>
+      </p:grpSpPr>
+      <p:sp>
+        <p:nvSpPr>
+          <p:cNvPr id="190466" name="Rectangle 2"/>
+          <p:cNvSpPr>
+            <a:spLocks noGrp="1" noChangeArrowheads="1"/>
+          </p:cNvSpPr>
+          <p:nvPr>
+            <p:ph type="title"/>
+          </p:nvPr>
+        </p:nvSpPr>
+        <p:spPr>
           <a:xfrm>
-            <a:off x="3903663" y="3741738"/>
-            <a:ext cx="4445448" cy="2308324"/>
+            <a:off x="762000" y="-76200"/>
+            <a:ext cx="7772400" cy="1143000"/>
           </a:xfrm>
-          <a:prstGeom prst="rect">
-            <a:avLst/>
-          </a:prstGeom>
-          <a:noFill/>
-          <a:ln w="9525">
-            <a:noFill/>
-            <a:miter lim="800000"/>
-            <a:headEnd/>
-            <a:tailEnd/>
-          </a:ln>
-        </p:spPr>
-        <p:txBody>
-          <a:bodyPr wrap="none">
-            <a:spAutoFit/>
-          </a:bodyPr>
+        </p:spPr>
+        <p:txBody>
+          <a:bodyPr/>
           <a:lstStyle/>
           <a:p>
-            <a:pPr marL="342900" indent="-342900"/>
-            <a:r>
-              <a:rPr lang="en-GB" dirty="0">
+            <a:r>
+              <a:rPr lang="de-DE" sz="3200" dirty="0">
                 <a:latin typeface="Candara" panose="020E0502030303020204" pitchFamily="34" charset="0"/>
               </a:rPr>
-              <a:t>It is better to start slow because:</a:t>
-            </a:r>
-          </a:p>
-          <a:p>
-            <a:pPr marL="342900" indent="-342900">
-              <a:buFontTx/>
-              <a:buAutoNum type="arabicPeriod"/>
+              <a:t>Lectures</a:t>
+            </a:r>
+            <a:endParaRPr lang="en-GB" sz="3200" dirty="0">
+              <a:latin typeface="Candara" panose="020E0502030303020204" pitchFamily="34" charset="0"/>
+            </a:endParaRPr>
+          </a:p>
+        </p:txBody>
+      </p:sp>
+      <p:sp>
+        <p:nvSpPr>
+          <p:cNvPr id="190467" name="Rectangle 3"/>
+          <p:cNvSpPr>
+            <a:spLocks noGrp="1" noChangeArrowheads="1"/>
+          </p:cNvSpPr>
+          <p:nvPr>
+            <p:ph type="body" idx="1"/>
+          </p:nvPr>
+        </p:nvSpPr>
+        <p:spPr>
+          <a:xfrm>
+            <a:off x="685800" y="838200"/>
+            <a:ext cx="7772400" cy="5486400"/>
+          </a:xfrm>
+        </p:spPr>
+        <p:txBody>
+          <a:bodyPr/>
+          <a:lstStyle/>
+          <a:p>
+            <a:pPr>
+              <a:lnSpc>
+                <a:spcPct val="90000"/>
+              </a:lnSpc>
             </a:pPr>
             <a:r>
-              <a:rPr lang="en-GB" dirty="0">
+              <a:rPr lang="en-US" sz="2800" dirty="0">
                 <a:latin typeface="Candara" panose="020E0502030303020204" pitchFamily="34" charset="0"/>
               </a:rPr>
-              <a:t>Capital stock turnover</a:t>
-            </a:r>
-          </a:p>
-          <a:p>
-            <a:pPr marL="342900" indent="-342900">
-              <a:buFontTx/>
-              <a:buAutoNum type="arabicPeriod"/>
+              <a:t>Science</a:t>
+            </a:r>
+          </a:p>
+          <a:p>
+            <a:pPr>
+              <a:lnSpc>
+                <a:spcPct val="90000"/>
+              </a:lnSpc>
             </a:pPr>
             <a:r>
-              <a:rPr lang="en-GB" dirty="0">
+              <a:rPr lang="en-US" sz="2800" dirty="0">
                 <a:latin typeface="Candara" panose="020E0502030303020204" pitchFamily="34" charset="0"/>
               </a:rPr>
-              <a:t>Technological progress</a:t>
-            </a:r>
-          </a:p>
-          <a:p>
-            <a:pPr marL="342900" indent="-342900">
-              <a:buFontTx/>
-              <a:buAutoNum type="arabicPeriod"/>
+              <a:t>Scenarios &amp; emission reduction options</a:t>
+            </a:r>
+          </a:p>
+          <a:p>
+            <a:pPr>
+              <a:lnSpc>
+                <a:spcPct val="90000"/>
+              </a:lnSpc>
             </a:pPr>
             <a:r>
-              <a:rPr lang="en-GB" dirty="0">
+              <a:rPr lang="en-US" b="1" dirty="0">
                 <a:latin typeface="Candara" panose="020E0502030303020204" pitchFamily="34" charset="0"/>
               </a:rPr>
-              <a:t>Discount rate</a:t>
-            </a:r>
-          </a:p>
-          <a:p>
-            <a:pPr marL="342900" indent="-342900">
-              <a:buFontTx/>
-              <a:buAutoNum type="arabicPeriod"/>
+              <a:t>Costs of emission reduction</a:t>
+            </a:r>
+          </a:p>
+          <a:p>
+            <a:pPr>
+              <a:lnSpc>
+                <a:spcPct val="90000"/>
+              </a:lnSpc>
             </a:pPr>
             <a:r>
-              <a:rPr lang="en-GB" dirty="0">
+              <a:rPr lang="en-US" sz="2800" dirty="0">
                 <a:latin typeface="Candara" panose="020E0502030303020204" pitchFamily="34" charset="0"/>
               </a:rPr>
-              <a:t>Carbon cycle</a:t>
-            </a:r>
-          </a:p>
-          <a:p>
-            <a:pPr marL="342900" indent="-342900">
-              <a:buFontTx/>
-              <a:buAutoNum type="arabicPeriod"/>
+              <a:t>Instruments for emission reduction</a:t>
+            </a:r>
+          </a:p>
+          <a:p>
+            <a:pPr>
+              <a:lnSpc>
+                <a:spcPct val="90000"/>
+              </a:lnSpc>
             </a:pPr>
-            <a:endParaRPr lang="en-US" dirty="0">
-              <a:latin typeface="Comic Sans MS" pitchFamily="66" charset="0"/>
-            </a:endParaRPr>
+            <a:r>
+              <a:rPr lang="en-US" sz="2800" dirty="0">
+                <a:latin typeface="Candara" panose="020E0502030303020204" pitchFamily="34" charset="0"/>
+              </a:rPr>
+              <a:t>Impacts of climate change &amp; valuation</a:t>
+            </a:r>
+          </a:p>
+          <a:p>
+            <a:pPr>
+              <a:lnSpc>
+                <a:spcPct val="90000"/>
+              </a:lnSpc>
+            </a:pPr>
+            <a:r>
+              <a:rPr lang="en-US" sz="2800" dirty="0">
+                <a:latin typeface="Candara" panose="020E0502030303020204" pitchFamily="34" charset="0"/>
+              </a:rPr>
+              <a:t>Economic impacts of climate change</a:t>
+            </a:r>
+          </a:p>
+          <a:p>
+            <a:pPr>
+              <a:lnSpc>
+                <a:spcPct val="90000"/>
+              </a:lnSpc>
+            </a:pPr>
+            <a:r>
+              <a:rPr lang="en-US" sz="2800" dirty="0">
+                <a:latin typeface="Candara" panose="020E0502030303020204" pitchFamily="34" charset="0"/>
+              </a:rPr>
+              <a:t>Climate and development</a:t>
+            </a:r>
+          </a:p>
+          <a:p>
+            <a:pPr>
+              <a:lnSpc>
+                <a:spcPct val="90000"/>
+              </a:lnSpc>
+            </a:pPr>
+            <a:r>
+              <a:rPr lang="en-US" sz="2800" dirty="0">
+                <a:latin typeface="Candara" panose="020E0502030303020204" pitchFamily="34" charset="0"/>
+              </a:rPr>
+              <a:t>Adaptation policy</a:t>
+            </a:r>
+          </a:p>
+          <a:p>
+            <a:pPr>
+              <a:lnSpc>
+                <a:spcPct val="90000"/>
+              </a:lnSpc>
+            </a:pPr>
+            <a:r>
+              <a:rPr lang="en-US" sz="2800" dirty="0">
+                <a:latin typeface="Candara" panose="020E0502030303020204" pitchFamily="34" charset="0"/>
+              </a:rPr>
+              <a:t>Optimal emission reduction</a:t>
+            </a:r>
+          </a:p>
+          <a:p>
+            <a:pPr>
+              <a:lnSpc>
+                <a:spcPct val="90000"/>
+              </a:lnSpc>
+            </a:pPr>
+            <a:r>
+              <a:rPr lang="en-US" sz="2800" dirty="0">
+                <a:latin typeface="Candara" panose="020E0502030303020204" pitchFamily="34" charset="0"/>
+              </a:rPr>
+              <a:t>Discounting, uncertainty, equity</a:t>
+            </a:r>
+          </a:p>
+          <a:p>
+            <a:pPr>
+              <a:lnSpc>
+                <a:spcPct val="90000"/>
+              </a:lnSpc>
+            </a:pPr>
+            <a:r>
+              <a:rPr lang="en-US" sz="2800" dirty="0">
+                <a:latin typeface="Candara" panose="020E0502030303020204" pitchFamily="34" charset="0"/>
+              </a:rPr>
+              <a:t>International environmental agreements</a:t>
+            </a:r>
           </a:p>
         </p:txBody>
       </p:sp>
@@ -6718,17 +7861,387 @@
   <p:clrMapOvr>
     <a:masterClrMapping/>
   </p:clrMapOvr>
-  <p:timing>
-    <p:tnLst>
-      <p:par>
-        <p:cTn id="1" dur="indefinite" restart="never" nodeType="tmRoot"/>
-      </p:par>
-    </p:tnLst>
-  </p:timing>
+  <mc:AlternateContent xmlns:mc="http://schemas.openxmlformats.org/markup-compatibility/2006" xmlns:p14="http://schemas.microsoft.com/office/powerpoint/2010/main">
+    <mc:Choice Requires="p14">
+      <p:transition spd="slow" p14:dur="2000" advTm="6530"/>
+    </mc:Choice>
+    <mc:Fallback xmlns="">
+      <p:transition spd="slow" advTm="6530"/>
+    </mc:Fallback>
+  </mc:AlternateContent>
 </p:sld>
 </file>
 
-<file path=ppt/slides/slide14.xml><?xml version="1.0" encoding="utf-8"?>
+<file path=ppt/slides/slide20.xml><?xml version="1.0" encoding="utf-8"?>
+<p:sld xmlns:a="http://schemas.openxmlformats.org/drawingml/2006/main" xmlns:r="http://schemas.openxmlformats.org/officeDocument/2006/relationships" xmlns:p="http://schemas.openxmlformats.org/presentationml/2006/main">
+  <p:cSld>
+    <p:spTree>
+      <p:nvGrpSpPr>
+        <p:cNvPr id="1" name=""/>
+        <p:cNvGrpSpPr/>
+        <p:nvPr/>
+      </p:nvGrpSpPr>
+      <p:grpSpPr>
+        <a:xfrm>
+          <a:off x="0" y="0"/>
+          <a:ext cx="0" cy="0"/>
+          <a:chOff x="0" y="0"/>
+          <a:chExt cx="0" cy="0"/>
+        </a:xfrm>
+      </p:grpSpPr>
+      <p:pic>
+        <p:nvPicPr>
+          <p:cNvPr id="3" name="Picture 2">
+            <a:extLst>
+              <a:ext uri="{FF2B5EF4-FFF2-40B4-BE49-F238E27FC236}">
+                <a16:creationId xmlns:a16="http://schemas.microsoft.com/office/drawing/2014/main" id="{38ED705F-98F6-4133-B0E8-1F1A7991AFBD}"/>
+              </a:ext>
+            </a:extLst>
+          </p:cNvPr>
+          <p:cNvPicPr>
+            <a:picLocks noChangeAspect="1"/>
+          </p:cNvPicPr>
+          <p:nvPr/>
+        </p:nvPicPr>
+        <p:blipFill>
+          <a:blip r:embed="rId2"/>
+          <a:stretch>
+            <a:fillRect/>
+          </a:stretch>
+        </p:blipFill>
+        <p:spPr>
+          <a:xfrm>
+            <a:off x="-1" y="0"/>
+            <a:ext cx="9144001" cy="5447732"/>
+          </a:xfrm>
+          <a:prstGeom prst="rect">
+            <a:avLst/>
+          </a:prstGeom>
+        </p:spPr>
+      </p:pic>
+    </p:spTree>
+    <p:extLst>
+      <p:ext uri="{BB962C8B-B14F-4D97-AF65-F5344CB8AC3E}">
+        <p14:creationId xmlns:p14="http://schemas.microsoft.com/office/powerpoint/2010/main" val="3307875398"/>
+      </p:ext>
+    </p:extLst>
+  </p:cSld>
+  <p:clrMapOvr>
+    <a:masterClrMapping/>
+  </p:clrMapOvr>
+</p:sld>
+</file>
+
+<file path=ppt/slides/slide21.xml><?xml version="1.0" encoding="utf-8"?>
+<p:sld xmlns:a="http://schemas.openxmlformats.org/drawingml/2006/main" xmlns:r="http://schemas.openxmlformats.org/officeDocument/2006/relationships" xmlns:p="http://schemas.openxmlformats.org/presentationml/2006/main">
+  <p:cSld>
+    <p:spTree>
+      <p:nvGrpSpPr>
+        <p:cNvPr id="1" name=""/>
+        <p:cNvGrpSpPr/>
+        <p:nvPr/>
+      </p:nvGrpSpPr>
+      <p:grpSpPr>
+        <a:xfrm>
+          <a:off x="0" y="0"/>
+          <a:ext cx="0" cy="0"/>
+          <a:chOff x="0" y="0"/>
+          <a:chExt cx="0" cy="0"/>
+        </a:xfrm>
+      </p:grpSpPr>
+      <p:pic>
+        <p:nvPicPr>
+          <p:cNvPr id="3" name="Picture 2">
+            <a:extLst>
+              <a:ext uri="{FF2B5EF4-FFF2-40B4-BE49-F238E27FC236}">
+                <a16:creationId xmlns:a16="http://schemas.microsoft.com/office/drawing/2014/main" id="{291BC27F-0874-4DAA-9C43-A80BAB093D09}"/>
+              </a:ext>
+            </a:extLst>
+          </p:cNvPr>
+          <p:cNvPicPr>
+            <a:picLocks noChangeAspect="1"/>
+          </p:cNvPicPr>
+          <p:nvPr/>
+        </p:nvPicPr>
+        <p:blipFill>
+          <a:blip r:embed="rId2"/>
+          <a:stretch>
+            <a:fillRect/>
+          </a:stretch>
+        </p:blipFill>
+        <p:spPr>
+          <a:xfrm>
+            <a:off x="0" y="3313"/>
+            <a:ext cx="9144000" cy="5335900"/>
+          </a:xfrm>
+          <a:prstGeom prst="rect">
+            <a:avLst/>
+          </a:prstGeom>
+        </p:spPr>
+      </p:pic>
+    </p:spTree>
+    <p:extLst>
+      <p:ext uri="{BB962C8B-B14F-4D97-AF65-F5344CB8AC3E}">
+        <p14:creationId xmlns:p14="http://schemas.microsoft.com/office/powerpoint/2010/main" val="3034309148"/>
+      </p:ext>
+    </p:extLst>
+  </p:cSld>
+  <p:clrMapOvr>
+    <a:masterClrMapping/>
+  </p:clrMapOvr>
+</p:sld>
+</file>
+
+<file path=ppt/slides/slide22.xml><?xml version="1.0" encoding="utf-8"?>
+<p:sld xmlns:a="http://schemas.openxmlformats.org/drawingml/2006/main" xmlns:r="http://schemas.openxmlformats.org/officeDocument/2006/relationships" xmlns:p="http://schemas.openxmlformats.org/presentationml/2006/main">
+  <p:cSld>
+    <p:spTree>
+      <p:nvGrpSpPr>
+        <p:cNvPr id="1" name=""/>
+        <p:cNvGrpSpPr/>
+        <p:nvPr/>
+      </p:nvGrpSpPr>
+      <p:grpSpPr>
+        <a:xfrm>
+          <a:off x="0" y="0"/>
+          <a:ext cx="0" cy="0"/>
+          <a:chOff x="0" y="0"/>
+          <a:chExt cx="0" cy="0"/>
+        </a:xfrm>
+      </p:grpSpPr>
+      <p:pic>
+        <p:nvPicPr>
+          <p:cNvPr id="3" name="Picture 2">
+            <a:extLst>
+              <a:ext uri="{FF2B5EF4-FFF2-40B4-BE49-F238E27FC236}">
+                <a16:creationId xmlns:a16="http://schemas.microsoft.com/office/drawing/2014/main" id="{4DAD56B6-8187-4C25-AD34-39D96995614C}"/>
+              </a:ext>
+            </a:extLst>
+          </p:cNvPr>
+          <p:cNvPicPr>
+            <a:picLocks noChangeAspect="1"/>
+          </p:cNvPicPr>
+          <p:nvPr/>
+        </p:nvPicPr>
+        <p:blipFill>
+          <a:blip r:embed="rId2"/>
+          <a:stretch>
+            <a:fillRect/>
+          </a:stretch>
+        </p:blipFill>
+        <p:spPr>
+          <a:xfrm>
+            <a:off x="0" y="-76201"/>
+            <a:ext cx="9159282" cy="5522843"/>
+          </a:xfrm>
+          <a:prstGeom prst="rect">
+            <a:avLst/>
+          </a:prstGeom>
+        </p:spPr>
+      </p:pic>
+    </p:spTree>
+    <p:extLst>
+      <p:ext uri="{BB962C8B-B14F-4D97-AF65-F5344CB8AC3E}">
+        <p14:creationId xmlns:p14="http://schemas.microsoft.com/office/powerpoint/2010/main" val="3305816865"/>
+      </p:ext>
+    </p:extLst>
+  </p:cSld>
+  <p:clrMapOvr>
+    <a:masterClrMapping/>
+  </p:clrMapOvr>
+</p:sld>
+</file>
+
+<file path=ppt/slides/slide23.xml><?xml version="1.0" encoding="utf-8"?>
+<p:sld xmlns:a="http://schemas.openxmlformats.org/drawingml/2006/main" xmlns:r="http://schemas.openxmlformats.org/officeDocument/2006/relationships" xmlns:p="http://schemas.openxmlformats.org/presentationml/2006/main">
+  <p:cSld>
+    <p:spTree>
+      <p:nvGrpSpPr>
+        <p:cNvPr id="1" name=""/>
+        <p:cNvGrpSpPr/>
+        <p:nvPr/>
+      </p:nvGrpSpPr>
+      <p:grpSpPr>
+        <a:xfrm>
+          <a:off x="0" y="0"/>
+          <a:ext cx="0" cy="0"/>
+          <a:chOff x="0" y="0"/>
+          <a:chExt cx="0" cy="0"/>
+        </a:xfrm>
+      </p:grpSpPr>
+      <p:pic>
+        <p:nvPicPr>
+          <p:cNvPr id="3" name="Picture 2">
+            <a:extLst>
+              <a:ext uri="{FF2B5EF4-FFF2-40B4-BE49-F238E27FC236}">
+                <a16:creationId xmlns:a16="http://schemas.microsoft.com/office/drawing/2014/main" id="{4C6CE889-9084-48F3-9F6E-88578B7EA247}"/>
+              </a:ext>
+            </a:extLst>
+          </p:cNvPr>
+          <p:cNvPicPr>
+            <a:picLocks noChangeAspect="1"/>
+          </p:cNvPicPr>
+          <p:nvPr/>
+        </p:nvPicPr>
+        <p:blipFill>
+          <a:blip r:embed="rId2"/>
+          <a:stretch>
+            <a:fillRect/>
+          </a:stretch>
+        </p:blipFill>
+        <p:spPr>
+          <a:xfrm>
+            <a:off x="0" y="19878"/>
+            <a:ext cx="9144000" cy="6808620"/>
+          </a:xfrm>
+          <a:prstGeom prst="rect">
+            <a:avLst/>
+          </a:prstGeom>
+        </p:spPr>
+      </p:pic>
+    </p:spTree>
+    <p:extLst>
+      <p:ext uri="{BB962C8B-B14F-4D97-AF65-F5344CB8AC3E}">
+        <p14:creationId xmlns:p14="http://schemas.microsoft.com/office/powerpoint/2010/main" val="27123241"/>
+      </p:ext>
+    </p:extLst>
+  </p:cSld>
+  <p:clrMapOvr>
+    <a:masterClrMapping/>
+  </p:clrMapOvr>
+</p:sld>
+</file>
+
+<file path=ppt/slides/slide24.xml><?xml version="1.0" encoding="utf-8"?>
+<p:sld xmlns:a="http://schemas.openxmlformats.org/drawingml/2006/main" xmlns:r="http://schemas.openxmlformats.org/officeDocument/2006/relationships" xmlns:p="http://schemas.openxmlformats.org/presentationml/2006/main">
+  <p:cSld>
+    <p:spTree>
+      <p:nvGrpSpPr>
+        <p:cNvPr id="1" name=""/>
+        <p:cNvGrpSpPr/>
+        <p:nvPr/>
+      </p:nvGrpSpPr>
+      <p:grpSpPr>
+        <a:xfrm>
+          <a:off x="0" y="0"/>
+          <a:ext cx="0" cy="0"/>
+          <a:chOff x="0" y="0"/>
+          <a:chExt cx="0" cy="0"/>
+        </a:xfrm>
+      </p:grpSpPr>
+      <p:sp>
+        <p:nvSpPr>
+          <p:cNvPr id="2050" name="Rectangle 2"/>
+          <p:cNvSpPr>
+            <a:spLocks noGrp="1" noChangeArrowheads="1"/>
+          </p:cNvSpPr>
+          <p:nvPr>
+            <p:ph type="title"/>
+          </p:nvPr>
+        </p:nvSpPr>
+        <p:spPr>
+          <a:xfrm>
+            <a:off x="685800" y="228600"/>
+            <a:ext cx="7772400" cy="1143000"/>
+          </a:xfrm>
+        </p:spPr>
+        <p:txBody>
+          <a:bodyPr/>
+          <a:lstStyle/>
+          <a:p>
+            <a:pPr eaLnBrk="1" hangingPunct="1"/>
+            <a:r>
+              <a:rPr lang="de-DE" sz="4000" dirty="0">
+                <a:latin typeface="Candara" panose="020E0502030303020204" pitchFamily="34" charset="0"/>
+              </a:rPr>
+              <a:t>Costs of Emission Reduction</a:t>
+            </a:r>
+            <a:endParaRPr lang="en-GB" sz="4000" dirty="0">
+              <a:latin typeface="Candara" panose="020E0502030303020204" pitchFamily="34" charset="0"/>
+            </a:endParaRPr>
+          </a:p>
+        </p:txBody>
+      </p:sp>
+      <p:sp>
+        <p:nvSpPr>
+          <p:cNvPr id="2051" name="Rectangle 3"/>
+          <p:cNvSpPr>
+            <a:spLocks noGrp="1" noChangeArrowheads="1"/>
+          </p:cNvSpPr>
+          <p:nvPr>
+            <p:ph type="body" idx="1"/>
+          </p:nvPr>
+        </p:nvSpPr>
+        <p:spPr>
+          <a:xfrm>
+            <a:off x="685800" y="1371600"/>
+            <a:ext cx="7772400" cy="4114800"/>
+          </a:xfrm>
+        </p:spPr>
+        <p:txBody>
+          <a:bodyPr/>
+          <a:lstStyle/>
+          <a:p>
+            <a:pPr eaLnBrk="1" hangingPunct="1"/>
+            <a:r>
+              <a:rPr lang="de-DE" dirty="0">
+                <a:latin typeface="Candara" panose="020E0502030303020204" pitchFamily="34" charset="0"/>
+              </a:rPr>
+              <a:t>Estimates of total and marginal costs</a:t>
+            </a:r>
+          </a:p>
+          <a:p>
+            <a:pPr eaLnBrk="1" hangingPunct="1"/>
+            <a:r>
+              <a:rPr lang="de-DE" dirty="0">
+                <a:latin typeface="Candara" panose="020E0502030303020204" pitchFamily="34" charset="0"/>
+              </a:rPr>
+              <a:t>Sensitivity of these costs</a:t>
+            </a:r>
+          </a:p>
+          <a:p>
+            <a:pPr eaLnBrk="1" hangingPunct="1"/>
+            <a:r>
+              <a:rPr lang="de-DE" dirty="0">
+                <a:latin typeface="Candara" panose="020E0502030303020204" pitchFamily="34" charset="0"/>
+              </a:rPr>
+              <a:t>Feasibility of deep cuts</a:t>
+            </a:r>
+          </a:p>
+          <a:p>
+            <a:pPr eaLnBrk="1" hangingPunct="1"/>
+            <a:r>
+              <a:rPr lang="de-DE" dirty="0">
+                <a:latin typeface="Candara" panose="020E0502030303020204" pitchFamily="34" charset="0"/>
+              </a:rPr>
+              <a:t>Distribution of costs</a:t>
+            </a:r>
+          </a:p>
+          <a:p>
+            <a:pPr eaLnBrk="1" hangingPunct="1"/>
+            <a:r>
+              <a:rPr lang="de-DE" b="1" dirty="0">
+                <a:latin typeface="Candara" panose="020E0502030303020204" pitchFamily="34" charset="0"/>
+              </a:rPr>
+              <a:t>Negative costs</a:t>
+            </a:r>
+          </a:p>
+        </p:txBody>
+      </p:sp>
+    </p:spTree>
+    <p:extLst>
+      <p:ext uri="{BB962C8B-B14F-4D97-AF65-F5344CB8AC3E}">
+        <p14:creationId xmlns:p14="http://schemas.microsoft.com/office/powerpoint/2010/main" val="2924725351"/>
+      </p:ext>
+    </p:extLst>
+  </p:cSld>
+  <p:clrMapOvr>
+    <a:masterClrMapping/>
+  </p:clrMapOvr>
+</p:sld>
+</file>
+
+<file path=ppt/slides/slide25.xml><?xml version="1.0" encoding="utf-8"?>
 <p:sld xmlns:a="http://schemas.openxmlformats.org/drawingml/2006/main" xmlns:r="http://schemas.openxmlformats.org/officeDocument/2006/relationships" xmlns:p="http://schemas.openxmlformats.org/presentationml/2006/main">
   <p:cSld>
     <p:spTree>
@@ -6750,7 +8263,7 @@
           <p:cNvPr id="4" name="Picture 3">
             <a:extLst>
               <a:ext uri="{FF2B5EF4-FFF2-40B4-BE49-F238E27FC236}">
-                <a16:creationId xmlns="" xmlns:a16="http://schemas.microsoft.com/office/drawing/2014/main" id="{C5BC7AA1-47F3-45F4-89E4-EC8F52F24B0F}"/>
+                <a16:creationId xmlns:a16="http://schemas.microsoft.com/office/drawing/2014/main" id="{C5BC7AA1-47F3-45F4-89E4-EC8F52F24B0F}"/>
               </a:ext>
             </a:extLst>
           </p:cNvPr>
@@ -6885,17 +8398,10 @@
   <p:clrMapOvr>
     <a:masterClrMapping/>
   </p:clrMapOvr>
-  <p:timing>
-    <p:tnLst>
-      <p:par>
-        <p:cTn id="1" dur="indefinite" restart="never" nodeType="tmRoot"/>
-      </p:par>
-    </p:tnLst>
-  </p:timing>
 </p:sld>
 </file>
 
-<file path=ppt/slides/slide15.xml><?xml version="1.0" encoding="utf-8"?>
+<file path=ppt/slides/slide26.xml><?xml version="1.0" encoding="utf-8"?>
 <p:sld xmlns:a="http://schemas.openxmlformats.org/drawingml/2006/main" xmlns:r="http://schemas.openxmlformats.org/officeDocument/2006/relationships" xmlns:p="http://schemas.openxmlformats.org/presentationml/2006/main">
   <p:cSld>
     <p:spTree>
@@ -6982,22 +8488,16 @@
               <a:t>If </a:t>
             </a:r>
             <a:r>
-              <a:rPr lang="en-GB" sz="2800" dirty="0" smtClean="0">
+              <a:rPr lang="en-GB" sz="2800" dirty="0">
                 <a:latin typeface="Candara" panose="020E0502030303020204" pitchFamily="34" charset="0"/>
               </a:rPr>
               <a:t>you’re</a:t>
             </a:r>
             <a:r>
-              <a:rPr lang="de-DE" sz="2800" dirty="0" smtClean="0">
-                <a:latin typeface="Candara" panose="020E0502030303020204" pitchFamily="34" charset="0"/>
-              </a:rPr>
-              <a:t> </a:t>
-            </a:r>
-            <a:r>
               <a:rPr lang="de-DE" sz="2800" dirty="0">
                 <a:latin typeface="Candara" panose="020E0502030303020204" pitchFamily="34" charset="0"/>
               </a:rPr>
-              <a:t>in the optimum, any policy would increase costs</a:t>
+              <a:t> in the optimum, any policy would increase costs</a:t>
             </a:r>
           </a:p>
           <a:p>
@@ -7024,21 +8524,19 @@
         </p:txBody>
       </p:sp>
     </p:spTree>
+    <p:extLst>
+      <p:ext uri="{BB962C8B-B14F-4D97-AF65-F5344CB8AC3E}">
+        <p14:creationId xmlns:p14="http://schemas.microsoft.com/office/powerpoint/2010/main" val="756061681"/>
+      </p:ext>
+    </p:extLst>
   </p:cSld>
   <p:clrMapOvr>
     <a:masterClrMapping/>
   </p:clrMapOvr>
-  <p:timing>
-    <p:tnLst>
-      <p:par>
-        <p:cTn id="1" dur="indefinite" restart="never" nodeType="tmRoot"/>
-      </p:par>
-    </p:tnLst>
-  </p:timing>
 </p:sld>
 </file>
 
-<file path=ppt/slides/slide16.xml><?xml version="1.0" encoding="utf-8"?>
+<file path=ppt/slides/slide27.xml><?xml version="1.0" encoding="utf-8"?>
 <p:sld xmlns:a="http://schemas.openxmlformats.org/drawingml/2006/main" xmlns:r="http://schemas.openxmlformats.org/officeDocument/2006/relationships" xmlns:p="http://schemas.openxmlformats.org/presentationml/2006/main">
   <p:cSld>
     <p:spTree>
@@ -7182,13 +8680,7 @@
               <a:rPr lang="en-GB" sz="2800" dirty="0">
                 <a:latin typeface="Candara" panose="020E0502030303020204" pitchFamily="34" charset="0"/>
               </a:rPr>
-              <a:t>The carbon tax revenue can be used to reduce another tax – this would at least partly but maybe more than offset the costs of the carbon </a:t>
-            </a:r>
-            <a:r>
-              <a:rPr lang="en-GB" sz="2800" dirty="0" smtClean="0">
-                <a:latin typeface="Candara" panose="020E0502030303020204" pitchFamily="34" charset="0"/>
-              </a:rPr>
-              <a:t>tax</a:t>
+              <a:t>The carbon tax revenue can be used to reduce another tax – this would at least partly but maybe more than offset the costs of the carbon tax</a:t>
             </a:r>
           </a:p>
           <a:p>
@@ -7198,14 +8690,11 @@
               </a:lnSpc>
             </a:pPr>
             <a:r>
-              <a:rPr lang="en-GB" sz="2800" dirty="0" smtClean="0">
+              <a:rPr lang="en-GB" sz="2800" dirty="0">
                 <a:latin typeface="Candara" panose="020E0502030303020204" pitchFamily="34" charset="0"/>
               </a:rPr>
               <a:t>In Europe, prime candidate would be labour taxes</a:t>
             </a:r>
-            <a:endParaRPr lang="en-GB" sz="2800" dirty="0">
-              <a:latin typeface="Candara" panose="020E0502030303020204" pitchFamily="34" charset="0"/>
-            </a:endParaRPr>
           </a:p>
         </p:txBody>
       </p:sp>
@@ -7214,17 +8703,10 @@
   <p:clrMapOvr>
     <a:masterClrMapping/>
   </p:clrMapOvr>
-  <p:timing>
-    <p:tnLst>
-      <p:par>
-        <p:cTn id="1" dur="indefinite" restart="never" nodeType="tmRoot"/>
-      </p:par>
-    </p:tnLst>
-  </p:timing>
 </p:sld>
 </file>
 
-<file path=ppt/slides/slide17.xml><?xml version="1.0" encoding="utf-8"?>
+<file path=ppt/slides/slide28.xml><?xml version="1.0" encoding="utf-8"?>
 <p:sld xmlns:a="http://schemas.openxmlformats.org/drawingml/2006/main" xmlns:r="http://schemas.openxmlformats.org/officeDocument/2006/relationships" xmlns:p="http://schemas.openxmlformats.org/presentationml/2006/main">
   <p:cSld>
     <p:spTree>
@@ -7263,7 +8745,7 @@
           <a:p>
             <a:pPr eaLnBrk="1" hangingPunct="1"/>
             <a:r>
-              <a:rPr lang="de-DE" sz="3600" dirty="0" smtClean="0">
+              <a:rPr lang="de-DE" sz="3600" dirty="0">
                 <a:latin typeface="Candara" panose="020E0502030303020204" pitchFamily="34" charset="0"/>
               </a:rPr>
               <a:t>Tax-interaction</a:t>
@@ -7300,7 +8782,7 @@
               </a:lnSpc>
             </a:pPr>
             <a:r>
-              <a:rPr lang="en-GB" sz="2800" dirty="0" smtClean="0">
+              <a:rPr lang="en-GB" sz="2800" dirty="0">
                 <a:latin typeface="Candara" panose="020E0502030303020204" pitchFamily="34" charset="0"/>
               </a:rPr>
               <a:t>A carbon tax reduces greenhouse gas emissions (first dividend)</a:t>
@@ -7313,7 +8795,7 @@
               </a:lnSpc>
             </a:pPr>
             <a:r>
-              <a:rPr lang="en-GB" sz="2800" dirty="0" smtClean="0">
+              <a:rPr lang="en-GB" sz="2800" dirty="0">
                 <a:latin typeface="Candara" panose="020E0502030303020204" pitchFamily="34" charset="0"/>
               </a:rPr>
               <a:t>The revenue of a carbon tax can be used to reduce other, more distortionary taxes (second dividend)</a:t>
@@ -7326,7 +8808,7 @@
               </a:lnSpc>
             </a:pPr>
             <a:r>
-              <a:rPr lang="en-GB" sz="2800" dirty="0" smtClean="0">
+              <a:rPr lang="en-GB" sz="2800" dirty="0">
                 <a:latin typeface="Candara" panose="020E0502030303020204" pitchFamily="34" charset="0"/>
               </a:rPr>
               <a:t>However, a carbon tax raises prices, reduces real wages and real returns on capital, and so the incentives to work and invest</a:t>
@@ -7339,7 +8821,7 @@
               </a:lnSpc>
             </a:pPr>
             <a:r>
-              <a:rPr lang="en-GB" sz="2800" dirty="0" smtClean="0">
+              <a:rPr lang="en-GB" sz="2800" dirty="0">
                 <a:latin typeface="Candara" panose="020E0502030303020204" pitchFamily="34" charset="0"/>
               </a:rPr>
               <a:t>These tax-interaction effects at least partly undo the double dividend</a:t>
@@ -7351,7 +8833,7 @@
                 <a:spcPct val="90000"/>
               </a:lnSpc>
             </a:pPr>
-            <a:endParaRPr lang="en-GB" sz="2800" dirty="0" smtClean="0">
+            <a:endParaRPr lang="en-GB" sz="2800" dirty="0">
               <a:latin typeface="Candara" panose="020E0502030303020204" pitchFamily="34" charset="0"/>
             </a:endParaRPr>
           </a:p>
@@ -7367,17 +8849,10 @@
   <p:clrMapOvr>
     <a:masterClrMapping/>
   </p:clrMapOvr>
-  <p:timing>
-    <p:tnLst>
-      <p:par>
-        <p:cTn id="1" dur="indefinite" restart="never" nodeType="tmRoot"/>
-      </p:par>
-    </p:tnLst>
-  </p:timing>
 </p:sld>
 </file>
 
-<file path=ppt/slides/slide18.xml><?xml version="1.0" encoding="utf-8"?>
+<file path=ppt/slides/slide29.xml><?xml version="1.0" encoding="utf-8"?>
 <p:sld xmlns:a="http://schemas.openxmlformats.org/drawingml/2006/main" xmlns:r="http://schemas.openxmlformats.org/officeDocument/2006/relationships" xmlns:p="http://schemas.openxmlformats.org/presentationml/2006/main">
   <p:cSld>
     <p:spTree>
@@ -7431,17 +8906,139 @@
   <p:clrMapOvr>
     <a:masterClrMapping/>
   </p:clrMapOvr>
-  <p:timing>
-    <p:tnLst>
-      <p:par>
-        <p:cTn id="1" dur="indefinite" restart="never" nodeType="tmRoot"/>
-      </p:par>
-    </p:tnLst>
-  </p:timing>
 </p:sld>
 </file>
 
-<file path=ppt/slides/slide19.xml><?xml version="1.0" encoding="utf-8"?>
+<file path=ppt/slides/slide3.xml><?xml version="1.0" encoding="utf-8"?>
+<p:sld xmlns:a="http://schemas.openxmlformats.org/drawingml/2006/main" xmlns:r="http://schemas.openxmlformats.org/officeDocument/2006/relationships" xmlns:p="http://schemas.openxmlformats.org/presentationml/2006/main">
+  <p:cSld>
+    <p:spTree>
+      <p:nvGrpSpPr>
+        <p:cNvPr id="1" name=""/>
+        <p:cNvGrpSpPr/>
+        <p:nvPr/>
+      </p:nvGrpSpPr>
+      <p:grpSpPr>
+        <a:xfrm>
+          <a:off x="0" y="0"/>
+          <a:ext cx="0" cy="0"/>
+          <a:chOff x="0" y="0"/>
+          <a:chExt cx="0" cy="0"/>
+        </a:xfrm>
+      </p:grpSpPr>
+      <p:sp>
+        <p:nvSpPr>
+          <p:cNvPr id="2050" name="Rectangle 2"/>
+          <p:cNvSpPr>
+            <a:spLocks noGrp="1" noChangeArrowheads="1"/>
+          </p:cNvSpPr>
+          <p:nvPr>
+            <p:ph type="title"/>
+          </p:nvPr>
+        </p:nvSpPr>
+        <p:spPr>
+          <a:xfrm>
+            <a:off x="685800" y="228600"/>
+            <a:ext cx="7772400" cy="1143000"/>
+          </a:xfrm>
+        </p:spPr>
+        <p:txBody>
+          <a:bodyPr/>
+          <a:lstStyle/>
+          <a:p>
+            <a:pPr eaLnBrk="1" hangingPunct="1"/>
+            <a:r>
+              <a:rPr lang="de-DE" sz="4000" dirty="0">
+                <a:latin typeface="Candara" panose="020E0502030303020204" pitchFamily="34" charset="0"/>
+              </a:rPr>
+              <a:t>Costs of Emission Reduction</a:t>
+            </a:r>
+            <a:endParaRPr lang="en-GB" sz="4000" dirty="0">
+              <a:latin typeface="Candara" panose="020E0502030303020204" pitchFamily="34" charset="0"/>
+            </a:endParaRPr>
+          </a:p>
+        </p:txBody>
+      </p:sp>
+      <p:sp>
+        <p:nvSpPr>
+          <p:cNvPr id="2051" name="Rectangle 3"/>
+          <p:cNvSpPr>
+            <a:spLocks noGrp="1" noChangeArrowheads="1"/>
+          </p:cNvSpPr>
+          <p:nvPr>
+            <p:ph type="body" idx="1"/>
+          </p:nvPr>
+        </p:nvSpPr>
+        <p:spPr>
+          <a:xfrm>
+            <a:off x="685800" y="1371600"/>
+            <a:ext cx="7772400" cy="4114800"/>
+          </a:xfrm>
+        </p:spPr>
+        <p:txBody>
+          <a:bodyPr/>
+          <a:lstStyle/>
+          <a:p>
+            <a:pPr eaLnBrk="1" hangingPunct="1"/>
+            <a:r>
+              <a:rPr lang="de-DE" b="1" dirty="0">
+                <a:latin typeface="Candara" panose="020E0502030303020204" pitchFamily="34" charset="0"/>
+              </a:rPr>
+              <a:t>Estimates of total and marginal costs</a:t>
+            </a:r>
+          </a:p>
+          <a:p>
+            <a:pPr eaLnBrk="1" hangingPunct="1"/>
+            <a:r>
+              <a:rPr lang="de-DE" b="1" dirty="0">
+                <a:latin typeface="Candara" panose="020E0502030303020204" pitchFamily="34" charset="0"/>
+              </a:rPr>
+              <a:t>Sensitivity of these costs</a:t>
+            </a:r>
+          </a:p>
+          <a:p>
+            <a:pPr eaLnBrk="1" hangingPunct="1"/>
+            <a:r>
+              <a:rPr lang="de-DE" dirty="0">
+                <a:latin typeface="Candara" panose="020E0502030303020204" pitchFamily="34" charset="0"/>
+              </a:rPr>
+              <a:t>Feasibility of deep cuts</a:t>
+            </a:r>
+          </a:p>
+          <a:p>
+            <a:pPr eaLnBrk="1" hangingPunct="1"/>
+            <a:r>
+              <a:rPr lang="de-DE" dirty="0">
+                <a:latin typeface="Candara" panose="020E0502030303020204" pitchFamily="34" charset="0"/>
+              </a:rPr>
+              <a:t>Distribution of costs</a:t>
+            </a:r>
+          </a:p>
+          <a:p>
+            <a:pPr eaLnBrk="1" hangingPunct="1"/>
+            <a:r>
+              <a:rPr lang="de-DE" dirty="0">
+                <a:latin typeface="Candara" panose="020E0502030303020204" pitchFamily="34" charset="0"/>
+              </a:rPr>
+              <a:t>Negative costs</a:t>
+            </a:r>
+          </a:p>
+        </p:txBody>
+      </p:sp>
+    </p:spTree>
+    <p:extLst>
+      <p:ext uri="{BB962C8B-B14F-4D97-AF65-F5344CB8AC3E}">
+        <p14:creationId xmlns:p14="http://schemas.microsoft.com/office/powerpoint/2010/main" val="2412146603"/>
+      </p:ext>
+    </p:extLst>
+  </p:cSld>
+  <p:clrMapOvr>
+    <a:masterClrMapping/>
+  </p:clrMapOvr>
+</p:sld>
+</file>
+
+<file path=ppt/slides/slide30.xml><?xml version="1.0" encoding="utf-8"?>
 <p:sld xmlns:a="http://schemas.openxmlformats.org/drawingml/2006/main" xmlns:r="http://schemas.openxmlformats.org/officeDocument/2006/relationships" xmlns:p="http://schemas.openxmlformats.org/presentationml/2006/main">
   <p:cSld>
     <p:spTree>
@@ -7498,243 +9095,7 @@
 </p:sld>
 </file>
 
-<file path=ppt/slides/slide2.xml><?xml version="1.0" encoding="utf-8"?>
-<p:sld xmlns:a="http://schemas.openxmlformats.org/drawingml/2006/main" xmlns:r="http://schemas.openxmlformats.org/officeDocument/2006/relationships" xmlns:p="http://schemas.openxmlformats.org/presentationml/2006/main">
-  <p:cSld>
-    <p:spTree>
-      <p:nvGrpSpPr>
-        <p:cNvPr id="1" name=""/>
-        <p:cNvGrpSpPr/>
-        <p:nvPr/>
-      </p:nvGrpSpPr>
-      <p:grpSpPr>
-        <a:xfrm>
-          <a:off x="0" y="0"/>
-          <a:ext cx="0" cy="0"/>
-          <a:chOff x="0" y="0"/>
-          <a:chExt cx="0" cy="0"/>
-        </a:xfrm>
-      </p:grpSpPr>
-      <p:sp>
-        <p:nvSpPr>
-          <p:cNvPr id="190466" name="Rectangle 2"/>
-          <p:cNvSpPr>
-            <a:spLocks noGrp="1" noChangeArrowheads="1"/>
-          </p:cNvSpPr>
-          <p:nvPr>
-            <p:ph type="title"/>
-          </p:nvPr>
-        </p:nvSpPr>
-        <p:spPr>
-          <a:xfrm>
-            <a:off x="762000" y="-76200"/>
-            <a:ext cx="7772400" cy="1143000"/>
-          </a:xfrm>
-        </p:spPr>
-        <p:txBody>
-          <a:bodyPr/>
-          <a:lstStyle/>
-          <a:p>
-            <a:r>
-              <a:rPr lang="de-DE" sz="3200" dirty="0">
-                <a:latin typeface="Candara" panose="020E0502030303020204" pitchFamily="34" charset="0"/>
-              </a:rPr>
-              <a:t>Lectures</a:t>
-            </a:r>
-            <a:endParaRPr lang="en-GB" sz="3200" dirty="0">
-              <a:latin typeface="Candara" panose="020E0502030303020204" pitchFamily="34" charset="0"/>
-            </a:endParaRPr>
-          </a:p>
-        </p:txBody>
-      </p:sp>
-      <p:sp>
-        <p:nvSpPr>
-          <p:cNvPr id="190467" name="Rectangle 3"/>
-          <p:cNvSpPr>
-            <a:spLocks noGrp="1" noChangeArrowheads="1"/>
-          </p:cNvSpPr>
-          <p:nvPr>
-            <p:ph type="body" idx="1"/>
-          </p:nvPr>
-        </p:nvSpPr>
-        <p:spPr>
-          <a:xfrm>
-            <a:off x="685800" y="838200"/>
-            <a:ext cx="7772400" cy="5486400"/>
-          </a:xfrm>
-        </p:spPr>
-        <p:txBody>
-          <a:bodyPr/>
-          <a:lstStyle/>
-          <a:p>
-            <a:pPr>
-              <a:lnSpc>
-                <a:spcPct val="90000"/>
-              </a:lnSpc>
-            </a:pPr>
-            <a:r>
-              <a:rPr lang="en-US" sz="2800" dirty="0">
-                <a:latin typeface="Candara" panose="020E0502030303020204" pitchFamily="34" charset="0"/>
-              </a:rPr>
-              <a:t>Science</a:t>
-            </a:r>
-          </a:p>
-          <a:p>
-            <a:pPr>
-              <a:lnSpc>
-                <a:spcPct val="90000"/>
-              </a:lnSpc>
-            </a:pPr>
-            <a:r>
-              <a:rPr lang="en-US" sz="2800" dirty="0">
-                <a:latin typeface="Candara" panose="020E0502030303020204" pitchFamily="34" charset="0"/>
-              </a:rPr>
-              <a:t>Scenarios &amp; emission reduction options</a:t>
-            </a:r>
-          </a:p>
-          <a:p>
-            <a:pPr>
-              <a:lnSpc>
-                <a:spcPct val="90000"/>
-              </a:lnSpc>
-            </a:pPr>
-            <a:r>
-              <a:rPr lang="en-US" b="1" dirty="0">
-                <a:latin typeface="Candara" panose="020E0502030303020204" pitchFamily="34" charset="0"/>
-              </a:rPr>
-              <a:t>Costs of emission reduction</a:t>
-            </a:r>
-          </a:p>
-          <a:p>
-            <a:pPr>
-              <a:lnSpc>
-                <a:spcPct val="90000"/>
-              </a:lnSpc>
-            </a:pPr>
-            <a:r>
-              <a:rPr lang="en-US" sz="2800" dirty="0">
-                <a:latin typeface="Candara" panose="020E0502030303020204" pitchFamily="34" charset="0"/>
-              </a:rPr>
-              <a:t>Instruments for emission reduction</a:t>
-            </a:r>
-          </a:p>
-          <a:p>
-            <a:pPr>
-              <a:lnSpc>
-                <a:spcPct val="90000"/>
-              </a:lnSpc>
-            </a:pPr>
-            <a:r>
-              <a:rPr lang="en-US" sz="2800" dirty="0">
-                <a:latin typeface="Candara" panose="020E0502030303020204" pitchFamily="34" charset="0"/>
-              </a:rPr>
-              <a:t>Impacts of climate change &amp; valuation</a:t>
-            </a:r>
-          </a:p>
-          <a:p>
-            <a:pPr>
-              <a:lnSpc>
-                <a:spcPct val="90000"/>
-              </a:lnSpc>
-            </a:pPr>
-            <a:r>
-              <a:rPr lang="en-US" sz="2800" dirty="0">
-                <a:latin typeface="Candara" panose="020E0502030303020204" pitchFamily="34" charset="0"/>
-              </a:rPr>
-              <a:t>Economic impacts of climate change</a:t>
-            </a:r>
-          </a:p>
-          <a:p>
-            <a:pPr>
-              <a:lnSpc>
-                <a:spcPct val="90000"/>
-              </a:lnSpc>
-            </a:pPr>
-            <a:r>
-              <a:rPr lang="en-US" sz="2800" dirty="0">
-                <a:latin typeface="Candara" panose="020E0502030303020204" pitchFamily="34" charset="0"/>
-              </a:rPr>
-              <a:t>Climate and development</a:t>
-            </a:r>
-          </a:p>
-          <a:p>
-            <a:pPr>
-              <a:lnSpc>
-                <a:spcPct val="90000"/>
-              </a:lnSpc>
-            </a:pPr>
-            <a:r>
-              <a:rPr lang="en-US" sz="2800" dirty="0">
-                <a:latin typeface="Candara" panose="020E0502030303020204" pitchFamily="34" charset="0"/>
-              </a:rPr>
-              <a:t>Adaptation policy</a:t>
-            </a:r>
-          </a:p>
-          <a:p>
-            <a:pPr>
-              <a:lnSpc>
-                <a:spcPct val="90000"/>
-              </a:lnSpc>
-            </a:pPr>
-            <a:r>
-              <a:rPr lang="en-US" sz="2800" dirty="0">
-                <a:latin typeface="Candara" panose="020E0502030303020204" pitchFamily="34" charset="0"/>
-              </a:rPr>
-              <a:t>Optimal emission reduction</a:t>
-            </a:r>
-          </a:p>
-          <a:p>
-            <a:pPr>
-              <a:lnSpc>
-                <a:spcPct val="90000"/>
-              </a:lnSpc>
-            </a:pPr>
-            <a:r>
-              <a:rPr lang="en-US" sz="2800" dirty="0">
-                <a:latin typeface="Candara" panose="020E0502030303020204" pitchFamily="34" charset="0"/>
-              </a:rPr>
-              <a:t>Discounting, uncertainty, equity</a:t>
-            </a:r>
-          </a:p>
-          <a:p>
-            <a:pPr>
-              <a:lnSpc>
-                <a:spcPct val="90000"/>
-              </a:lnSpc>
-            </a:pPr>
-            <a:r>
-              <a:rPr lang="en-US" sz="2800" dirty="0">
-                <a:latin typeface="Candara" panose="020E0502030303020204" pitchFamily="34" charset="0"/>
-              </a:rPr>
-              <a:t>International environmental agreements</a:t>
-            </a:r>
-          </a:p>
-        </p:txBody>
-      </p:sp>
-    </p:spTree>
-  </p:cSld>
-  <p:clrMapOvr>
-    <a:masterClrMapping/>
-  </p:clrMapOvr>
-  <mc:AlternateContent xmlns:mc="http://schemas.openxmlformats.org/markup-compatibility/2006" xmlns:p14="http://schemas.microsoft.com/office/powerpoint/2010/main">
-    <mc:Choice Requires="p14">
-      <p:transition spd="slow" p14:dur="2000" advTm="6530"/>
-    </mc:Choice>
-    <mc:Fallback xmlns="">
-      <p:transition spd="slow" advTm="6530"/>
-    </mc:Fallback>
-  </mc:AlternateContent>
-  <p:timing>
-    <p:tnLst>
-      <p:par>
-        <p:cTn id="1" dur="indefinite" restart="never" nodeType="tmRoot"/>
-      </p:par>
-    </p:tnLst>
-  </p:timing>
-</p:sld>
-</file>
-
-<file path=ppt/slides/slide20.xml><?xml version="1.0" encoding="utf-8"?>
+<file path=ppt/slides/slide31.xml><?xml version="1.0" encoding="utf-8"?>
 <p:sld xmlns:a="http://schemas.openxmlformats.org/drawingml/2006/main" xmlns:r="http://schemas.openxmlformats.org/officeDocument/2006/relationships" xmlns:p="http://schemas.openxmlformats.org/presentationml/2006/main">
   <p:cSld>
     <p:spTree>
@@ -7791,7 +9152,7 @@
 </p:sld>
 </file>
 
-<file path=ppt/slides/slide21.xml><?xml version="1.0" encoding="utf-8"?>
+<file path=ppt/slides/slide32.xml><?xml version="1.0" encoding="utf-8"?>
 <p:sld xmlns:a="http://schemas.openxmlformats.org/drawingml/2006/main" xmlns:r="http://schemas.openxmlformats.org/officeDocument/2006/relationships" xmlns:p="http://schemas.openxmlformats.org/presentationml/2006/main">
   <p:cSld>
     <p:spTree>
@@ -7868,35 +9229,35 @@
                 <a:gridCol w="2819400">
                   <a:extLst>
                     <a:ext uri="{9D8B030D-6E8A-4147-A177-3AD203B41FA5}">
-                      <a16:colId xmlns:a16="http://schemas.microsoft.com/office/drawing/2014/main" xmlns="" val="20000"/>
+                      <a16:colId xmlns:a16="http://schemas.microsoft.com/office/drawing/2014/main" val="20000"/>
                     </a:ext>
                   </a:extLst>
                 </a:gridCol>
                 <a:gridCol w="1219200">
                   <a:extLst>
                     <a:ext uri="{9D8B030D-6E8A-4147-A177-3AD203B41FA5}">
-                      <a16:colId xmlns:a16="http://schemas.microsoft.com/office/drawing/2014/main" xmlns="" val="20001"/>
+                      <a16:colId xmlns:a16="http://schemas.microsoft.com/office/drawing/2014/main" val="20001"/>
                     </a:ext>
                   </a:extLst>
                 </a:gridCol>
                 <a:gridCol w="1295400">
                   <a:extLst>
                     <a:ext uri="{9D8B030D-6E8A-4147-A177-3AD203B41FA5}">
-                      <a16:colId xmlns:a16="http://schemas.microsoft.com/office/drawing/2014/main" xmlns="" val="20002"/>
+                      <a16:colId xmlns:a16="http://schemas.microsoft.com/office/drawing/2014/main" val="20002"/>
                     </a:ext>
                   </a:extLst>
                 </a:gridCol>
                 <a:gridCol w="1295400">
                   <a:extLst>
                     <a:ext uri="{9D8B030D-6E8A-4147-A177-3AD203B41FA5}">
-                      <a16:colId xmlns:a16="http://schemas.microsoft.com/office/drawing/2014/main" xmlns="" val="20003"/>
+                      <a16:colId xmlns:a16="http://schemas.microsoft.com/office/drawing/2014/main" val="20003"/>
                     </a:ext>
                   </a:extLst>
                 </a:gridCol>
                 <a:gridCol w="1143000">
                   <a:extLst>
                     <a:ext uri="{9D8B030D-6E8A-4147-A177-3AD203B41FA5}">
-                      <a16:colId xmlns:a16="http://schemas.microsoft.com/office/drawing/2014/main" xmlns="" val="20004"/>
+                      <a16:colId xmlns:a16="http://schemas.microsoft.com/office/drawing/2014/main" val="20004"/>
                     </a:ext>
                   </a:extLst>
                 </a:gridCol>
@@ -8351,7 +9712,7 @@
                 </a:tc>
                 <a:extLst>
                   <a:ext uri="{0D108BD9-81ED-4DB2-BD59-A6C34878D82A}">
-                    <a16:rowId xmlns:a16="http://schemas.microsoft.com/office/drawing/2014/main" xmlns="" val="10000"/>
+                    <a16:rowId xmlns:a16="http://schemas.microsoft.com/office/drawing/2014/main" val="10000"/>
                   </a:ext>
                 </a:extLst>
               </a:tr>
@@ -8818,7 +10179,7 @@
                 </a:tc>
                 <a:extLst>
                   <a:ext uri="{0D108BD9-81ED-4DB2-BD59-A6C34878D82A}">
-                    <a16:rowId xmlns:a16="http://schemas.microsoft.com/office/drawing/2014/main" xmlns="" val="10001"/>
+                    <a16:rowId xmlns:a16="http://schemas.microsoft.com/office/drawing/2014/main" val="10001"/>
                   </a:ext>
                 </a:extLst>
               </a:tr>
@@ -9272,7 +10633,7 @@
                 </a:tc>
                 <a:extLst>
                   <a:ext uri="{0D108BD9-81ED-4DB2-BD59-A6C34878D82A}">
-                    <a16:rowId xmlns:a16="http://schemas.microsoft.com/office/drawing/2014/main" xmlns="" val="10002"/>
+                    <a16:rowId xmlns:a16="http://schemas.microsoft.com/office/drawing/2014/main" val="10002"/>
                   </a:ext>
                 </a:extLst>
               </a:tr>
@@ -9739,7 +11100,7 @@
                 </a:tc>
                 <a:extLst>
                   <a:ext uri="{0D108BD9-81ED-4DB2-BD59-A6C34878D82A}">
-                    <a16:rowId xmlns:a16="http://schemas.microsoft.com/office/drawing/2014/main" xmlns="" val="10003"/>
+                    <a16:rowId xmlns:a16="http://schemas.microsoft.com/office/drawing/2014/main" val="10003"/>
                   </a:ext>
                 </a:extLst>
               </a:tr>
@@ -10206,7 +11567,7 @@
                 </a:tc>
                 <a:extLst>
                   <a:ext uri="{0D108BD9-81ED-4DB2-BD59-A6C34878D82A}">
-                    <a16:rowId xmlns:a16="http://schemas.microsoft.com/office/drawing/2014/main" xmlns="" val="10004"/>
+                    <a16:rowId xmlns:a16="http://schemas.microsoft.com/office/drawing/2014/main" val="10004"/>
                   </a:ext>
                 </a:extLst>
               </a:tr>
@@ -10634,7 +11995,7 @@
                 </a:tc>
                 <a:extLst>
                   <a:ext uri="{0D108BD9-81ED-4DB2-BD59-A6C34878D82A}">
-                    <a16:rowId xmlns:a16="http://schemas.microsoft.com/office/drawing/2014/main" xmlns="" val="10005"/>
+                    <a16:rowId xmlns:a16="http://schemas.microsoft.com/office/drawing/2014/main" val="10005"/>
                   </a:ext>
                 </a:extLst>
               </a:tr>
@@ -11075,7 +12436,7 @@
                 </a:tc>
                 <a:extLst>
                   <a:ext uri="{0D108BD9-81ED-4DB2-BD59-A6C34878D82A}">
-                    <a16:rowId xmlns:a16="http://schemas.microsoft.com/office/drawing/2014/main" xmlns="" val="10006"/>
+                    <a16:rowId xmlns:a16="http://schemas.microsoft.com/office/drawing/2014/main" val="10006"/>
                   </a:ext>
                 </a:extLst>
               </a:tr>
@@ -11516,7 +12877,7 @@
                 </a:tc>
                 <a:extLst>
                   <a:ext uri="{0D108BD9-81ED-4DB2-BD59-A6C34878D82A}">
-                    <a16:rowId xmlns:a16="http://schemas.microsoft.com/office/drawing/2014/main" xmlns="" val="10007"/>
+                    <a16:rowId xmlns:a16="http://schemas.microsoft.com/office/drawing/2014/main" val="10007"/>
                   </a:ext>
                 </a:extLst>
               </a:tr>
@@ -11970,7 +13331,7 @@
                 </a:tc>
                 <a:extLst>
                   <a:ext uri="{0D108BD9-81ED-4DB2-BD59-A6C34878D82A}">
-                    <a16:rowId xmlns:a16="http://schemas.microsoft.com/office/drawing/2014/main" xmlns="" val="10008"/>
+                    <a16:rowId xmlns:a16="http://schemas.microsoft.com/office/drawing/2014/main" val="10008"/>
                   </a:ext>
                 </a:extLst>
               </a:tr>
@@ -11983,17 +13344,10 @@
   <p:clrMapOvr>
     <a:masterClrMapping/>
   </p:clrMapOvr>
-  <p:timing>
-    <p:tnLst>
-      <p:par>
-        <p:cTn id="1" dur="indefinite" restart="never" nodeType="tmRoot"/>
-      </p:par>
-    </p:tnLst>
-  </p:timing>
 </p:sld>
 </file>
 
-<file path=ppt/slides/slide3.xml><?xml version="1.0" encoding="utf-8"?>
+<file path=ppt/slides/slide4.xml><?xml version="1.0" encoding="utf-8"?>
 <p:sld xmlns:a="http://schemas.openxmlformats.org/drawingml/2006/main" xmlns:r="http://schemas.openxmlformats.org/officeDocument/2006/relationships" xmlns:p="http://schemas.openxmlformats.org/presentationml/2006/main">
   <p:cSld>
     <p:spTree>
@@ -12096,17 +13450,10 @@
   <p:clrMapOvr>
     <a:masterClrMapping/>
   </p:clrMapOvr>
-  <p:timing>
-    <p:tnLst>
-      <p:par>
-        <p:cTn id="1" dur="indefinite" restart="never" nodeType="tmRoot"/>
-      </p:par>
-    </p:tnLst>
-  </p:timing>
 </p:sld>
 </file>
 
-<file path=ppt/slides/slide4.xml><?xml version="1.0" encoding="utf-8"?>
+<file path=ppt/slides/slide5.xml><?xml version="1.0" encoding="utf-8"?>
 <p:sld xmlns:a="http://schemas.openxmlformats.org/drawingml/2006/main" xmlns:r="http://schemas.openxmlformats.org/officeDocument/2006/relationships" xmlns:p="http://schemas.openxmlformats.org/presentationml/2006/main">
   <p:cSld>
     <p:spTree>
@@ -12161,17 +13508,10 @@
   <p:clrMapOvr>
     <a:masterClrMapping/>
   </p:clrMapOvr>
-  <p:timing>
-    <p:tnLst>
-      <p:par>
-        <p:cTn id="1" dur="indefinite" restart="never" nodeType="tmRoot"/>
-      </p:par>
-    </p:tnLst>
-  </p:timing>
 </p:sld>
 </file>
 
-<file path=ppt/slides/slide5.xml><?xml version="1.0" encoding="utf-8"?>
+<file path=ppt/slides/slide6.xml><?xml version="1.0" encoding="utf-8"?>
 <p:sld xmlns:a="http://schemas.openxmlformats.org/drawingml/2006/main" xmlns:r="http://schemas.openxmlformats.org/officeDocument/2006/relationships" xmlns:p="http://schemas.openxmlformats.org/presentationml/2006/main">
   <p:cSld>
     <p:spTree>
@@ -12292,17 +13632,10 @@
   <p:clrMapOvr>
     <a:masterClrMapping/>
   </p:clrMapOvr>
-  <p:timing>
-    <p:tnLst>
-      <p:par>
-        <p:cTn id="1" dur="indefinite" restart="never" nodeType="tmRoot"/>
-      </p:par>
-    </p:tnLst>
-  </p:timing>
 </p:sld>
 </file>
 
-<file path=ppt/slides/slide6.xml><?xml version="1.0" encoding="utf-8"?>
+<file path=ppt/slides/slide7.xml><?xml version="1.0" encoding="utf-8"?>
 <p:sld xmlns:a="http://schemas.openxmlformats.org/drawingml/2006/main" xmlns:r="http://schemas.openxmlformats.org/officeDocument/2006/relationships" xmlns:p="http://schemas.openxmlformats.org/presentationml/2006/main">
   <p:cSld>
     <p:spTree>
@@ -12375,7 +13708,7 @@
           <a:lstStyle/>
           <a:p>
             <a:r>
-              <a:rPr lang="en-GB" dirty="0" smtClean="0">
+              <a:rPr lang="en-GB" dirty="0">
                 <a:latin typeface="Candara" panose="020E0502030303020204" pitchFamily="34" charset="0"/>
               </a:rPr>
               <a:t>Gross world product: $80 trillion</a:t>
@@ -12383,14 +13716,11 @@
           </a:p>
           <a:p>
             <a:r>
-              <a:rPr lang="en-GB" dirty="0" smtClean="0">
+              <a:rPr lang="en-GB" dirty="0">
                 <a:latin typeface="Candara" panose="020E0502030303020204" pitchFamily="34" charset="0"/>
               </a:rPr>
               <a:t>If growth 3% per year, discount rate 5% per year, NPV = $3500 trillion</a:t>
             </a:r>
-            <a:endParaRPr lang="en-GB" dirty="0">
-              <a:latin typeface="Candara" panose="020E0502030303020204" pitchFamily="34" charset="0"/>
-            </a:endParaRPr>
           </a:p>
         </p:txBody>
       </p:sp>
@@ -12399,153 +13729,6 @@
   <p:clrMapOvr>
     <a:masterClrMapping/>
   </p:clrMapOvr>
-  <p:timing>
-    <p:tnLst>
-      <p:par>
-        <p:cTn id="1" dur="indefinite" restart="never" nodeType="tmRoot"/>
-      </p:par>
-    </p:tnLst>
-  </p:timing>
-</p:sld>
-</file>
-
-<file path=ppt/slides/slide7.xml><?xml version="1.0" encoding="utf-8"?>
-<p:sld xmlns:a="http://schemas.openxmlformats.org/drawingml/2006/main" xmlns:r="http://schemas.openxmlformats.org/officeDocument/2006/relationships" xmlns:p="http://schemas.openxmlformats.org/presentationml/2006/main">
-  <p:cSld>
-    <p:spTree>
-      <p:nvGrpSpPr>
-        <p:cNvPr id="1" name=""/>
-        <p:cNvGrpSpPr/>
-        <p:nvPr/>
-      </p:nvGrpSpPr>
-      <p:grpSpPr>
-        <a:xfrm>
-          <a:off x="0" y="0"/>
-          <a:ext cx="0" cy="0"/>
-          <a:chOff x="0" y="0"/>
-          <a:chExt cx="0" cy="0"/>
-        </a:xfrm>
-      </p:grpSpPr>
-      <p:sp>
-        <p:nvSpPr>
-          <p:cNvPr id="3074" name="Rectangle 2"/>
-          <p:cNvSpPr>
-            <a:spLocks noGrp="1" noChangeArrowheads="1"/>
-          </p:cNvSpPr>
-          <p:nvPr>
-            <p:ph type="title"/>
-          </p:nvPr>
-        </p:nvSpPr>
-        <p:spPr>
-          <a:xfrm>
-            <a:off x="685800" y="0"/>
-            <a:ext cx="7772400" cy="1143000"/>
-          </a:xfrm>
-        </p:spPr>
-        <p:txBody>
-          <a:bodyPr/>
-          <a:lstStyle/>
-          <a:p>
-            <a:pPr eaLnBrk="1" hangingPunct="1"/>
-            <a:r>
-              <a:rPr lang="de-DE" sz="3600" dirty="0">
-                <a:latin typeface="Candara" panose="020E0502030303020204" pitchFamily="34" charset="0"/>
-              </a:rPr>
-              <a:t>Abatement Costs -2</a:t>
-            </a:r>
-            <a:endParaRPr lang="en-GB" sz="3600" dirty="0">
-              <a:latin typeface="Candara" panose="020E0502030303020204" pitchFamily="34" charset="0"/>
-            </a:endParaRPr>
-          </a:p>
-        </p:txBody>
-      </p:sp>
-      <p:sp>
-        <p:nvSpPr>
-          <p:cNvPr id="3075" name="Rectangle 3"/>
-          <p:cNvSpPr>
-            <a:spLocks noGrp="1" noChangeArrowheads="1"/>
-          </p:cNvSpPr>
-          <p:nvPr>
-            <p:ph type="body" idx="1"/>
-          </p:nvPr>
-        </p:nvSpPr>
-        <p:spPr>
-          <a:xfrm>
-            <a:off x="685800" y="1066800"/>
-            <a:ext cx="7772400" cy="5105400"/>
-          </a:xfrm>
-        </p:spPr>
-        <p:txBody>
-          <a:bodyPr/>
-          <a:lstStyle/>
-          <a:p>
-            <a:pPr eaLnBrk="1" hangingPunct="1"/>
-            <a:r>
-              <a:rPr lang="de-DE" sz="2800" dirty="0">
-                <a:latin typeface="Candara" panose="020E0502030303020204" pitchFamily="34" charset="0"/>
-              </a:rPr>
-              <a:t>Abatement costs are higher if</a:t>
-            </a:r>
-          </a:p>
-          <a:p>
-            <a:pPr lvl="1" eaLnBrk="1" hangingPunct="1"/>
-            <a:r>
-              <a:rPr lang="de-DE" sz="2400" dirty="0">
-                <a:latin typeface="Candara" panose="020E0502030303020204" pitchFamily="34" charset="0"/>
-              </a:rPr>
-              <a:t>There are fewer options to reduce emissions</a:t>
-            </a:r>
-          </a:p>
-          <a:p>
-            <a:pPr lvl="1" eaLnBrk="1" hangingPunct="1"/>
-            <a:r>
-              <a:rPr lang="de-DE" sz="2400" dirty="0">
-                <a:latin typeface="Candara" panose="020E0502030303020204" pitchFamily="34" charset="0"/>
-              </a:rPr>
-              <a:t>The costs of emission reduction options are higher</a:t>
-            </a:r>
-          </a:p>
-          <a:p>
-            <a:pPr lvl="1" eaLnBrk="1" hangingPunct="1"/>
-            <a:r>
-              <a:rPr lang="de-DE" sz="2400" dirty="0">
-                <a:latin typeface="Candara" panose="020E0502030303020204" pitchFamily="34" charset="0"/>
-              </a:rPr>
-              <a:t>The costs of emission reduction options fall more slowly over time</a:t>
-            </a:r>
-          </a:p>
-          <a:p>
-            <a:pPr lvl="1" eaLnBrk="1" hangingPunct="1"/>
-            <a:r>
-              <a:rPr lang="de-DE" sz="2400" dirty="0">
-                <a:latin typeface="Candara" panose="020E0502030303020204" pitchFamily="34" charset="0"/>
-              </a:rPr>
-              <a:t>The rate of cost decline does not respond to climate policy</a:t>
-            </a:r>
-          </a:p>
-          <a:p>
-            <a:pPr lvl="1" eaLnBrk="1" hangingPunct="1"/>
-            <a:r>
-              <a:rPr lang="de-DE" sz="2400" dirty="0">
-                <a:latin typeface="Candara" panose="020E0502030303020204" pitchFamily="34" charset="0"/>
-              </a:rPr>
-              <a:t>The economy is less responsive because elasticities are lower or because capital lasts longer</a:t>
-            </a:r>
-          </a:p>
-        </p:txBody>
-      </p:sp>
-    </p:spTree>
-  </p:cSld>
-  <p:clrMapOvr>
-    <a:masterClrMapping/>
-  </p:clrMapOvr>
-  <p:timing>
-    <p:tnLst>
-      <p:par>
-        <p:cTn id="1" dur="indefinite" restart="never" nodeType="tmRoot"/>
-      </p:par>
-    </p:tnLst>
-  </p:timing>
 </p:sld>
 </file>
 
@@ -12566,90 +13749,119 @@
           <a:chExt cx="0" cy="0"/>
         </a:xfrm>
       </p:grpSpPr>
-      <p:pic>
-        <p:nvPicPr>
-          <p:cNvPr id="5123" name="Picture 3"/>
-          <p:cNvPicPr>
-            <a:picLocks noChangeAspect="1" noChangeArrowheads="1"/>
-          </p:cNvPicPr>
-          <p:nvPr/>
-        </p:nvPicPr>
-        <p:blipFill>
-          <a:blip r:embed="rId3" cstate="print"/>
-          <a:srcRect/>
-          <a:stretch>
-            <a:fillRect/>
-          </a:stretch>
-        </p:blipFill>
-        <p:spPr bwMode="auto">
+      <p:sp>
+        <p:nvSpPr>
+          <p:cNvPr id="3074" name="Rectangle 2"/>
+          <p:cNvSpPr>
+            <a:spLocks noGrp="1" noChangeArrowheads="1"/>
+          </p:cNvSpPr>
+          <p:nvPr>
+            <p:ph type="title"/>
+          </p:nvPr>
+        </p:nvSpPr>
+        <p:spPr>
           <a:xfrm>
-            <a:off x="-1" y="0"/>
-            <a:ext cx="9127911" cy="3505200"/>
+            <a:off x="685800" y="0"/>
+            <a:ext cx="7772400" cy="1143000"/>
           </a:xfrm>
-          <a:prstGeom prst="rect">
-            <a:avLst/>
-          </a:prstGeom>
-          <a:noFill/>
-          <a:ln w="9525">
-            <a:noFill/>
-            <a:miter lim="800000"/>
-            <a:headEnd/>
-            <a:tailEnd/>
-          </a:ln>
-          <a:effectLst/>
-        </p:spPr>
-      </p:pic>
-      <p:sp>
-        <p:nvSpPr>
-          <p:cNvPr id="2" name="TextBox 1"/>
-          <p:cNvSpPr txBox="1"/>
-          <p:nvPr/>
-        </p:nvSpPr>
-        <p:spPr>
-          <a:xfrm>
-            <a:off x="2271499" y="3962400"/>
-            <a:ext cx="4584909" cy="523220"/>
-          </a:xfrm>
-          <a:prstGeom prst="rect">
-            <a:avLst/>
-          </a:prstGeom>
-          <a:noFill/>
-        </p:spPr>
-        <p:txBody>
-          <a:bodyPr wrap="none" rtlCol="0">
-            <a:spAutoFit/>
-          </a:bodyPr>
+        </p:spPr>
+        <p:txBody>
+          <a:bodyPr/>
           <a:lstStyle/>
           <a:p>
-            <a:r>
-              <a:rPr lang="en-GB" sz="2800" dirty="0" smtClean="0">
+            <a:pPr eaLnBrk="1" hangingPunct="1"/>
+            <a:r>
+              <a:rPr lang="de-DE" sz="3600" dirty="0">
                 <a:latin typeface="Candara" panose="020E0502030303020204" pitchFamily="34" charset="0"/>
               </a:rPr>
-              <a:t>Why so many missing values?</a:t>
-            </a:r>
-            <a:endParaRPr lang="en-GB" sz="2800" dirty="0">
+              <a:t>Abatement Costs -2</a:t>
+            </a:r>
+            <a:endParaRPr lang="en-GB" sz="3600" dirty="0">
               <a:latin typeface="Candara" panose="020E0502030303020204" pitchFamily="34" charset="0"/>
             </a:endParaRPr>
           </a:p>
         </p:txBody>
       </p:sp>
+      <p:sp>
+        <p:nvSpPr>
+          <p:cNvPr id="3075" name="Rectangle 3"/>
+          <p:cNvSpPr>
+            <a:spLocks noGrp="1" noChangeArrowheads="1"/>
+          </p:cNvSpPr>
+          <p:nvPr>
+            <p:ph type="body" idx="1"/>
+          </p:nvPr>
+        </p:nvSpPr>
+        <p:spPr>
+          <a:xfrm>
+            <a:off x="685800" y="1066800"/>
+            <a:ext cx="7772400" cy="5105400"/>
+          </a:xfrm>
+        </p:spPr>
+        <p:txBody>
+          <a:bodyPr/>
+          <a:lstStyle/>
+          <a:p>
+            <a:pPr eaLnBrk="1" hangingPunct="1"/>
+            <a:r>
+              <a:rPr lang="de-DE" sz="2800" dirty="0">
+                <a:latin typeface="Candara" panose="020E0502030303020204" pitchFamily="34" charset="0"/>
+              </a:rPr>
+              <a:t>Abatement costs are higher if</a:t>
+            </a:r>
+          </a:p>
+          <a:p>
+            <a:pPr lvl="1" eaLnBrk="1" hangingPunct="1"/>
+            <a:r>
+              <a:rPr lang="de-DE" sz="2400" dirty="0">
+                <a:latin typeface="Candara" panose="020E0502030303020204" pitchFamily="34" charset="0"/>
+              </a:rPr>
+              <a:t>There are fewer options to reduce emissions</a:t>
+            </a:r>
+          </a:p>
+          <a:p>
+            <a:pPr lvl="1" eaLnBrk="1" hangingPunct="1"/>
+            <a:r>
+              <a:rPr lang="de-DE" sz="2400" dirty="0">
+                <a:latin typeface="Candara" panose="020E0502030303020204" pitchFamily="34" charset="0"/>
+              </a:rPr>
+              <a:t>The costs of emission reduction options are higher</a:t>
+            </a:r>
+          </a:p>
+          <a:p>
+            <a:pPr lvl="1" eaLnBrk="1" hangingPunct="1"/>
+            <a:r>
+              <a:rPr lang="de-DE" sz="2400" dirty="0">
+                <a:latin typeface="Candara" panose="020E0502030303020204" pitchFamily="34" charset="0"/>
+              </a:rPr>
+              <a:t>The costs of emission reduction options fall more slowly over time</a:t>
+            </a:r>
+          </a:p>
+          <a:p>
+            <a:pPr lvl="1" eaLnBrk="1" hangingPunct="1"/>
+            <a:r>
+              <a:rPr lang="de-DE" sz="2400" dirty="0">
+                <a:latin typeface="Candara" panose="020E0502030303020204" pitchFamily="34" charset="0"/>
+              </a:rPr>
+              <a:t>The rate of cost decline does not respond to climate policy</a:t>
+            </a:r>
+          </a:p>
+          <a:p>
+            <a:pPr lvl="1" eaLnBrk="1" hangingPunct="1"/>
+            <a:r>
+              <a:rPr lang="de-DE" sz="2400" dirty="0">
+                <a:latin typeface="Candara" panose="020E0502030303020204" pitchFamily="34" charset="0"/>
+              </a:rPr>
+              <a:t>The economy is less responsive because elasticities are lower or because capital lasts longer</a:t>
+            </a:r>
+          </a:p>
+        </p:txBody>
+      </p:sp>
     </p:spTree>
-    <p:extLst>
-      <p:ext uri="{BB962C8B-B14F-4D97-AF65-F5344CB8AC3E}">
-        <p14:creationId xmlns:p14="http://schemas.microsoft.com/office/powerpoint/2010/main" val="3176805782"/>
-      </p:ext>
-    </p:extLst>
   </p:cSld>
   <p:clrMapOvr>
     <a:masterClrMapping/>
   </p:clrMapOvr>
-  <p:timing>
-    <p:tnLst>
-      <p:par>
-        <p:cTn id="1" dur="indefinite" restart="never" nodeType="tmRoot"/>
-      </p:par>
-    </p:tnLst>
-  </p:timing>
 </p:sld>
 </file>
 
@@ -12672,7 +13884,7 @@
       </p:grpSpPr>
       <p:pic>
         <p:nvPicPr>
-          <p:cNvPr id="6146" name="Picture 3"/>
+          <p:cNvPr id="8194" name="Picture 2"/>
           <p:cNvPicPr>
             <a:picLocks noChangeAspect="1" noChangeArrowheads="1"/>
           </p:cNvPicPr>
@@ -12687,8 +13899,8 @@
         </p:blipFill>
         <p:spPr bwMode="auto">
           <a:xfrm>
-            <a:off x="457200" y="0"/>
-            <a:ext cx="8610600" cy="6856413"/>
+            <a:off x="152400" y="228600"/>
+            <a:ext cx="3756025" cy="6400800"/>
           </a:xfrm>
           <a:prstGeom prst="rect">
             <a:avLst/>
@@ -12702,18 +13914,140 @@
           </a:ln>
         </p:spPr>
       </p:pic>
+      <p:pic>
+        <p:nvPicPr>
+          <p:cNvPr id="8195" name="Picture 3"/>
+          <p:cNvPicPr>
+            <a:picLocks noChangeAspect="1" noChangeArrowheads="1"/>
+          </p:cNvPicPr>
+          <p:nvPr/>
+        </p:nvPicPr>
+        <p:blipFill>
+          <a:blip r:embed="rId4" cstate="print"/>
+          <a:srcRect/>
+          <a:stretch>
+            <a:fillRect/>
+          </a:stretch>
+        </p:blipFill>
+        <p:spPr bwMode="auto">
+          <a:xfrm>
+            <a:off x="3779838" y="260350"/>
+            <a:ext cx="5364162" cy="3362325"/>
+          </a:xfrm>
+          <a:prstGeom prst="rect">
+            <a:avLst/>
+          </a:prstGeom>
+          <a:noFill/>
+          <a:ln w="9525">
+            <a:noFill/>
+            <a:miter lim="800000"/>
+            <a:headEnd/>
+            <a:tailEnd/>
+          </a:ln>
+        </p:spPr>
+      </p:pic>
+      <p:sp>
+        <p:nvSpPr>
+          <p:cNvPr id="8196" name="Text Box 4"/>
+          <p:cNvSpPr txBox="1">
+            <a:spLocks noChangeArrowheads="1"/>
+          </p:cNvSpPr>
+          <p:nvPr/>
+        </p:nvSpPr>
+        <p:spPr bwMode="auto">
+          <a:xfrm>
+            <a:off x="3903663" y="3741738"/>
+            <a:ext cx="4445448" cy="2308324"/>
+          </a:xfrm>
+          <a:prstGeom prst="rect">
+            <a:avLst/>
+          </a:prstGeom>
+          <a:noFill/>
+          <a:ln w="9525">
+            <a:noFill/>
+            <a:miter lim="800000"/>
+            <a:headEnd/>
+            <a:tailEnd/>
+          </a:ln>
+        </p:spPr>
+        <p:txBody>
+          <a:bodyPr wrap="none">
+            <a:spAutoFit/>
+          </a:bodyPr>
+          <a:lstStyle/>
+          <a:p>
+            <a:pPr marL="342900" indent="-342900"/>
+            <a:r>
+              <a:rPr lang="en-GB" dirty="0">
+                <a:latin typeface="Candara" panose="020E0502030303020204" pitchFamily="34" charset="0"/>
+              </a:rPr>
+              <a:t>It is better to start slow because:</a:t>
+            </a:r>
+          </a:p>
+          <a:p>
+            <a:pPr marL="342900" indent="-342900">
+              <a:buFontTx/>
+              <a:buAutoNum type="arabicPeriod"/>
+            </a:pPr>
+            <a:r>
+              <a:rPr lang="en-GB" dirty="0">
+                <a:latin typeface="Candara" panose="020E0502030303020204" pitchFamily="34" charset="0"/>
+              </a:rPr>
+              <a:t>Capital stock turnover</a:t>
+            </a:r>
+          </a:p>
+          <a:p>
+            <a:pPr marL="342900" indent="-342900">
+              <a:buFontTx/>
+              <a:buAutoNum type="arabicPeriod"/>
+            </a:pPr>
+            <a:r>
+              <a:rPr lang="en-GB" dirty="0">
+                <a:latin typeface="Candara" panose="020E0502030303020204" pitchFamily="34" charset="0"/>
+              </a:rPr>
+              <a:t>Technological progress</a:t>
+            </a:r>
+          </a:p>
+          <a:p>
+            <a:pPr marL="342900" indent="-342900">
+              <a:buFontTx/>
+              <a:buAutoNum type="arabicPeriod"/>
+            </a:pPr>
+            <a:r>
+              <a:rPr lang="en-GB" dirty="0">
+                <a:latin typeface="Candara" panose="020E0502030303020204" pitchFamily="34" charset="0"/>
+              </a:rPr>
+              <a:t>Discount rate</a:t>
+            </a:r>
+          </a:p>
+          <a:p>
+            <a:pPr marL="342900" indent="-342900">
+              <a:buFontTx/>
+              <a:buAutoNum type="arabicPeriod"/>
+            </a:pPr>
+            <a:r>
+              <a:rPr lang="en-GB" dirty="0">
+                <a:latin typeface="Candara" panose="020E0502030303020204" pitchFamily="34" charset="0"/>
+              </a:rPr>
+              <a:t>Carbon cycle</a:t>
+            </a:r>
+          </a:p>
+          <a:p>
+            <a:pPr marL="342900" indent="-342900">
+              <a:buFontTx/>
+              <a:buAutoNum type="arabicPeriod"/>
+            </a:pPr>
+            <a:endParaRPr lang="en-US" dirty="0">
+              <a:latin typeface="Comic Sans MS" pitchFamily="66" charset="0"/>
+            </a:endParaRPr>
+          </a:p>
+        </p:txBody>
+      </p:sp>
     </p:spTree>
   </p:cSld>
   <p:clrMapOvr>
     <a:masterClrMapping/>
   </p:clrMapOvr>
-  <p:timing>
-    <p:tnLst>
-      <p:par>
-        <p:cTn id="1" dur="indefinite" restart="never" nodeType="tmRoot"/>
-      </p:par>
-    </p:tnLst>
-  </p:timing>
 </p:sld>
 </file>
 

--- a/cceug3 abatement.pptx
+++ b/cceug3 abatement.pptx
@@ -5,44 +5,46 @@
     <p:sldMasterId id="2147483648" r:id="rId1"/>
   </p:sldMasterIdLst>
   <p:notesMasterIdLst>
-    <p:notesMasterId r:id="rId34"/>
+    <p:notesMasterId r:id="rId36"/>
   </p:notesMasterIdLst>
   <p:handoutMasterIdLst>
-    <p:handoutMasterId r:id="rId35"/>
+    <p:handoutMasterId r:id="rId37"/>
   </p:handoutMasterIdLst>
   <p:sldIdLst>
     <p:sldId id="257" r:id="rId2"/>
-    <p:sldId id="279" r:id="rId3"/>
+    <p:sldId id="373" r:id="rId3"/>
     <p:sldId id="485" r:id="rId4"/>
     <p:sldId id="281" r:id="rId5"/>
     <p:sldId id="318" r:id="rId6"/>
     <p:sldId id="319" r:id="rId7"/>
-    <p:sldId id="314" r:id="rId8"/>
-    <p:sldId id="317" r:id="rId9"/>
-    <p:sldId id="309" r:id="rId10"/>
-    <p:sldId id="486" r:id="rId11"/>
-    <p:sldId id="323" r:id="rId12"/>
-    <p:sldId id="315" r:id="rId13"/>
-    <p:sldId id="322" r:id="rId14"/>
-    <p:sldId id="324" r:id="rId15"/>
-    <p:sldId id="321" r:id="rId16"/>
-    <p:sldId id="487" r:id="rId17"/>
-    <p:sldId id="320" r:id="rId18"/>
-    <p:sldId id="483" r:id="rId19"/>
-    <p:sldId id="331" r:id="rId20"/>
-    <p:sldId id="326" r:id="rId21"/>
-    <p:sldId id="327" r:id="rId22"/>
-    <p:sldId id="328" r:id="rId23"/>
-    <p:sldId id="329" r:id="rId24"/>
-    <p:sldId id="488" r:id="rId25"/>
-    <p:sldId id="283" r:id="rId26"/>
-    <p:sldId id="484" r:id="rId27"/>
-    <p:sldId id="310" r:id="rId28"/>
-    <p:sldId id="325" r:id="rId29"/>
-    <p:sldId id="311" r:id="rId30"/>
-    <p:sldId id="301" r:id="rId31"/>
-    <p:sldId id="312" r:id="rId32"/>
-    <p:sldId id="290" r:id="rId33"/>
+    <p:sldId id="489" r:id="rId8"/>
+    <p:sldId id="314" r:id="rId9"/>
+    <p:sldId id="490" r:id="rId10"/>
+    <p:sldId id="317" r:id="rId11"/>
+    <p:sldId id="309" r:id="rId12"/>
+    <p:sldId id="486" r:id="rId13"/>
+    <p:sldId id="323" r:id="rId14"/>
+    <p:sldId id="315" r:id="rId15"/>
+    <p:sldId id="322" r:id="rId16"/>
+    <p:sldId id="324" r:id="rId17"/>
+    <p:sldId id="321" r:id="rId18"/>
+    <p:sldId id="487" r:id="rId19"/>
+    <p:sldId id="320" r:id="rId20"/>
+    <p:sldId id="483" r:id="rId21"/>
+    <p:sldId id="331" r:id="rId22"/>
+    <p:sldId id="326" r:id="rId23"/>
+    <p:sldId id="327" r:id="rId24"/>
+    <p:sldId id="328" r:id="rId25"/>
+    <p:sldId id="329" r:id="rId26"/>
+    <p:sldId id="488" r:id="rId27"/>
+    <p:sldId id="283" r:id="rId28"/>
+    <p:sldId id="484" r:id="rId29"/>
+    <p:sldId id="310" r:id="rId30"/>
+    <p:sldId id="325" r:id="rId31"/>
+    <p:sldId id="311" r:id="rId32"/>
+    <p:sldId id="301" r:id="rId33"/>
+    <p:sldId id="312" r:id="rId34"/>
+    <p:sldId id="290" r:id="rId35"/>
   </p:sldIdLst>
   <p:sldSz cx="9144000" cy="6858000" type="screen4x3"/>
   <p:notesSz cx="6772275" cy="9902825"/>
@@ -996,7 +998,7 @@
             <a:fld id="{D37E4059-FDF7-4A87-B188-AF182853AF6A}" type="slidenum">
               <a:rPr lang="en-US" smtClean="0"/>
               <a:pPr/>
-              <a:t>12</a:t>
+              <a:t>14</a:t>
             </a:fld>
             <a:endParaRPr lang="en-US"/>
           </a:p>
@@ -1089,7 +1091,7 @@
             <a:fld id="{9EF728AE-C90F-44F8-A0DE-C808E08B1365}" type="slidenum">
               <a:rPr lang="en-US" smtClean="0"/>
               <a:pPr/>
-              <a:t>14</a:t>
+              <a:t>16</a:t>
             </a:fld>
             <a:endParaRPr lang="en-US"/>
           </a:p>
@@ -1182,7 +1184,7 @@
             <a:fld id="{91B34325-C08E-4044-8F83-D670CE4449B3}" type="slidenum">
               <a:rPr lang="en-US" smtClean="0"/>
               <a:pPr/>
-              <a:t>16</a:t>
+              <a:t>18</a:t>
             </a:fld>
             <a:endParaRPr lang="en-US"/>
           </a:p>
@@ -1275,7 +1277,7 @@
             <a:fld id="{ADDC522B-A4B7-427F-AC15-2ED1F139E242}" type="slidenum">
               <a:rPr lang="en-US" smtClean="0"/>
               <a:pPr/>
-              <a:t>17</a:t>
+              <a:t>19</a:t>
             </a:fld>
             <a:endParaRPr lang="en-US"/>
           </a:p>
@@ -1368,7 +1370,7 @@
             <a:fld id="{91B34325-C08E-4044-8F83-D670CE4449B3}" type="slidenum">
               <a:rPr lang="en-US" smtClean="0"/>
               <a:pPr/>
-              <a:t>24</a:t>
+              <a:t>26</a:t>
             </a:fld>
             <a:endParaRPr lang="en-US"/>
           </a:p>
@@ -1461,7 +1463,7 @@
             <a:fld id="{ADDC522B-A4B7-427F-AC15-2ED1F139E242}" type="slidenum">
               <a:rPr lang="en-US" smtClean="0"/>
               <a:pPr/>
-              <a:t>25</a:t>
+              <a:t>27</a:t>
             </a:fld>
             <a:endParaRPr lang="en-US"/>
           </a:p>
@@ -1554,7 +1556,7 @@
             <a:fld id="{ADDC522B-A4B7-427F-AC15-2ED1F139E242}" type="slidenum">
               <a:rPr lang="en-US" smtClean="0"/>
               <a:pPr/>
-              <a:t>26</a:t>
+              <a:t>28</a:t>
             </a:fld>
             <a:endParaRPr lang="en-US"/>
           </a:p>
@@ -1647,7 +1649,7 @@
             <a:fld id="{D9160451-A2C7-4E19-BBFC-D2FC1007B1AB}" type="slidenum">
               <a:rPr lang="en-US" smtClean="0"/>
               <a:pPr/>
-              <a:t>27</a:t>
+              <a:t>29</a:t>
             </a:fld>
             <a:endParaRPr lang="en-US"/>
           </a:p>
@@ -1740,7 +1742,7 @@
             <a:fld id="{D9160451-A2C7-4E19-BBFC-D2FC1007B1AB}" type="slidenum">
               <a:rPr lang="en-US" smtClean="0"/>
               <a:pPr/>
-              <a:t>28</a:t>
+              <a:t>30</a:t>
             </a:fld>
             <a:endParaRPr lang="en-US"/>
           </a:p>
@@ -1833,7 +1835,7 @@
             <a:fld id="{A3FBCAD2-C113-4CA7-8BBB-98CFB0B593F4}" type="slidenum">
               <a:rPr lang="en-US" smtClean="0"/>
               <a:pPr/>
-              <a:t>29</a:t>
+              <a:t>31</a:t>
             </a:fld>
             <a:endParaRPr lang="en-US"/>
           </a:p>
@@ -2015,7 +2017,7 @@
             <a:fld id="{64F51FE0-55BE-4CDF-83EA-6C2B13F07691}" type="slidenum">
               <a:rPr lang="en-US" smtClean="0"/>
               <a:pPr/>
-              <a:t>30</a:t>
+              <a:t>32</a:t>
             </a:fld>
             <a:endParaRPr lang="en-US"/>
           </a:p>
@@ -2108,7 +2110,7 @@
             <a:fld id="{B749E452-0B7D-4586-8851-C752047CDF0A}" type="slidenum">
               <a:rPr lang="en-US" smtClean="0"/>
               <a:pPr/>
-              <a:t>31</a:t>
+              <a:t>33</a:t>
             </a:fld>
             <a:endParaRPr lang="en-US"/>
           </a:p>
@@ -2201,7 +2203,7 @@
             <a:fld id="{FC9E0E19-FE68-4D35-9797-A0D2867D542C}" type="slidenum">
               <a:rPr lang="en-US" smtClean="0"/>
               <a:pPr/>
-              <a:t>32</a:t>
+              <a:t>34</a:t>
             </a:fld>
             <a:endParaRPr lang="en-US"/>
           </a:p>
@@ -2480,7 +2482,7 @@
             <a:fld id="{02B3A5F0-C02B-47F8-A8A9-EE4CA3FD156C}" type="slidenum">
               <a:rPr lang="en-US" smtClean="0"/>
               <a:pPr/>
-              <a:t>7</a:t>
+              <a:t>8</a:t>
             </a:fld>
             <a:endParaRPr lang="en-US"/>
           </a:p>
@@ -2573,7 +2575,7 @@
             <a:fld id="{9EF728AE-C90F-44F8-A0DE-C808E08B1365}" type="slidenum">
               <a:rPr lang="en-US" smtClean="0"/>
               <a:pPr/>
-              <a:t>8</a:t>
+              <a:t>10</a:t>
             </a:fld>
             <a:endParaRPr lang="en-US"/>
           </a:p>
@@ -2666,7 +2668,7 @@
             <a:fld id="{5A85A754-D7B7-475E-A067-9E1E6C46FC53}" type="slidenum">
               <a:rPr lang="en-US" smtClean="0"/>
               <a:pPr/>
-              <a:t>9</a:t>
+              <a:t>11</a:t>
             </a:fld>
             <a:endParaRPr lang="en-US"/>
           </a:p>
@@ -2763,7 +2765,7 @@
             <a:fld id="{91B34325-C08E-4044-8F83-D670CE4449B3}" type="slidenum">
               <a:rPr lang="en-US" smtClean="0"/>
               <a:pPr/>
-              <a:t>10</a:t>
+              <a:t>12</a:t>
             </a:fld>
             <a:endParaRPr lang="en-US"/>
           </a:p>
@@ -2856,7 +2858,7 @@
             <a:fld id="{02B3A5F0-C02B-47F8-A8A9-EE4CA3FD156C}" type="slidenum">
               <a:rPr lang="en-US" smtClean="0"/>
               <a:pPr/>
-              <a:t>11</a:t>
+              <a:t>13</a:t>
             </a:fld>
             <a:endParaRPr lang="en-US"/>
           </a:p>
@@ -6462,6 +6464,325 @@
       </p:grpSpPr>
       <p:sp>
         <p:nvSpPr>
+          <p:cNvPr id="3074" name="Rectangle 2"/>
+          <p:cNvSpPr>
+            <a:spLocks noGrp="1" noChangeArrowheads="1"/>
+          </p:cNvSpPr>
+          <p:nvPr>
+            <p:ph type="title"/>
+          </p:nvPr>
+        </p:nvSpPr>
+        <p:spPr>
+          <a:xfrm>
+            <a:off x="685800" y="0"/>
+            <a:ext cx="7772400" cy="1143000"/>
+          </a:xfrm>
+        </p:spPr>
+        <p:txBody>
+          <a:bodyPr/>
+          <a:lstStyle/>
+          <a:p>
+            <a:pPr eaLnBrk="1" hangingPunct="1"/>
+            <a:r>
+              <a:rPr lang="de-DE" sz="3600" dirty="0">
+                <a:latin typeface="Candara" panose="020E0502030303020204" pitchFamily="34" charset="0"/>
+              </a:rPr>
+              <a:t>Abatement Costs -2</a:t>
+            </a:r>
+            <a:endParaRPr lang="en-GB" sz="3600" dirty="0">
+              <a:latin typeface="Candara" panose="020E0502030303020204" pitchFamily="34" charset="0"/>
+            </a:endParaRPr>
+          </a:p>
+        </p:txBody>
+      </p:sp>
+      <p:sp>
+        <p:nvSpPr>
+          <p:cNvPr id="3075" name="Rectangle 3"/>
+          <p:cNvSpPr>
+            <a:spLocks noGrp="1" noChangeArrowheads="1"/>
+          </p:cNvSpPr>
+          <p:nvPr>
+            <p:ph type="body" idx="1"/>
+          </p:nvPr>
+        </p:nvSpPr>
+        <p:spPr>
+          <a:xfrm>
+            <a:off x="685800" y="1066800"/>
+            <a:ext cx="7772400" cy="5105400"/>
+          </a:xfrm>
+        </p:spPr>
+        <p:txBody>
+          <a:bodyPr/>
+          <a:lstStyle/>
+          <a:p>
+            <a:pPr eaLnBrk="1" hangingPunct="1"/>
+            <a:r>
+              <a:rPr lang="de-DE" sz="2800" dirty="0">
+                <a:latin typeface="Candara" panose="020E0502030303020204" pitchFamily="34" charset="0"/>
+              </a:rPr>
+              <a:t>Abatement costs are higher if</a:t>
+            </a:r>
+          </a:p>
+          <a:p>
+            <a:pPr lvl="1" eaLnBrk="1" hangingPunct="1"/>
+            <a:r>
+              <a:rPr lang="de-DE" sz="2400" dirty="0">
+                <a:latin typeface="Candara" panose="020E0502030303020204" pitchFamily="34" charset="0"/>
+              </a:rPr>
+              <a:t>There are fewer options to reduce emissions</a:t>
+            </a:r>
+          </a:p>
+          <a:p>
+            <a:pPr lvl="1" eaLnBrk="1" hangingPunct="1"/>
+            <a:r>
+              <a:rPr lang="de-DE" sz="2400" dirty="0">
+                <a:latin typeface="Candara" panose="020E0502030303020204" pitchFamily="34" charset="0"/>
+              </a:rPr>
+              <a:t>The costs of emission reduction options are higher</a:t>
+            </a:r>
+          </a:p>
+          <a:p>
+            <a:pPr lvl="1" eaLnBrk="1" hangingPunct="1"/>
+            <a:r>
+              <a:rPr lang="de-DE" sz="2400" dirty="0">
+                <a:latin typeface="Candara" panose="020E0502030303020204" pitchFamily="34" charset="0"/>
+              </a:rPr>
+              <a:t>The costs of emission reduction options fall more slowly over time</a:t>
+            </a:r>
+          </a:p>
+          <a:p>
+            <a:pPr lvl="1" eaLnBrk="1" hangingPunct="1"/>
+            <a:r>
+              <a:rPr lang="de-DE" sz="2400" dirty="0">
+                <a:latin typeface="Candara" panose="020E0502030303020204" pitchFamily="34" charset="0"/>
+              </a:rPr>
+              <a:t>The rate of cost decline does not respond to climate policy</a:t>
+            </a:r>
+          </a:p>
+          <a:p>
+            <a:pPr lvl="1" eaLnBrk="1" hangingPunct="1"/>
+            <a:r>
+              <a:rPr lang="de-DE" sz="2400" dirty="0">
+                <a:latin typeface="Candara" panose="020E0502030303020204" pitchFamily="34" charset="0"/>
+              </a:rPr>
+              <a:t>The economy is less responsive because elasticities are lower or because capital lasts longer</a:t>
+            </a:r>
+          </a:p>
+        </p:txBody>
+      </p:sp>
+    </p:spTree>
+  </p:cSld>
+  <p:clrMapOvr>
+    <a:masterClrMapping/>
+  </p:clrMapOvr>
+</p:sld>
+</file>
+
+<file path=ppt/slides/slide11.xml><?xml version="1.0" encoding="utf-8"?>
+<p:sld xmlns:a="http://schemas.openxmlformats.org/drawingml/2006/main" xmlns:r="http://schemas.openxmlformats.org/officeDocument/2006/relationships" xmlns:p="http://schemas.openxmlformats.org/presentationml/2006/main">
+  <p:cSld>
+    <p:spTree>
+      <p:nvGrpSpPr>
+        <p:cNvPr id="1" name=""/>
+        <p:cNvGrpSpPr/>
+        <p:nvPr/>
+      </p:nvGrpSpPr>
+      <p:grpSpPr>
+        <a:xfrm>
+          <a:off x="0" y="0"/>
+          <a:ext cx="0" cy="0"/>
+          <a:chOff x="0" y="0"/>
+          <a:chExt cx="0" cy="0"/>
+        </a:xfrm>
+      </p:grpSpPr>
+      <p:pic>
+        <p:nvPicPr>
+          <p:cNvPr id="8194" name="Picture 2"/>
+          <p:cNvPicPr>
+            <a:picLocks noChangeAspect="1" noChangeArrowheads="1"/>
+          </p:cNvPicPr>
+          <p:nvPr/>
+        </p:nvPicPr>
+        <p:blipFill>
+          <a:blip r:embed="rId3" cstate="print"/>
+          <a:srcRect/>
+          <a:stretch>
+            <a:fillRect/>
+          </a:stretch>
+        </p:blipFill>
+        <p:spPr bwMode="auto">
+          <a:xfrm>
+            <a:off x="152400" y="228600"/>
+            <a:ext cx="3756025" cy="6400800"/>
+          </a:xfrm>
+          <a:prstGeom prst="rect">
+            <a:avLst/>
+          </a:prstGeom>
+          <a:noFill/>
+          <a:ln w="9525">
+            <a:noFill/>
+            <a:miter lim="800000"/>
+            <a:headEnd/>
+            <a:tailEnd/>
+          </a:ln>
+        </p:spPr>
+      </p:pic>
+      <p:pic>
+        <p:nvPicPr>
+          <p:cNvPr id="8195" name="Picture 3"/>
+          <p:cNvPicPr>
+            <a:picLocks noChangeAspect="1" noChangeArrowheads="1"/>
+          </p:cNvPicPr>
+          <p:nvPr/>
+        </p:nvPicPr>
+        <p:blipFill>
+          <a:blip r:embed="rId4" cstate="print"/>
+          <a:srcRect/>
+          <a:stretch>
+            <a:fillRect/>
+          </a:stretch>
+        </p:blipFill>
+        <p:spPr bwMode="auto">
+          <a:xfrm>
+            <a:off x="3779838" y="260350"/>
+            <a:ext cx="5364162" cy="3362325"/>
+          </a:xfrm>
+          <a:prstGeom prst="rect">
+            <a:avLst/>
+          </a:prstGeom>
+          <a:noFill/>
+          <a:ln w="9525">
+            <a:noFill/>
+            <a:miter lim="800000"/>
+            <a:headEnd/>
+            <a:tailEnd/>
+          </a:ln>
+        </p:spPr>
+      </p:pic>
+      <p:sp>
+        <p:nvSpPr>
+          <p:cNvPr id="8196" name="Text Box 4"/>
+          <p:cNvSpPr txBox="1">
+            <a:spLocks noChangeArrowheads="1"/>
+          </p:cNvSpPr>
+          <p:nvPr/>
+        </p:nvSpPr>
+        <p:spPr bwMode="auto">
+          <a:xfrm>
+            <a:off x="3903663" y="3741738"/>
+            <a:ext cx="4445448" cy="2308324"/>
+          </a:xfrm>
+          <a:prstGeom prst="rect">
+            <a:avLst/>
+          </a:prstGeom>
+          <a:noFill/>
+          <a:ln w="9525">
+            <a:noFill/>
+            <a:miter lim="800000"/>
+            <a:headEnd/>
+            <a:tailEnd/>
+          </a:ln>
+        </p:spPr>
+        <p:txBody>
+          <a:bodyPr wrap="none">
+            <a:spAutoFit/>
+          </a:bodyPr>
+          <a:lstStyle/>
+          <a:p>
+            <a:pPr marL="342900" indent="-342900"/>
+            <a:r>
+              <a:rPr lang="en-GB" dirty="0">
+                <a:latin typeface="Candara" panose="020E0502030303020204" pitchFamily="34" charset="0"/>
+              </a:rPr>
+              <a:t>It is better to start slow because:</a:t>
+            </a:r>
+          </a:p>
+          <a:p>
+            <a:pPr marL="342900" indent="-342900">
+              <a:buFontTx/>
+              <a:buAutoNum type="arabicPeriod"/>
+            </a:pPr>
+            <a:r>
+              <a:rPr lang="en-GB" dirty="0">
+                <a:latin typeface="Candara" panose="020E0502030303020204" pitchFamily="34" charset="0"/>
+              </a:rPr>
+              <a:t>Capital stock turnover</a:t>
+            </a:r>
+          </a:p>
+          <a:p>
+            <a:pPr marL="342900" indent="-342900">
+              <a:buFontTx/>
+              <a:buAutoNum type="arabicPeriod"/>
+            </a:pPr>
+            <a:r>
+              <a:rPr lang="en-GB" dirty="0">
+                <a:latin typeface="Candara" panose="020E0502030303020204" pitchFamily="34" charset="0"/>
+              </a:rPr>
+              <a:t>Technological progress</a:t>
+            </a:r>
+          </a:p>
+          <a:p>
+            <a:pPr marL="342900" indent="-342900">
+              <a:buFontTx/>
+              <a:buAutoNum type="arabicPeriod"/>
+            </a:pPr>
+            <a:r>
+              <a:rPr lang="en-GB" dirty="0">
+                <a:latin typeface="Candara" panose="020E0502030303020204" pitchFamily="34" charset="0"/>
+              </a:rPr>
+              <a:t>Discount rate</a:t>
+            </a:r>
+          </a:p>
+          <a:p>
+            <a:pPr marL="342900" indent="-342900">
+              <a:buFontTx/>
+              <a:buAutoNum type="arabicPeriod"/>
+            </a:pPr>
+            <a:r>
+              <a:rPr lang="en-GB" dirty="0">
+                <a:latin typeface="Candara" panose="020E0502030303020204" pitchFamily="34" charset="0"/>
+              </a:rPr>
+              <a:t>Carbon cycle</a:t>
+            </a:r>
+          </a:p>
+          <a:p>
+            <a:pPr marL="342900" indent="-342900">
+              <a:buFontTx/>
+              <a:buAutoNum type="arabicPeriod"/>
+            </a:pPr>
+            <a:endParaRPr lang="en-US" dirty="0">
+              <a:latin typeface="Comic Sans MS" pitchFamily="66" charset="0"/>
+            </a:endParaRPr>
+          </a:p>
+        </p:txBody>
+      </p:sp>
+    </p:spTree>
+  </p:cSld>
+  <p:clrMapOvr>
+    <a:masterClrMapping/>
+  </p:clrMapOvr>
+</p:sld>
+</file>
+
+<file path=ppt/slides/slide12.xml><?xml version="1.0" encoding="utf-8"?>
+<p:sld xmlns:a="http://schemas.openxmlformats.org/drawingml/2006/main" xmlns:r="http://schemas.openxmlformats.org/officeDocument/2006/relationships" xmlns:p="http://schemas.openxmlformats.org/presentationml/2006/main">
+  <p:cSld>
+    <p:spTree>
+      <p:nvGrpSpPr>
+        <p:cNvPr id="1" name=""/>
+        <p:cNvGrpSpPr/>
+        <p:nvPr/>
+      </p:nvGrpSpPr>
+      <p:grpSpPr>
+        <a:xfrm>
+          <a:off x="0" y="0"/>
+          <a:ext cx="0" cy="0"/>
+          <a:chOff x="0" y="0"/>
+          <a:chExt cx="0" cy="0"/>
+        </a:xfrm>
+      </p:grpSpPr>
+      <p:sp>
+        <p:nvSpPr>
           <p:cNvPr id="2050" name="Rectangle 2"/>
           <p:cNvSpPr>
             <a:spLocks noGrp="1" noChangeArrowheads="1"/>
@@ -6572,7 +6893,7 @@
 </p:sld>
 </file>
 
-<file path=ppt/slides/slide11.xml><?xml version="1.0" encoding="utf-8"?>
+<file path=ppt/slides/slide13.xml><?xml version="1.0" encoding="utf-8"?>
 <p:sld xmlns:a="http://schemas.openxmlformats.org/drawingml/2006/main" xmlns:r="http://schemas.openxmlformats.org/officeDocument/2006/relationships" xmlns:p="http://schemas.openxmlformats.org/presentationml/2006/main">
   <p:cSld>
     <p:spTree>
@@ -6666,7 +6987,7 @@
 </p:sld>
 </file>
 
-<file path=ppt/slides/slide12.xml><?xml version="1.0" encoding="utf-8"?>
+<file path=ppt/slides/slide14.xml><?xml version="1.0" encoding="utf-8"?>
 <p:sld xmlns:a="http://schemas.openxmlformats.org/drawingml/2006/main" xmlns:r="http://schemas.openxmlformats.org/officeDocument/2006/relationships" xmlns:p="http://schemas.openxmlformats.org/presentationml/2006/main">
   <p:cSld>
     <p:spTree>
@@ -6723,7 +7044,7 @@
 </p:sld>
 </file>
 
-<file path=ppt/slides/slide13.xml><?xml version="1.0" encoding="utf-8"?>
+<file path=ppt/slides/slide15.xml><?xml version="1.0" encoding="utf-8"?>
 <p:sld xmlns:a="http://schemas.openxmlformats.org/drawingml/2006/main" xmlns:r="http://schemas.openxmlformats.org/officeDocument/2006/relationships" xmlns:p="http://schemas.openxmlformats.org/presentationml/2006/main">
   <p:cSld>
     <p:spTree>
@@ -6838,7 +7159,7 @@
 </p:sld>
 </file>
 
-<file path=ppt/slides/slide14.xml><?xml version="1.0" encoding="utf-8"?>
+<file path=ppt/slides/slide16.xml><?xml version="1.0" encoding="utf-8"?>
 <p:sld xmlns:a="http://schemas.openxmlformats.org/drawingml/2006/main" xmlns:r="http://schemas.openxmlformats.org/officeDocument/2006/relationships" xmlns:p="http://schemas.openxmlformats.org/presentationml/2006/main">
   <p:cSld>
     <p:spTree>
@@ -6958,7 +7279,7 @@
 </p:sld>
 </file>
 
-<file path=ppt/slides/slide15.xml><?xml version="1.0" encoding="utf-8"?>
+<file path=ppt/slides/slide17.xml><?xml version="1.0" encoding="utf-8"?>
 <p:sld xmlns:a="http://schemas.openxmlformats.org/drawingml/2006/main" xmlns:r="http://schemas.openxmlformats.org/officeDocument/2006/relationships" xmlns:p="http://schemas.openxmlformats.org/presentationml/2006/main">
   <p:cSld>
     <p:spTree>
@@ -7273,7 +7594,7 @@
 </p:sld>
 </file>
 
-<file path=ppt/slides/slide16.xml><?xml version="1.0" encoding="utf-8"?>
+<file path=ppt/slides/slide18.xml><?xml version="1.0" encoding="utf-8"?>
 <p:sld xmlns:a="http://schemas.openxmlformats.org/drawingml/2006/main" xmlns:r="http://schemas.openxmlformats.org/officeDocument/2006/relationships" xmlns:p="http://schemas.openxmlformats.org/presentationml/2006/main">
   <p:cSld>
     <p:spTree>
@@ -7402,7 +7723,7 @@
 </p:sld>
 </file>
 
-<file path=ppt/slides/slide17.xml><?xml version="1.0" encoding="utf-8"?>
+<file path=ppt/slides/slide19.xml><?xml version="1.0" encoding="utf-8"?>
 <p:sld xmlns:a="http://schemas.openxmlformats.org/drawingml/2006/main" xmlns:r="http://schemas.openxmlformats.org/officeDocument/2006/relationships" xmlns:p="http://schemas.openxmlformats.org/presentationml/2006/main">
   <p:cSld>
     <p:spTree>
@@ -7517,7 +7838,277 @@
 </p:sld>
 </file>
 
-<file path=ppt/slides/slide18.xml><?xml version="1.0" encoding="utf-8"?>
+<file path=ppt/slides/slide2.xml><?xml version="1.0" encoding="utf-8"?>
+<p:sld xmlns:a="http://schemas.openxmlformats.org/drawingml/2006/main" xmlns:r="http://schemas.openxmlformats.org/officeDocument/2006/relationships" xmlns:p="http://schemas.openxmlformats.org/presentationml/2006/main">
+  <p:cSld>
+    <p:spTree>
+      <p:nvGrpSpPr>
+        <p:cNvPr id="1" name=""/>
+        <p:cNvGrpSpPr/>
+        <p:nvPr/>
+      </p:nvGrpSpPr>
+      <p:grpSpPr>
+        <a:xfrm>
+          <a:off x="0" y="0"/>
+          <a:ext cx="0" cy="0"/>
+          <a:chOff x="0" y="0"/>
+          <a:chExt cx="0" cy="0"/>
+        </a:xfrm>
+      </p:grpSpPr>
+      <p:sp>
+        <p:nvSpPr>
+          <p:cNvPr id="190466" name="Rectangle 2"/>
+          <p:cNvSpPr>
+            <a:spLocks noGrp="1" noChangeArrowheads="1"/>
+          </p:cNvSpPr>
+          <p:nvPr>
+            <p:ph type="title"/>
+          </p:nvPr>
+        </p:nvSpPr>
+        <p:spPr>
+          <a:xfrm>
+            <a:off x="762000" y="-76200"/>
+            <a:ext cx="7772400" cy="1143000"/>
+          </a:xfrm>
+        </p:spPr>
+        <p:txBody>
+          <a:bodyPr/>
+          <a:lstStyle/>
+          <a:p>
+            <a:r>
+              <a:rPr lang="de-DE" sz="3200" dirty="0">
+                <a:latin typeface="Candara" panose="020E0502030303020204" pitchFamily="34" charset="0"/>
+              </a:rPr>
+              <a:t>Lectures</a:t>
+            </a:r>
+            <a:endParaRPr lang="en-GB" sz="3200" dirty="0">
+              <a:latin typeface="Candara" panose="020E0502030303020204" pitchFamily="34" charset="0"/>
+            </a:endParaRPr>
+          </a:p>
+        </p:txBody>
+      </p:sp>
+      <p:sp>
+        <p:nvSpPr>
+          <p:cNvPr id="190467" name="Rectangle 3"/>
+          <p:cNvSpPr>
+            <a:spLocks noGrp="1" noChangeArrowheads="1"/>
+          </p:cNvSpPr>
+          <p:nvPr>
+            <p:ph type="body" idx="1"/>
+          </p:nvPr>
+        </p:nvSpPr>
+        <p:spPr>
+          <a:xfrm>
+            <a:off x="685800" y="838200"/>
+            <a:ext cx="7772400" cy="5486400"/>
+          </a:xfrm>
+        </p:spPr>
+        <p:txBody>
+          <a:bodyPr/>
+          <a:lstStyle/>
+          <a:p>
+            <a:pPr>
+              <a:lnSpc>
+                <a:spcPct val="90000"/>
+              </a:lnSpc>
+            </a:pPr>
+            <a:r>
+              <a:rPr lang="en-US" sz="2800" dirty="0">
+                <a:solidFill>
+                  <a:srgbClr val="7030A0"/>
+                </a:solidFill>
+                <a:latin typeface="Candara" panose="020E0502030303020204" pitchFamily="34" charset="0"/>
+              </a:rPr>
+              <a:t>Science</a:t>
+            </a:r>
+          </a:p>
+          <a:p>
+            <a:pPr>
+              <a:lnSpc>
+                <a:spcPct val="90000"/>
+              </a:lnSpc>
+            </a:pPr>
+            <a:r>
+              <a:rPr lang="en-US" sz="2800" dirty="0">
+                <a:solidFill>
+                  <a:schemeClr val="accent1">
+                    <a:lumMod val="50000"/>
+                  </a:schemeClr>
+                </a:solidFill>
+                <a:latin typeface="Candara" panose="020E0502030303020204" pitchFamily="34" charset="0"/>
+              </a:rPr>
+              <a:t>Scenarios &amp; emission reduction options</a:t>
+            </a:r>
+          </a:p>
+          <a:p>
+            <a:pPr>
+              <a:lnSpc>
+                <a:spcPct val="90000"/>
+              </a:lnSpc>
+            </a:pPr>
+            <a:r>
+              <a:rPr lang="en-US" b="1" dirty="0">
+                <a:solidFill>
+                  <a:schemeClr val="accent1">
+                    <a:lumMod val="50000"/>
+                  </a:schemeClr>
+                </a:solidFill>
+                <a:latin typeface="Candara" panose="020E0502030303020204" pitchFamily="34" charset="0"/>
+              </a:rPr>
+              <a:t>Costs of emission reduction</a:t>
+            </a:r>
+          </a:p>
+          <a:p>
+            <a:pPr>
+              <a:lnSpc>
+                <a:spcPct val="90000"/>
+              </a:lnSpc>
+            </a:pPr>
+            <a:r>
+              <a:rPr lang="en-US" sz="2800" dirty="0">
+                <a:solidFill>
+                  <a:schemeClr val="accent1">
+                    <a:lumMod val="50000"/>
+                  </a:schemeClr>
+                </a:solidFill>
+                <a:latin typeface="Candara" panose="020E0502030303020204" pitchFamily="34" charset="0"/>
+              </a:rPr>
+              <a:t>Instruments for emission reduction</a:t>
+            </a:r>
+          </a:p>
+          <a:p>
+            <a:pPr>
+              <a:lnSpc>
+                <a:spcPct val="90000"/>
+              </a:lnSpc>
+            </a:pPr>
+            <a:r>
+              <a:rPr lang="en-US" sz="2800" dirty="0">
+                <a:solidFill>
+                  <a:srgbClr val="C00000"/>
+                </a:solidFill>
+                <a:latin typeface="Candara" panose="020E0502030303020204" pitchFamily="34" charset="0"/>
+              </a:rPr>
+              <a:t>Impacts and adaptation</a:t>
+            </a:r>
+          </a:p>
+          <a:p>
+            <a:pPr>
+              <a:lnSpc>
+                <a:spcPct val="90000"/>
+              </a:lnSpc>
+            </a:pPr>
+            <a:r>
+              <a:rPr lang="en-US" sz="2800" dirty="0">
+                <a:solidFill>
+                  <a:srgbClr val="C00000"/>
+                </a:solidFill>
+                <a:latin typeface="Candara" panose="020E0502030303020204" pitchFamily="34" charset="0"/>
+              </a:rPr>
+              <a:t>Economic impacts of climate change</a:t>
+            </a:r>
+          </a:p>
+          <a:p>
+            <a:pPr>
+              <a:lnSpc>
+                <a:spcPct val="90000"/>
+              </a:lnSpc>
+            </a:pPr>
+            <a:r>
+              <a:rPr lang="en-US" sz="2800" dirty="0">
+                <a:solidFill>
+                  <a:schemeClr val="bg1">
+                    <a:lumMod val="65000"/>
+                  </a:schemeClr>
+                </a:solidFill>
+                <a:latin typeface="Candara" panose="020E0502030303020204" pitchFamily="34" charset="0"/>
+              </a:rPr>
+              <a:t>Reading week</a:t>
+            </a:r>
+          </a:p>
+          <a:p>
+            <a:pPr>
+              <a:lnSpc>
+                <a:spcPct val="90000"/>
+              </a:lnSpc>
+            </a:pPr>
+            <a:r>
+              <a:rPr lang="en-US" sz="2800" dirty="0">
+                <a:solidFill>
+                  <a:srgbClr val="C00000"/>
+                </a:solidFill>
+                <a:latin typeface="Candara" panose="020E0502030303020204" pitchFamily="34" charset="0"/>
+              </a:rPr>
+              <a:t>Climate and development</a:t>
+            </a:r>
+          </a:p>
+          <a:p>
+            <a:pPr>
+              <a:lnSpc>
+                <a:spcPct val="90000"/>
+              </a:lnSpc>
+            </a:pPr>
+            <a:r>
+              <a:rPr lang="en-US" sz="2800" dirty="0">
+                <a:solidFill>
+                  <a:srgbClr val="0070C0"/>
+                </a:solidFill>
+                <a:latin typeface="Candara" panose="020E0502030303020204" pitchFamily="34" charset="0"/>
+              </a:rPr>
+              <a:t>Optimal emission reduction</a:t>
+            </a:r>
+          </a:p>
+          <a:p>
+            <a:pPr>
+              <a:lnSpc>
+                <a:spcPct val="90000"/>
+              </a:lnSpc>
+            </a:pPr>
+            <a:r>
+              <a:rPr lang="en-US" sz="2800" dirty="0">
+                <a:solidFill>
+                  <a:srgbClr val="0070C0"/>
+                </a:solidFill>
+                <a:latin typeface="Candara" panose="020E0502030303020204" pitchFamily="34" charset="0"/>
+              </a:rPr>
+              <a:t>Discounting, uncertainty, equity</a:t>
+            </a:r>
+          </a:p>
+          <a:p>
+            <a:pPr>
+              <a:lnSpc>
+                <a:spcPct val="90000"/>
+              </a:lnSpc>
+            </a:pPr>
+            <a:r>
+              <a:rPr lang="en-US" sz="2800" dirty="0">
+                <a:solidFill>
+                  <a:srgbClr val="0070C0"/>
+                </a:solidFill>
+                <a:latin typeface="Candara" panose="020E0502030303020204" pitchFamily="34" charset="0"/>
+              </a:rPr>
+              <a:t>International environmental agreements</a:t>
+            </a:r>
+          </a:p>
+        </p:txBody>
+      </p:sp>
+    </p:spTree>
+  </p:cSld>
+  <p:clrMapOvr>
+    <a:masterClrMapping/>
+  </p:clrMapOvr>
+  <mc:AlternateContent xmlns:mc="http://schemas.openxmlformats.org/markup-compatibility/2006" xmlns:p14="http://schemas.microsoft.com/office/powerpoint/2010/main">
+    <mc:Choice Requires="p14">
+      <p:transition spd="slow" p14:dur="2000" advTm="6530"/>
+    </mc:Choice>
+    <mc:Fallback xmlns="">
+      <p:transition spd="slow" advTm="6530"/>
+    </mc:Fallback>
+  </mc:AlternateContent>
+</p:sld>
+</file>
+
+<file path=ppt/slides/slide20.xml><?xml version="1.0" encoding="utf-8"?>
 <p:sld xmlns:a="http://schemas.openxmlformats.org/drawingml/2006/main" xmlns:r="http://schemas.openxmlformats.org/officeDocument/2006/relationships" xmlns:p="http://schemas.openxmlformats.org/presentationml/2006/main">
   <p:cSld>
     <p:spTree>
@@ -7577,7 +8168,7 @@
 </p:sld>
 </file>
 
-<file path=ppt/slides/slide19.xml><?xml version="1.0" encoding="utf-8"?>
+<file path=ppt/slides/slide21.xml><?xml version="1.0" encoding="utf-8"?>
 <p:sld xmlns:a="http://schemas.openxmlformats.org/drawingml/2006/main" xmlns:r="http://schemas.openxmlformats.org/officeDocument/2006/relationships" xmlns:p="http://schemas.openxmlformats.org/presentationml/2006/main">
   <p:cSld>
     <p:spTree>
@@ -7643,236 +8234,7 @@
 </p:sld>
 </file>
 
-<file path=ppt/slides/slide2.xml><?xml version="1.0" encoding="utf-8"?>
-<p:sld xmlns:a="http://schemas.openxmlformats.org/drawingml/2006/main" xmlns:r="http://schemas.openxmlformats.org/officeDocument/2006/relationships" xmlns:p="http://schemas.openxmlformats.org/presentationml/2006/main">
-  <p:cSld>
-    <p:spTree>
-      <p:nvGrpSpPr>
-        <p:cNvPr id="1" name=""/>
-        <p:cNvGrpSpPr/>
-        <p:nvPr/>
-      </p:nvGrpSpPr>
-      <p:grpSpPr>
-        <a:xfrm>
-          <a:off x="0" y="0"/>
-          <a:ext cx="0" cy="0"/>
-          <a:chOff x="0" y="0"/>
-          <a:chExt cx="0" cy="0"/>
-        </a:xfrm>
-      </p:grpSpPr>
-      <p:sp>
-        <p:nvSpPr>
-          <p:cNvPr id="190466" name="Rectangle 2"/>
-          <p:cNvSpPr>
-            <a:spLocks noGrp="1" noChangeArrowheads="1"/>
-          </p:cNvSpPr>
-          <p:nvPr>
-            <p:ph type="title"/>
-          </p:nvPr>
-        </p:nvSpPr>
-        <p:spPr>
-          <a:xfrm>
-            <a:off x="762000" y="-76200"/>
-            <a:ext cx="7772400" cy="1143000"/>
-          </a:xfrm>
-        </p:spPr>
-        <p:txBody>
-          <a:bodyPr/>
-          <a:lstStyle/>
-          <a:p>
-            <a:r>
-              <a:rPr lang="de-DE" sz="3200" dirty="0">
-                <a:latin typeface="Candara" panose="020E0502030303020204" pitchFamily="34" charset="0"/>
-              </a:rPr>
-              <a:t>Lectures</a:t>
-            </a:r>
-            <a:endParaRPr lang="en-GB" sz="3200" dirty="0">
-              <a:latin typeface="Candara" panose="020E0502030303020204" pitchFamily="34" charset="0"/>
-            </a:endParaRPr>
-          </a:p>
-        </p:txBody>
-      </p:sp>
-      <p:sp>
-        <p:nvSpPr>
-          <p:cNvPr id="190467" name="Rectangle 3"/>
-          <p:cNvSpPr>
-            <a:spLocks noGrp="1" noChangeArrowheads="1"/>
-          </p:cNvSpPr>
-          <p:nvPr>
-            <p:ph type="body" idx="1"/>
-          </p:nvPr>
-        </p:nvSpPr>
-        <p:spPr>
-          <a:xfrm>
-            <a:off x="685800" y="838200"/>
-            <a:ext cx="7772400" cy="5486400"/>
-          </a:xfrm>
-        </p:spPr>
-        <p:txBody>
-          <a:bodyPr/>
-          <a:lstStyle/>
-          <a:p>
-            <a:pPr>
-              <a:lnSpc>
-                <a:spcPct val="90000"/>
-              </a:lnSpc>
-            </a:pPr>
-            <a:r>
-              <a:rPr lang="en-US" sz="2800" dirty="0">
-                <a:latin typeface="Candara" panose="020E0502030303020204" pitchFamily="34" charset="0"/>
-              </a:rPr>
-              <a:t>Science</a:t>
-            </a:r>
-          </a:p>
-          <a:p>
-            <a:pPr>
-              <a:lnSpc>
-                <a:spcPct val="90000"/>
-              </a:lnSpc>
-            </a:pPr>
-            <a:r>
-              <a:rPr lang="en-US" sz="2800" dirty="0">
-                <a:latin typeface="Candara" panose="020E0502030303020204" pitchFamily="34" charset="0"/>
-              </a:rPr>
-              <a:t>Scenarios &amp; emission reduction options</a:t>
-            </a:r>
-          </a:p>
-          <a:p>
-            <a:pPr>
-              <a:lnSpc>
-                <a:spcPct val="90000"/>
-              </a:lnSpc>
-            </a:pPr>
-            <a:r>
-              <a:rPr lang="en-US" b="1" dirty="0">
-                <a:latin typeface="Candara" panose="020E0502030303020204" pitchFamily="34" charset="0"/>
-              </a:rPr>
-              <a:t>Costs of emission reduction</a:t>
-            </a:r>
-          </a:p>
-          <a:p>
-            <a:pPr>
-              <a:lnSpc>
-                <a:spcPct val="90000"/>
-              </a:lnSpc>
-            </a:pPr>
-            <a:r>
-              <a:rPr lang="en-US" sz="2800" dirty="0">
-                <a:latin typeface="Candara" panose="020E0502030303020204" pitchFamily="34" charset="0"/>
-              </a:rPr>
-              <a:t>Instruments for emission reduction</a:t>
-            </a:r>
-          </a:p>
-          <a:p>
-            <a:pPr>
-              <a:lnSpc>
-                <a:spcPct val="90000"/>
-              </a:lnSpc>
-            </a:pPr>
-            <a:r>
-              <a:rPr lang="en-US" sz="2800" dirty="0">
-                <a:latin typeface="Candara" panose="020E0502030303020204" pitchFamily="34" charset="0"/>
-              </a:rPr>
-              <a:t>Impacts of climate change &amp; valuation</a:t>
-            </a:r>
-          </a:p>
-          <a:p>
-            <a:pPr>
-              <a:lnSpc>
-                <a:spcPct val="90000"/>
-              </a:lnSpc>
-            </a:pPr>
-            <a:r>
-              <a:rPr lang="en-US" sz="2800" dirty="0">
-                <a:latin typeface="Candara" panose="020E0502030303020204" pitchFamily="34" charset="0"/>
-              </a:rPr>
-              <a:t>Economic impacts of climate change</a:t>
-            </a:r>
-          </a:p>
-          <a:p>
-            <a:pPr>
-              <a:lnSpc>
-                <a:spcPct val="90000"/>
-              </a:lnSpc>
-            </a:pPr>
-            <a:r>
-              <a:rPr lang="en-US" sz="2800" dirty="0">
-                <a:latin typeface="Candara" panose="020E0502030303020204" pitchFamily="34" charset="0"/>
-              </a:rPr>
-              <a:t>Climate and development</a:t>
-            </a:r>
-          </a:p>
-          <a:p>
-            <a:pPr>
-              <a:lnSpc>
-                <a:spcPct val="90000"/>
-              </a:lnSpc>
-            </a:pPr>
-            <a:r>
-              <a:rPr lang="en-US" sz="2800" dirty="0">
-                <a:latin typeface="Candara" panose="020E0502030303020204" pitchFamily="34" charset="0"/>
-              </a:rPr>
-              <a:t>Adaptation policy</a:t>
-            </a:r>
-          </a:p>
-          <a:p>
-            <a:pPr>
-              <a:lnSpc>
-                <a:spcPct val="90000"/>
-              </a:lnSpc>
-            </a:pPr>
-            <a:r>
-              <a:rPr lang="en-US" sz="2800" dirty="0">
-                <a:latin typeface="Candara" panose="020E0502030303020204" pitchFamily="34" charset="0"/>
-              </a:rPr>
-              <a:t>Optimal emission reduction</a:t>
-            </a:r>
-          </a:p>
-          <a:p>
-            <a:pPr>
-              <a:lnSpc>
-                <a:spcPct val="90000"/>
-              </a:lnSpc>
-            </a:pPr>
-            <a:r>
-              <a:rPr lang="en-US" sz="2800" dirty="0">
-                <a:latin typeface="Candara" panose="020E0502030303020204" pitchFamily="34" charset="0"/>
-              </a:rPr>
-              <a:t>Discounting, uncertainty, equity</a:t>
-            </a:r>
-          </a:p>
-          <a:p>
-            <a:pPr>
-              <a:lnSpc>
-                <a:spcPct val="90000"/>
-              </a:lnSpc>
-            </a:pPr>
-            <a:r>
-              <a:rPr lang="en-US" sz="2800" dirty="0">
-                <a:latin typeface="Candara" panose="020E0502030303020204" pitchFamily="34" charset="0"/>
-              </a:rPr>
-              <a:t>International environmental agreements</a:t>
-            </a:r>
-          </a:p>
-        </p:txBody>
-      </p:sp>
-    </p:spTree>
-  </p:cSld>
-  <p:clrMapOvr>
-    <a:masterClrMapping/>
-  </p:clrMapOvr>
-  <mc:AlternateContent xmlns:mc="http://schemas.openxmlformats.org/markup-compatibility/2006" xmlns:p14="http://schemas.microsoft.com/office/powerpoint/2010/main">
-    <mc:Choice Requires="p14">
-      <p:transition spd="slow" p14:dur="2000" advTm="6530"/>
-    </mc:Choice>
-    <mc:Fallback xmlns="">
-      <p:transition spd="slow" advTm="6530"/>
-    </mc:Fallback>
-  </mc:AlternateContent>
-</p:sld>
-</file>
-
-<file path=ppt/slides/slide20.xml><?xml version="1.0" encoding="utf-8"?>
+<file path=ppt/slides/slide22.xml><?xml version="1.0" encoding="utf-8"?>
 <p:sld xmlns:a="http://schemas.openxmlformats.org/drawingml/2006/main" xmlns:r="http://schemas.openxmlformats.org/officeDocument/2006/relationships" xmlns:p="http://schemas.openxmlformats.org/presentationml/2006/main">
   <p:cSld>
     <p:spTree>
@@ -7932,7 +8294,7 @@
 </p:sld>
 </file>
 
-<file path=ppt/slides/slide21.xml><?xml version="1.0" encoding="utf-8"?>
+<file path=ppt/slides/slide23.xml><?xml version="1.0" encoding="utf-8"?>
 <p:sld xmlns:a="http://schemas.openxmlformats.org/drawingml/2006/main" xmlns:r="http://schemas.openxmlformats.org/officeDocument/2006/relationships" xmlns:p="http://schemas.openxmlformats.org/presentationml/2006/main">
   <p:cSld>
     <p:spTree>
@@ -7992,7 +8354,7 @@
 </p:sld>
 </file>
 
-<file path=ppt/slides/slide22.xml><?xml version="1.0" encoding="utf-8"?>
+<file path=ppt/slides/slide24.xml><?xml version="1.0" encoding="utf-8"?>
 <p:sld xmlns:a="http://schemas.openxmlformats.org/drawingml/2006/main" xmlns:r="http://schemas.openxmlformats.org/officeDocument/2006/relationships" xmlns:p="http://schemas.openxmlformats.org/presentationml/2006/main">
   <p:cSld>
     <p:spTree>
@@ -8052,7 +8414,7 @@
 </p:sld>
 </file>
 
-<file path=ppt/slides/slide23.xml><?xml version="1.0" encoding="utf-8"?>
+<file path=ppt/slides/slide25.xml><?xml version="1.0" encoding="utf-8"?>
 <p:sld xmlns:a="http://schemas.openxmlformats.org/drawingml/2006/main" xmlns:r="http://schemas.openxmlformats.org/officeDocument/2006/relationships" xmlns:p="http://schemas.openxmlformats.org/presentationml/2006/main">
   <p:cSld>
     <p:spTree>
@@ -8112,7 +8474,7 @@
 </p:sld>
 </file>
 
-<file path=ppt/slides/slide24.xml><?xml version="1.0" encoding="utf-8"?>
+<file path=ppt/slides/slide26.xml><?xml version="1.0" encoding="utf-8"?>
 <p:sld xmlns:a="http://schemas.openxmlformats.org/drawingml/2006/main" xmlns:r="http://schemas.openxmlformats.org/officeDocument/2006/relationships" xmlns:p="http://schemas.openxmlformats.org/presentationml/2006/main">
   <p:cSld>
     <p:spTree>
@@ -8241,7 +8603,7 @@
 </p:sld>
 </file>
 
-<file path=ppt/slides/slide25.xml><?xml version="1.0" encoding="utf-8"?>
+<file path=ppt/slides/slide27.xml><?xml version="1.0" encoding="utf-8"?>
 <p:sld xmlns:a="http://schemas.openxmlformats.org/drawingml/2006/main" xmlns:r="http://schemas.openxmlformats.org/officeDocument/2006/relationships" xmlns:p="http://schemas.openxmlformats.org/presentationml/2006/main">
   <p:cSld>
     <p:spTree>
@@ -8401,311 +8763,6 @@
 </p:sld>
 </file>
 
-<file path=ppt/slides/slide26.xml><?xml version="1.0" encoding="utf-8"?>
-<p:sld xmlns:a="http://schemas.openxmlformats.org/drawingml/2006/main" xmlns:r="http://schemas.openxmlformats.org/officeDocument/2006/relationships" xmlns:p="http://schemas.openxmlformats.org/presentationml/2006/main">
-  <p:cSld>
-    <p:spTree>
-      <p:nvGrpSpPr>
-        <p:cNvPr id="1" name=""/>
-        <p:cNvGrpSpPr/>
-        <p:nvPr/>
-      </p:nvGrpSpPr>
-      <p:grpSpPr>
-        <a:xfrm>
-          <a:off x="0" y="0"/>
-          <a:ext cx="0" cy="0"/>
-          <a:chOff x="0" y="0"/>
-          <a:chExt cx="0" cy="0"/>
-        </a:xfrm>
-      </p:grpSpPr>
-      <p:sp>
-        <p:nvSpPr>
-          <p:cNvPr id="9218" name="Rectangle 2"/>
-          <p:cNvSpPr>
-            <a:spLocks noGrp="1" noChangeArrowheads="1"/>
-          </p:cNvSpPr>
-          <p:nvPr>
-            <p:ph type="title"/>
-          </p:nvPr>
-        </p:nvSpPr>
-        <p:spPr>
-          <a:xfrm>
-            <a:off x="685800" y="0"/>
-            <a:ext cx="7772400" cy="1143000"/>
-          </a:xfrm>
-        </p:spPr>
-        <p:txBody>
-          <a:bodyPr/>
-          <a:lstStyle/>
-          <a:p>
-            <a:pPr eaLnBrk="1" hangingPunct="1"/>
-            <a:r>
-              <a:rPr lang="de-DE" sz="3600" dirty="0">
-                <a:latin typeface="Candara" panose="020E0502030303020204" pitchFamily="34" charset="0"/>
-              </a:rPr>
-              <a:t>Negative Abatement Costs</a:t>
-            </a:r>
-            <a:endParaRPr lang="en-GB" sz="3600" dirty="0">
-              <a:latin typeface="Candara" panose="020E0502030303020204" pitchFamily="34" charset="0"/>
-            </a:endParaRPr>
-          </a:p>
-        </p:txBody>
-      </p:sp>
-      <p:sp>
-        <p:nvSpPr>
-          <p:cNvPr id="9219" name="Rectangle 3"/>
-          <p:cNvSpPr>
-            <a:spLocks noGrp="1" noChangeArrowheads="1"/>
-          </p:cNvSpPr>
-          <p:nvPr>
-            <p:ph type="body" idx="1"/>
-          </p:nvPr>
-        </p:nvSpPr>
-        <p:spPr>
-          <a:xfrm>
-            <a:off x="685800" y="990600"/>
-            <a:ext cx="7772400" cy="5105400"/>
-          </a:xfrm>
-        </p:spPr>
-        <p:txBody>
-          <a:bodyPr/>
-          <a:lstStyle/>
-          <a:p>
-            <a:pPr eaLnBrk="1" hangingPunct="1"/>
-            <a:r>
-              <a:rPr lang="de-DE" sz="2800" dirty="0">
-                <a:latin typeface="Candara" panose="020E0502030303020204" pitchFamily="34" charset="0"/>
-              </a:rPr>
-              <a:t>Most economic models are optimisation models or assume perfect markets</a:t>
-            </a:r>
-          </a:p>
-          <a:p>
-            <a:pPr eaLnBrk="1" hangingPunct="1"/>
-            <a:r>
-              <a:rPr lang="de-DE" sz="2800" dirty="0">
-                <a:latin typeface="Candara" panose="020E0502030303020204" pitchFamily="34" charset="0"/>
-              </a:rPr>
-              <a:t>If </a:t>
-            </a:r>
-            <a:r>
-              <a:rPr lang="en-GB" sz="2800" dirty="0">
-                <a:latin typeface="Candara" panose="020E0502030303020204" pitchFamily="34" charset="0"/>
-              </a:rPr>
-              <a:t>you’re</a:t>
-            </a:r>
-            <a:r>
-              <a:rPr lang="de-DE" sz="2800" dirty="0">
-                <a:latin typeface="Candara" panose="020E0502030303020204" pitchFamily="34" charset="0"/>
-              </a:rPr>
-              <a:t> in the optimum, any policy would increase costs</a:t>
-            </a:r>
-          </a:p>
-          <a:p>
-            <a:pPr eaLnBrk="1" hangingPunct="1"/>
-            <a:r>
-              <a:rPr lang="de-DE" sz="2800" dirty="0">
-                <a:latin typeface="Candara" panose="020E0502030303020204" pitchFamily="34" charset="0"/>
-              </a:rPr>
-              <a:t>If the starting point is an imperfect market, costs may be positive or negative</a:t>
-            </a:r>
-          </a:p>
-          <a:p>
-            <a:pPr eaLnBrk="1" hangingPunct="1"/>
-            <a:r>
-              <a:rPr lang="de-DE" sz="2800" dirty="0">
-                <a:latin typeface="Candara" panose="020E0502030303020204" pitchFamily="34" charset="0"/>
-              </a:rPr>
-              <a:t>Negative costs arise if climate policy reduces the overall market failure, or if the carbon tax reduces the overall distortion by the fiscal system</a:t>
-            </a:r>
-            <a:endParaRPr lang="en-GB" sz="2800" dirty="0">
-              <a:latin typeface="Candara" panose="020E0502030303020204" pitchFamily="34" charset="0"/>
-            </a:endParaRPr>
-          </a:p>
-        </p:txBody>
-      </p:sp>
-    </p:spTree>
-    <p:extLst>
-      <p:ext uri="{BB962C8B-B14F-4D97-AF65-F5344CB8AC3E}">
-        <p14:creationId xmlns:p14="http://schemas.microsoft.com/office/powerpoint/2010/main" val="756061681"/>
-      </p:ext>
-    </p:extLst>
-  </p:cSld>
-  <p:clrMapOvr>
-    <a:masterClrMapping/>
-  </p:clrMapOvr>
-</p:sld>
-</file>
-
-<file path=ppt/slides/slide27.xml><?xml version="1.0" encoding="utf-8"?>
-<p:sld xmlns:a="http://schemas.openxmlformats.org/drawingml/2006/main" xmlns:r="http://schemas.openxmlformats.org/officeDocument/2006/relationships" xmlns:p="http://schemas.openxmlformats.org/presentationml/2006/main">
-  <p:cSld>
-    <p:spTree>
-      <p:nvGrpSpPr>
-        <p:cNvPr id="1" name=""/>
-        <p:cNvGrpSpPr/>
-        <p:nvPr/>
-      </p:nvGrpSpPr>
-      <p:grpSpPr>
-        <a:xfrm>
-          <a:off x="0" y="0"/>
-          <a:ext cx="0" cy="0"/>
-          <a:chOff x="0" y="0"/>
-          <a:chExt cx="0" cy="0"/>
-        </a:xfrm>
-      </p:grpSpPr>
-      <p:sp>
-        <p:nvSpPr>
-          <p:cNvPr id="10242" name="Rectangle 2"/>
-          <p:cNvSpPr>
-            <a:spLocks noGrp="1" noChangeArrowheads="1"/>
-          </p:cNvSpPr>
-          <p:nvPr>
-            <p:ph type="title"/>
-          </p:nvPr>
-        </p:nvSpPr>
-        <p:spPr>
-          <a:xfrm>
-            <a:off x="685800" y="0"/>
-            <a:ext cx="7772400" cy="1143000"/>
-          </a:xfrm>
-        </p:spPr>
-        <p:txBody>
-          <a:bodyPr/>
-          <a:lstStyle/>
-          <a:p>
-            <a:pPr eaLnBrk="1" hangingPunct="1"/>
-            <a:r>
-              <a:rPr lang="de-DE" sz="3600" dirty="0">
-                <a:latin typeface="Candara" panose="020E0502030303020204" pitchFamily="34" charset="0"/>
-              </a:rPr>
-              <a:t>Distortions</a:t>
-            </a:r>
-            <a:endParaRPr lang="en-GB" sz="3600" dirty="0">
-              <a:latin typeface="Candara" panose="020E0502030303020204" pitchFamily="34" charset="0"/>
-            </a:endParaRPr>
-          </a:p>
-        </p:txBody>
-      </p:sp>
-      <p:sp>
-        <p:nvSpPr>
-          <p:cNvPr id="10243" name="Rectangle 3"/>
-          <p:cNvSpPr>
-            <a:spLocks noGrp="1" noChangeArrowheads="1"/>
-          </p:cNvSpPr>
-          <p:nvPr>
-            <p:ph type="body" idx="1"/>
-          </p:nvPr>
-        </p:nvSpPr>
-        <p:spPr>
-          <a:xfrm>
-            <a:off x="685800" y="990600"/>
-            <a:ext cx="7772400" cy="5105400"/>
-          </a:xfrm>
-        </p:spPr>
-        <p:txBody>
-          <a:bodyPr/>
-          <a:lstStyle/>
-          <a:p>
-            <a:pPr eaLnBrk="1" hangingPunct="1">
-              <a:lnSpc>
-                <a:spcPct val="90000"/>
-              </a:lnSpc>
-            </a:pPr>
-            <a:r>
-              <a:rPr lang="de-DE" sz="2800" dirty="0">
-                <a:latin typeface="Candara" panose="020E0502030303020204" pitchFamily="34" charset="0"/>
-              </a:rPr>
-              <a:t>A tax is more distortionary if</a:t>
-            </a:r>
-          </a:p>
-          <a:p>
-            <a:pPr lvl="1" eaLnBrk="1" hangingPunct="1">
-              <a:lnSpc>
-                <a:spcPct val="90000"/>
-              </a:lnSpc>
-            </a:pPr>
-            <a:r>
-              <a:rPr lang="en-GB" sz="2400" dirty="0">
-                <a:latin typeface="Candara" panose="020E0502030303020204" pitchFamily="34" charset="0"/>
-              </a:rPr>
-              <a:t>Tax base is narrower</a:t>
-            </a:r>
-          </a:p>
-          <a:p>
-            <a:pPr lvl="1" eaLnBrk="1" hangingPunct="1">
-              <a:lnSpc>
-                <a:spcPct val="90000"/>
-              </a:lnSpc>
-            </a:pPr>
-            <a:r>
-              <a:rPr lang="en-GB" sz="2400" dirty="0">
-                <a:latin typeface="Candara" panose="020E0502030303020204" pitchFamily="34" charset="0"/>
-              </a:rPr>
-              <a:t>Price elasticity is higher</a:t>
-            </a:r>
-          </a:p>
-          <a:p>
-            <a:pPr eaLnBrk="1" hangingPunct="1">
-              <a:lnSpc>
-                <a:spcPct val="90000"/>
-              </a:lnSpc>
-            </a:pPr>
-            <a:r>
-              <a:rPr lang="en-GB" sz="2800" dirty="0">
-                <a:latin typeface="Candara" panose="020E0502030303020204" pitchFamily="34" charset="0"/>
-              </a:rPr>
-              <a:t>Deadweight loss of a tax is roughly quadratic in the level of the tax</a:t>
-            </a:r>
-          </a:p>
-          <a:p>
-            <a:pPr eaLnBrk="1" hangingPunct="1">
-              <a:lnSpc>
-                <a:spcPct val="90000"/>
-              </a:lnSpc>
-            </a:pPr>
-            <a:r>
-              <a:rPr lang="en-GB" sz="2800" dirty="0">
-                <a:latin typeface="Candara" panose="020E0502030303020204" pitchFamily="34" charset="0"/>
-              </a:rPr>
-              <a:t>Raising the carbon tax distorts the economy, but probably not by that much</a:t>
-            </a:r>
-          </a:p>
-          <a:p>
-            <a:pPr eaLnBrk="1" hangingPunct="1">
-              <a:lnSpc>
-                <a:spcPct val="90000"/>
-              </a:lnSpc>
-            </a:pPr>
-            <a:r>
-              <a:rPr lang="en-GB" sz="2800" dirty="0">
-                <a:latin typeface="Candara" panose="020E0502030303020204" pitchFamily="34" charset="0"/>
-              </a:rPr>
-              <a:t>The carbon tax revenue can be used to reduce another tax – this would at least partly but maybe more than offset the costs of the carbon tax</a:t>
-            </a:r>
-          </a:p>
-          <a:p>
-            <a:pPr eaLnBrk="1" hangingPunct="1">
-              <a:lnSpc>
-                <a:spcPct val="90000"/>
-              </a:lnSpc>
-            </a:pPr>
-            <a:r>
-              <a:rPr lang="en-GB" sz="2800" dirty="0">
-                <a:latin typeface="Candara" panose="020E0502030303020204" pitchFamily="34" charset="0"/>
-              </a:rPr>
-              <a:t>In Europe, prime candidate would be labour taxes</a:t>
-            </a:r>
-          </a:p>
-        </p:txBody>
-      </p:sp>
-    </p:spTree>
-  </p:cSld>
-  <p:clrMapOvr>
-    <a:masterClrMapping/>
-  </p:clrMapOvr>
-</p:sld>
-</file>
-
 <file path=ppt/slides/slide28.xml><?xml version="1.0" encoding="utf-8"?>
 <p:sld xmlns:a="http://schemas.openxmlformats.org/drawingml/2006/main" xmlns:r="http://schemas.openxmlformats.org/officeDocument/2006/relationships" xmlns:p="http://schemas.openxmlformats.org/presentationml/2006/main">
   <p:cSld>
@@ -8725,6 +8782,440 @@
       </p:grpSpPr>
       <p:sp>
         <p:nvSpPr>
+          <p:cNvPr id="9218" name="Rectangle 2"/>
+          <p:cNvSpPr>
+            <a:spLocks noGrp="1" noChangeArrowheads="1"/>
+          </p:cNvSpPr>
+          <p:nvPr>
+            <p:ph type="title"/>
+          </p:nvPr>
+        </p:nvSpPr>
+        <p:spPr>
+          <a:xfrm>
+            <a:off x="685800" y="0"/>
+            <a:ext cx="7772400" cy="1143000"/>
+          </a:xfrm>
+        </p:spPr>
+        <p:txBody>
+          <a:bodyPr/>
+          <a:lstStyle/>
+          <a:p>
+            <a:pPr eaLnBrk="1" hangingPunct="1"/>
+            <a:r>
+              <a:rPr lang="de-DE" sz="3600" dirty="0">
+                <a:latin typeface="Candara" panose="020E0502030303020204" pitchFamily="34" charset="0"/>
+              </a:rPr>
+              <a:t>Negative Abatement Costs</a:t>
+            </a:r>
+            <a:endParaRPr lang="en-GB" sz="3600" dirty="0">
+              <a:latin typeface="Candara" panose="020E0502030303020204" pitchFamily="34" charset="0"/>
+            </a:endParaRPr>
+          </a:p>
+        </p:txBody>
+      </p:sp>
+      <p:sp>
+        <p:nvSpPr>
+          <p:cNvPr id="9219" name="Rectangle 3"/>
+          <p:cNvSpPr>
+            <a:spLocks noGrp="1" noChangeArrowheads="1"/>
+          </p:cNvSpPr>
+          <p:nvPr>
+            <p:ph type="body" idx="1"/>
+          </p:nvPr>
+        </p:nvSpPr>
+        <p:spPr>
+          <a:xfrm>
+            <a:off x="685800" y="990600"/>
+            <a:ext cx="7772400" cy="5105400"/>
+          </a:xfrm>
+        </p:spPr>
+        <p:txBody>
+          <a:bodyPr/>
+          <a:lstStyle/>
+          <a:p>
+            <a:pPr eaLnBrk="1" hangingPunct="1"/>
+            <a:r>
+              <a:rPr lang="de-DE" sz="2800" dirty="0">
+                <a:latin typeface="Candara" panose="020E0502030303020204" pitchFamily="34" charset="0"/>
+              </a:rPr>
+              <a:t>Most economic models are optimisation models or assume perfect markets</a:t>
+            </a:r>
+          </a:p>
+          <a:p>
+            <a:pPr eaLnBrk="1" hangingPunct="1"/>
+            <a:r>
+              <a:rPr lang="de-DE" sz="2800" dirty="0">
+                <a:latin typeface="Candara" panose="020E0502030303020204" pitchFamily="34" charset="0"/>
+              </a:rPr>
+              <a:t>If </a:t>
+            </a:r>
+            <a:r>
+              <a:rPr lang="en-GB" sz="2800" dirty="0">
+                <a:latin typeface="Candara" panose="020E0502030303020204" pitchFamily="34" charset="0"/>
+              </a:rPr>
+              <a:t>you’re</a:t>
+            </a:r>
+            <a:r>
+              <a:rPr lang="de-DE" sz="2800" dirty="0">
+                <a:latin typeface="Candara" panose="020E0502030303020204" pitchFamily="34" charset="0"/>
+              </a:rPr>
+              <a:t> in the optimum, any policy would increase costs</a:t>
+            </a:r>
+          </a:p>
+          <a:p>
+            <a:pPr eaLnBrk="1" hangingPunct="1"/>
+            <a:r>
+              <a:rPr lang="de-DE" sz="2800" dirty="0">
+                <a:latin typeface="Candara" panose="020E0502030303020204" pitchFamily="34" charset="0"/>
+              </a:rPr>
+              <a:t>If the starting point is an imperfect market, costs may be positive or negative</a:t>
+            </a:r>
+          </a:p>
+          <a:p>
+            <a:pPr eaLnBrk="1" hangingPunct="1"/>
+            <a:r>
+              <a:rPr lang="de-DE" sz="2800" dirty="0">
+                <a:latin typeface="Candara" panose="020E0502030303020204" pitchFamily="34" charset="0"/>
+              </a:rPr>
+              <a:t>Negative costs arise if climate policy reduces the overall market failure, or if the carbon tax reduces the overall distortion by the fiscal system</a:t>
+            </a:r>
+            <a:endParaRPr lang="en-GB" sz="2800" dirty="0">
+              <a:latin typeface="Candara" panose="020E0502030303020204" pitchFamily="34" charset="0"/>
+            </a:endParaRPr>
+          </a:p>
+        </p:txBody>
+      </p:sp>
+    </p:spTree>
+    <p:extLst>
+      <p:ext uri="{BB962C8B-B14F-4D97-AF65-F5344CB8AC3E}">
+        <p14:creationId xmlns:p14="http://schemas.microsoft.com/office/powerpoint/2010/main" val="756061681"/>
+      </p:ext>
+    </p:extLst>
+  </p:cSld>
+  <p:clrMapOvr>
+    <a:masterClrMapping/>
+  </p:clrMapOvr>
+</p:sld>
+</file>
+
+<file path=ppt/slides/slide29.xml><?xml version="1.0" encoding="utf-8"?>
+<p:sld xmlns:a="http://schemas.openxmlformats.org/drawingml/2006/main" xmlns:r="http://schemas.openxmlformats.org/officeDocument/2006/relationships" xmlns:p="http://schemas.openxmlformats.org/presentationml/2006/main">
+  <p:cSld>
+    <p:spTree>
+      <p:nvGrpSpPr>
+        <p:cNvPr id="1" name=""/>
+        <p:cNvGrpSpPr/>
+        <p:nvPr/>
+      </p:nvGrpSpPr>
+      <p:grpSpPr>
+        <a:xfrm>
+          <a:off x="0" y="0"/>
+          <a:ext cx="0" cy="0"/>
+          <a:chOff x="0" y="0"/>
+          <a:chExt cx="0" cy="0"/>
+        </a:xfrm>
+      </p:grpSpPr>
+      <p:sp>
+        <p:nvSpPr>
+          <p:cNvPr id="10242" name="Rectangle 2"/>
+          <p:cNvSpPr>
+            <a:spLocks noGrp="1" noChangeArrowheads="1"/>
+          </p:cNvSpPr>
+          <p:nvPr>
+            <p:ph type="title"/>
+          </p:nvPr>
+        </p:nvSpPr>
+        <p:spPr>
+          <a:xfrm>
+            <a:off x="685800" y="0"/>
+            <a:ext cx="7772400" cy="1143000"/>
+          </a:xfrm>
+        </p:spPr>
+        <p:txBody>
+          <a:bodyPr/>
+          <a:lstStyle/>
+          <a:p>
+            <a:pPr eaLnBrk="1" hangingPunct="1"/>
+            <a:r>
+              <a:rPr lang="de-DE" sz="3600" dirty="0">
+                <a:latin typeface="Candara" panose="020E0502030303020204" pitchFamily="34" charset="0"/>
+              </a:rPr>
+              <a:t>Distortions</a:t>
+            </a:r>
+            <a:endParaRPr lang="en-GB" sz="3600" dirty="0">
+              <a:latin typeface="Candara" panose="020E0502030303020204" pitchFamily="34" charset="0"/>
+            </a:endParaRPr>
+          </a:p>
+        </p:txBody>
+      </p:sp>
+      <p:sp>
+        <p:nvSpPr>
+          <p:cNvPr id="10243" name="Rectangle 3"/>
+          <p:cNvSpPr>
+            <a:spLocks noGrp="1" noChangeArrowheads="1"/>
+          </p:cNvSpPr>
+          <p:nvPr>
+            <p:ph type="body" idx="1"/>
+          </p:nvPr>
+        </p:nvSpPr>
+        <p:spPr>
+          <a:xfrm>
+            <a:off x="685800" y="990600"/>
+            <a:ext cx="7772400" cy="5105400"/>
+          </a:xfrm>
+        </p:spPr>
+        <p:txBody>
+          <a:bodyPr/>
+          <a:lstStyle/>
+          <a:p>
+            <a:pPr eaLnBrk="1" hangingPunct="1">
+              <a:lnSpc>
+                <a:spcPct val="90000"/>
+              </a:lnSpc>
+            </a:pPr>
+            <a:r>
+              <a:rPr lang="de-DE" sz="2800" dirty="0">
+                <a:latin typeface="Candara" panose="020E0502030303020204" pitchFamily="34" charset="0"/>
+              </a:rPr>
+              <a:t>A tax is more distortionary if</a:t>
+            </a:r>
+          </a:p>
+          <a:p>
+            <a:pPr lvl="1" eaLnBrk="1" hangingPunct="1">
+              <a:lnSpc>
+                <a:spcPct val="90000"/>
+              </a:lnSpc>
+            </a:pPr>
+            <a:r>
+              <a:rPr lang="en-GB" sz="2400" dirty="0">
+                <a:latin typeface="Candara" panose="020E0502030303020204" pitchFamily="34" charset="0"/>
+              </a:rPr>
+              <a:t>Tax base is narrower</a:t>
+            </a:r>
+          </a:p>
+          <a:p>
+            <a:pPr lvl="1" eaLnBrk="1" hangingPunct="1">
+              <a:lnSpc>
+                <a:spcPct val="90000"/>
+              </a:lnSpc>
+            </a:pPr>
+            <a:r>
+              <a:rPr lang="en-GB" sz="2400" dirty="0">
+                <a:latin typeface="Candara" panose="020E0502030303020204" pitchFamily="34" charset="0"/>
+              </a:rPr>
+              <a:t>Price elasticity is higher</a:t>
+            </a:r>
+          </a:p>
+          <a:p>
+            <a:pPr eaLnBrk="1" hangingPunct="1">
+              <a:lnSpc>
+                <a:spcPct val="90000"/>
+              </a:lnSpc>
+            </a:pPr>
+            <a:r>
+              <a:rPr lang="en-GB" sz="2800" dirty="0">
+                <a:latin typeface="Candara" panose="020E0502030303020204" pitchFamily="34" charset="0"/>
+              </a:rPr>
+              <a:t>Deadweight loss of a tax is roughly quadratic in the level of the tax</a:t>
+            </a:r>
+          </a:p>
+          <a:p>
+            <a:pPr eaLnBrk="1" hangingPunct="1">
+              <a:lnSpc>
+                <a:spcPct val="90000"/>
+              </a:lnSpc>
+            </a:pPr>
+            <a:r>
+              <a:rPr lang="en-GB" sz="2800" dirty="0">
+                <a:latin typeface="Candara" panose="020E0502030303020204" pitchFamily="34" charset="0"/>
+              </a:rPr>
+              <a:t>Raising the carbon tax distorts the economy, but probably not by that much</a:t>
+            </a:r>
+          </a:p>
+          <a:p>
+            <a:pPr eaLnBrk="1" hangingPunct="1">
+              <a:lnSpc>
+                <a:spcPct val="90000"/>
+              </a:lnSpc>
+            </a:pPr>
+            <a:r>
+              <a:rPr lang="en-GB" sz="2800" dirty="0">
+                <a:latin typeface="Candara" panose="020E0502030303020204" pitchFamily="34" charset="0"/>
+              </a:rPr>
+              <a:t>The carbon tax revenue can be used to reduce another tax – this would at least partly but maybe more than offset the costs of the carbon tax</a:t>
+            </a:r>
+          </a:p>
+          <a:p>
+            <a:pPr eaLnBrk="1" hangingPunct="1">
+              <a:lnSpc>
+                <a:spcPct val="90000"/>
+              </a:lnSpc>
+            </a:pPr>
+            <a:r>
+              <a:rPr lang="en-GB" sz="2800" dirty="0">
+                <a:latin typeface="Candara" panose="020E0502030303020204" pitchFamily="34" charset="0"/>
+              </a:rPr>
+              <a:t>In Europe, prime candidate would be labour taxes</a:t>
+            </a:r>
+          </a:p>
+        </p:txBody>
+      </p:sp>
+    </p:spTree>
+  </p:cSld>
+  <p:clrMapOvr>
+    <a:masterClrMapping/>
+  </p:clrMapOvr>
+</p:sld>
+</file>
+
+<file path=ppt/slides/slide3.xml><?xml version="1.0" encoding="utf-8"?>
+<p:sld xmlns:a="http://schemas.openxmlformats.org/drawingml/2006/main" xmlns:r="http://schemas.openxmlformats.org/officeDocument/2006/relationships" xmlns:p="http://schemas.openxmlformats.org/presentationml/2006/main">
+  <p:cSld>
+    <p:spTree>
+      <p:nvGrpSpPr>
+        <p:cNvPr id="1" name=""/>
+        <p:cNvGrpSpPr/>
+        <p:nvPr/>
+      </p:nvGrpSpPr>
+      <p:grpSpPr>
+        <a:xfrm>
+          <a:off x="0" y="0"/>
+          <a:ext cx="0" cy="0"/>
+          <a:chOff x="0" y="0"/>
+          <a:chExt cx="0" cy="0"/>
+        </a:xfrm>
+      </p:grpSpPr>
+      <p:sp>
+        <p:nvSpPr>
+          <p:cNvPr id="2050" name="Rectangle 2"/>
+          <p:cNvSpPr>
+            <a:spLocks noGrp="1" noChangeArrowheads="1"/>
+          </p:cNvSpPr>
+          <p:nvPr>
+            <p:ph type="title"/>
+          </p:nvPr>
+        </p:nvSpPr>
+        <p:spPr>
+          <a:xfrm>
+            <a:off x="685800" y="228600"/>
+            <a:ext cx="7772400" cy="1143000"/>
+          </a:xfrm>
+        </p:spPr>
+        <p:txBody>
+          <a:bodyPr/>
+          <a:lstStyle/>
+          <a:p>
+            <a:pPr eaLnBrk="1" hangingPunct="1"/>
+            <a:r>
+              <a:rPr lang="de-DE" sz="4000" dirty="0">
+                <a:latin typeface="Candara" panose="020E0502030303020204" pitchFamily="34" charset="0"/>
+              </a:rPr>
+              <a:t>Costs of Emission Reduction</a:t>
+            </a:r>
+            <a:endParaRPr lang="en-GB" sz="4000" dirty="0">
+              <a:latin typeface="Candara" panose="020E0502030303020204" pitchFamily="34" charset="0"/>
+            </a:endParaRPr>
+          </a:p>
+        </p:txBody>
+      </p:sp>
+      <p:sp>
+        <p:nvSpPr>
+          <p:cNvPr id="2051" name="Rectangle 3"/>
+          <p:cNvSpPr>
+            <a:spLocks noGrp="1" noChangeArrowheads="1"/>
+          </p:cNvSpPr>
+          <p:nvPr>
+            <p:ph type="body" idx="1"/>
+          </p:nvPr>
+        </p:nvSpPr>
+        <p:spPr>
+          <a:xfrm>
+            <a:off x="685800" y="1371600"/>
+            <a:ext cx="7772400" cy="4114800"/>
+          </a:xfrm>
+        </p:spPr>
+        <p:txBody>
+          <a:bodyPr/>
+          <a:lstStyle/>
+          <a:p>
+            <a:pPr eaLnBrk="1" hangingPunct="1"/>
+            <a:r>
+              <a:rPr lang="de-DE" b="1" dirty="0">
+                <a:latin typeface="Candara" panose="020E0502030303020204" pitchFamily="34" charset="0"/>
+              </a:rPr>
+              <a:t>Estimates of total and marginal costs</a:t>
+            </a:r>
+          </a:p>
+          <a:p>
+            <a:pPr eaLnBrk="1" hangingPunct="1"/>
+            <a:r>
+              <a:rPr lang="de-DE" b="1" dirty="0">
+                <a:latin typeface="Candara" panose="020E0502030303020204" pitchFamily="34" charset="0"/>
+              </a:rPr>
+              <a:t>Sensitivity of these costs</a:t>
+            </a:r>
+          </a:p>
+          <a:p>
+            <a:pPr eaLnBrk="1" hangingPunct="1"/>
+            <a:r>
+              <a:rPr lang="de-DE" dirty="0">
+                <a:latin typeface="Candara" panose="020E0502030303020204" pitchFamily="34" charset="0"/>
+              </a:rPr>
+              <a:t>Feasibility of deep cuts</a:t>
+            </a:r>
+          </a:p>
+          <a:p>
+            <a:pPr eaLnBrk="1" hangingPunct="1"/>
+            <a:r>
+              <a:rPr lang="de-DE" dirty="0">
+                <a:latin typeface="Candara" panose="020E0502030303020204" pitchFamily="34" charset="0"/>
+              </a:rPr>
+              <a:t>Distribution of costs</a:t>
+            </a:r>
+          </a:p>
+          <a:p>
+            <a:pPr eaLnBrk="1" hangingPunct="1"/>
+            <a:r>
+              <a:rPr lang="de-DE" dirty="0">
+                <a:latin typeface="Candara" panose="020E0502030303020204" pitchFamily="34" charset="0"/>
+              </a:rPr>
+              <a:t>Negative costs</a:t>
+            </a:r>
+          </a:p>
+        </p:txBody>
+      </p:sp>
+    </p:spTree>
+    <p:extLst>
+      <p:ext uri="{BB962C8B-B14F-4D97-AF65-F5344CB8AC3E}">
+        <p14:creationId xmlns:p14="http://schemas.microsoft.com/office/powerpoint/2010/main" val="2412146603"/>
+      </p:ext>
+    </p:extLst>
+  </p:cSld>
+  <p:clrMapOvr>
+    <a:masterClrMapping/>
+  </p:clrMapOvr>
+</p:sld>
+</file>
+
+<file path=ppt/slides/slide30.xml><?xml version="1.0" encoding="utf-8"?>
+<p:sld xmlns:a="http://schemas.openxmlformats.org/drawingml/2006/main" xmlns:r="http://schemas.openxmlformats.org/officeDocument/2006/relationships" xmlns:p="http://schemas.openxmlformats.org/presentationml/2006/main">
+  <p:cSld>
+    <p:spTree>
+      <p:nvGrpSpPr>
+        <p:cNvPr id="1" name=""/>
+        <p:cNvGrpSpPr/>
+        <p:nvPr/>
+      </p:nvGrpSpPr>
+      <p:grpSpPr>
+        <a:xfrm>
+          <a:off x="0" y="0"/>
+          <a:ext cx="0" cy="0"/>
+          <a:chOff x="0" y="0"/>
+          <a:chExt cx="0" cy="0"/>
+        </a:xfrm>
+      </p:grpSpPr>
+      <p:sp>
+        <p:nvSpPr>
           <p:cNvPr id="10242" name="Rectangle 2"/>
           <p:cNvSpPr>
             <a:spLocks noGrp="1" noChangeArrowheads="1"/>
@@ -8852,7 +9343,7 @@
 </p:sld>
 </file>
 
-<file path=ppt/slides/slide29.xml><?xml version="1.0" encoding="utf-8"?>
+<file path=ppt/slides/slide31.xml><?xml version="1.0" encoding="utf-8"?>
 <p:sld xmlns:a="http://schemas.openxmlformats.org/drawingml/2006/main" xmlns:r="http://schemas.openxmlformats.org/officeDocument/2006/relationships" xmlns:p="http://schemas.openxmlformats.org/presentationml/2006/main">
   <p:cSld>
     <p:spTree>
@@ -8909,136 +9400,7 @@
 </p:sld>
 </file>
 
-<file path=ppt/slides/slide3.xml><?xml version="1.0" encoding="utf-8"?>
-<p:sld xmlns:a="http://schemas.openxmlformats.org/drawingml/2006/main" xmlns:r="http://schemas.openxmlformats.org/officeDocument/2006/relationships" xmlns:p="http://schemas.openxmlformats.org/presentationml/2006/main">
-  <p:cSld>
-    <p:spTree>
-      <p:nvGrpSpPr>
-        <p:cNvPr id="1" name=""/>
-        <p:cNvGrpSpPr/>
-        <p:nvPr/>
-      </p:nvGrpSpPr>
-      <p:grpSpPr>
-        <a:xfrm>
-          <a:off x="0" y="0"/>
-          <a:ext cx="0" cy="0"/>
-          <a:chOff x="0" y="0"/>
-          <a:chExt cx="0" cy="0"/>
-        </a:xfrm>
-      </p:grpSpPr>
-      <p:sp>
-        <p:nvSpPr>
-          <p:cNvPr id="2050" name="Rectangle 2"/>
-          <p:cNvSpPr>
-            <a:spLocks noGrp="1" noChangeArrowheads="1"/>
-          </p:cNvSpPr>
-          <p:nvPr>
-            <p:ph type="title"/>
-          </p:nvPr>
-        </p:nvSpPr>
-        <p:spPr>
-          <a:xfrm>
-            <a:off x="685800" y="228600"/>
-            <a:ext cx="7772400" cy="1143000"/>
-          </a:xfrm>
-        </p:spPr>
-        <p:txBody>
-          <a:bodyPr/>
-          <a:lstStyle/>
-          <a:p>
-            <a:pPr eaLnBrk="1" hangingPunct="1"/>
-            <a:r>
-              <a:rPr lang="de-DE" sz="4000" dirty="0">
-                <a:latin typeface="Candara" panose="020E0502030303020204" pitchFamily="34" charset="0"/>
-              </a:rPr>
-              <a:t>Costs of Emission Reduction</a:t>
-            </a:r>
-            <a:endParaRPr lang="en-GB" sz="4000" dirty="0">
-              <a:latin typeface="Candara" panose="020E0502030303020204" pitchFamily="34" charset="0"/>
-            </a:endParaRPr>
-          </a:p>
-        </p:txBody>
-      </p:sp>
-      <p:sp>
-        <p:nvSpPr>
-          <p:cNvPr id="2051" name="Rectangle 3"/>
-          <p:cNvSpPr>
-            <a:spLocks noGrp="1" noChangeArrowheads="1"/>
-          </p:cNvSpPr>
-          <p:nvPr>
-            <p:ph type="body" idx="1"/>
-          </p:nvPr>
-        </p:nvSpPr>
-        <p:spPr>
-          <a:xfrm>
-            <a:off x="685800" y="1371600"/>
-            <a:ext cx="7772400" cy="4114800"/>
-          </a:xfrm>
-        </p:spPr>
-        <p:txBody>
-          <a:bodyPr/>
-          <a:lstStyle/>
-          <a:p>
-            <a:pPr eaLnBrk="1" hangingPunct="1"/>
-            <a:r>
-              <a:rPr lang="de-DE" b="1" dirty="0">
-                <a:latin typeface="Candara" panose="020E0502030303020204" pitchFamily="34" charset="0"/>
-              </a:rPr>
-              <a:t>Estimates of total and marginal costs</a:t>
-            </a:r>
-          </a:p>
-          <a:p>
-            <a:pPr eaLnBrk="1" hangingPunct="1"/>
-            <a:r>
-              <a:rPr lang="de-DE" b="1" dirty="0">
-                <a:latin typeface="Candara" panose="020E0502030303020204" pitchFamily="34" charset="0"/>
-              </a:rPr>
-              <a:t>Sensitivity of these costs</a:t>
-            </a:r>
-          </a:p>
-          <a:p>
-            <a:pPr eaLnBrk="1" hangingPunct="1"/>
-            <a:r>
-              <a:rPr lang="de-DE" dirty="0">
-                <a:latin typeface="Candara" panose="020E0502030303020204" pitchFamily="34" charset="0"/>
-              </a:rPr>
-              <a:t>Feasibility of deep cuts</a:t>
-            </a:r>
-          </a:p>
-          <a:p>
-            <a:pPr eaLnBrk="1" hangingPunct="1"/>
-            <a:r>
-              <a:rPr lang="de-DE" dirty="0">
-                <a:latin typeface="Candara" panose="020E0502030303020204" pitchFamily="34" charset="0"/>
-              </a:rPr>
-              <a:t>Distribution of costs</a:t>
-            </a:r>
-          </a:p>
-          <a:p>
-            <a:pPr eaLnBrk="1" hangingPunct="1"/>
-            <a:r>
-              <a:rPr lang="de-DE" dirty="0">
-                <a:latin typeface="Candara" panose="020E0502030303020204" pitchFamily="34" charset="0"/>
-              </a:rPr>
-              <a:t>Negative costs</a:t>
-            </a:r>
-          </a:p>
-        </p:txBody>
-      </p:sp>
-    </p:spTree>
-    <p:extLst>
-      <p:ext uri="{BB962C8B-B14F-4D97-AF65-F5344CB8AC3E}">
-        <p14:creationId xmlns:p14="http://schemas.microsoft.com/office/powerpoint/2010/main" val="2412146603"/>
-      </p:ext>
-    </p:extLst>
-  </p:cSld>
-  <p:clrMapOvr>
-    <a:masterClrMapping/>
-  </p:clrMapOvr>
-</p:sld>
-</file>
-
-<file path=ppt/slides/slide30.xml><?xml version="1.0" encoding="utf-8"?>
+<file path=ppt/slides/slide32.xml><?xml version="1.0" encoding="utf-8"?>
 <p:sld xmlns:a="http://schemas.openxmlformats.org/drawingml/2006/main" xmlns:r="http://schemas.openxmlformats.org/officeDocument/2006/relationships" xmlns:p="http://schemas.openxmlformats.org/presentationml/2006/main">
   <p:cSld>
     <p:spTree>
@@ -9095,7 +9457,7 @@
 </p:sld>
 </file>
 
-<file path=ppt/slides/slide31.xml><?xml version="1.0" encoding="utf-8"?>
+<file path=ppt/slides/slide33.xml><?xml version="1.0" encoding="utf-8"?>
 <p:sld xmlns:a="http://schemas.openxmlformats.org/drawingml/2006/main" xmlns:r="http://schemas.openxmlformats.org/officeDocument/2006/relationships" xmlns:p="http://schemas.openxmlformats.org/presentationml/2006/main">
   <p:cSld>
     <p:spTree>
@@ -9152,7 +9514,7 @@
 </p:sld>
 </file>
 
-<file path=ppt/slides/slide32.xml><?xml version="1.0" encoding="utf-8"?>
+<file path=ppt/slides/slide34.xml><?xml version="1.0" encoding="utf-8"?>
 <p:sld xmlns:a="http://schemas.openxmlformats.org/drawingml/2006/main" xmlns:r="http://schemas.openxmlformats.org/officeDocument/2006/relationships" xmlns:p="http://schemas.openxmlformats.org/presentationml/2006/main">
   <p:cSld>
     <p:spTree>
@@ -13654,6 +14016,72 @@
       </p:grpSpPr>
       <p:pic>
         <p:nvPicPr>
+          <p:cNvPr id="3" name="Picture 2" descr="Chart, box and whisker chart&#10;&#10;Description automatically generated">
+            <a:extLst>
+              <a:ext uri="{FF2B5EF4-FFF2-40B4-BE49-F238E27FC236}">
+                <a16:creationId xmlns:a16="http://schemas.microsoft.com/office/drawing/2014/main" id="{8F8C8A9A-D4C5-86CC-D564-15EE7DAE984B}"/>
+              </a:ext>
+            </a:extLst>
+          </p:cNvPr>
+          <p:cNvPicPr>
+            <a:picLocks noChangeAspect="1"/>
+          </p:cNvPicPr>
+          <p:nvPr/>
+        </p:nvPicPr>
+        <p:blipFill>
+          <a:blip r:embed="rId2">
+            <a:extLst>
+              <a:ext uri="{28A0092B-C50C-407E-A947-70E740481C1C}">
+                <a14:useLocalDpi xmlns:a14="http://schemas.microsoft.com/office/drawing/2010/main" val="0"/>
+              </a:ext>
+            </a:extLst>
+          </a:blip>
+          <a:stretch>
+            <a:fillRect/>
+          </a:stretch>
+        </p:blipFill>
+        <p:spPr>
+          <a:xfrm>
+            <a:off x="0" y="0"/>
+            <a:ext cx="9144000" cy="6194826"/>
+          </a:xfrm>
+          <a:prstGeom prst="rect">
+            <a:avLst/>
+          </a:prstGeom>
+        </p:spPr>
+      </p:pic>
+    </p:spTree>
+    <p:extLst>
+      <p:ext uri="{BB962C8B-B14F-4D97-AF65-F5344CB8AC3E}">
+        <p14:creationId xmlns:p14="http://schemas.microsoft.com/office/powerpoint/2010/main" val="3597261485"/>
+      </p:ext>
+    </p:extLst>
+  </p:cSld>
+  <p:clrMapOvr>
+    <a:masterClrMapping/>
+  </p:clrMapOvr>
+</p:sld>
+</file>
+
+<file path=ppt/slides/slide8.xml><?xml version="1.0" encoding="utf-8"?>
+<p:sld xmlns:a="http://schemas.openxmlformats.org/drawingml/2006/main" xmlns:r="http://schemas.openxmlformats.org/officeDocument/2006/relationships" xmlns:p="http://schemas.openxmlformats.org/presentationml/2006/main">
+  <p:cSld>
+    <p:spTree>
+      <p:nvGrpSpPr>
+        <p:cNvPr id="1" name=""/>
+        <p:cNvGrpSpPr/>
+        <p:nvPr/>
+      </p:nvGrpSpPr>
+      <p:grpSpPr>
+        <a:xfrm>
+          <a:off x="0" y="0"/>
+          <a:ext cx="0" cy="0"/>
+          <a:chOff x="0" y="0"/>
+          <a:chExt cx="0" cy="0"/>
+        </a:xfrm>
+      </p:grpSpPr>
+      <p:pic>
+        <p:nvPicPr>
           <p:cNvPr id="5123" name="Picture 3"/>
           <p:cNvPicPr>
             <a:picLocks noChangeAspect="1" noChangeArrowheads="1"/>
@@ -13732,139 +14160,6 @@
 </p:sld>
 </file>
 
-<file path=ppt/slides/slide8.xml><?xml version="1.0" encoding="utf-8"?>
-<p:sld xmlns:a="http://schemas.openxmlformats.org/drawingml/2006/main" xmlns:r="http://schemas.openxmlformats.org/officeDocument/2006/relationships" xmlns:p="http://schemas.openxmlformats.org/presentationml/2006/main">
-  <p:cSld>
-    <p:spTree>
-      <p:nvGrpSpPr>
-        <p:cNvPr id="1" name=""/>
-        <p:cNvGrpSpPr/>
-        <p:nvPr/>
-      </p:nvGrpSpPr>
-      <p:grpSpPr>
-        <a:xfrm>
-          <a:off x="0" y="0"/>
-          <a:ext cx="0" cy="0"/>
-          <a:chOff x="0" y="0"/>
-          <a:chExt cx="0" cy="0"/>
-        </a:xfrm>
-      </p:grpSpPr>
-      <p:sp>
-        <p:nvSpPr>
-          <p:cNvPr id="3074" name="Rectangle 2"/>
-          <p:cNvSpPr>
-            <a:spLocks noGrp="1" noChangeArrowheads="1"/>
-          </p:cNvSpPr>
-          <p:nvPr>
-            <p:ph type="title"/>
-          </p:nvPr>
-        </p:nvSpPr>
-        <p:spPr>
-          <a:xfrm>
-            <a:off x="685800" y="0"/>
-            <a:ext cx="7772400" cy="1143000"/>
-          </a:xfrm>
-        </p:spPr>
-        <p:txBody>
-          <a:bodyPr/>
-          <a:lstStyle/>
-          <a:p>
-            <a:pPr eaLnBrk="1" hangingPunct="1"/>
-            <a:r>
-              <a:rPr lang="de-DE" sz="3600" dirty="0">
-                <a:latin typeface="Candara" panose="020E0502030303020204" pitchFamily="34" charset="0"/>
-              </a:rPr>
-              <a:t>Abatement Costs -2</a:t>
-            </a:r>
-            <a:endParaRPr lang="en-GB" sz="3600" dirty="0">
-              <a:latin typeface="Candara" panose="020E0502030303020204" pitchFamily="34" charset="0"/>
-            </a:endParaRPr>
-          </a:p>
-        </p:txBody>
-      </p:sp>
-      <p:sp>
-        <p:nvSpPr>
-          <p:cNvPr id="3075" name="Rectangle 3"/>
-          <p:cNvSpPr>
-            <a:spLocks noGrp="1" noChangeArrowheads="1"/>
-          </p:cNvSpPr>
-          <p:nvPr>
-            <p:ph type="body" idx="1"/>
-          </p:nvPr>
-        </p:nvSpPr>
-        <p:spPr>
-          <a:xfrm>
-            <a:off x="685800" y="1066800"/>
-            <a:ext cx="7772400" cy="5105400"/>
-          </a:xfrm>
-        </p:spPr>
-        <p:txBody>
-          <a:bodyPr/>
-          <a:lstStyle/>
-          <a:p>
-            <a:pPr eaLnBrk="1" hangingPunct="1"/>
-            <a:r>
-              <a:rPr lang="de-DE" sz="2800" dirty="0">
-                <a:latin typeface="Candara" panose="020E0502030303020204" pitchFamily="34" charset="0"/>
-              </a:rPr>
-              <a:t>Abatement costs are higher if</a:t>
-            </a:r>
-          </a:p>
-          <a:p>
-            <a:pPr lvl="1" eaLnBrk="1" hangingPunct="1"/>
-            <a:r>
-              <a:rPr lang="de-DE" sz="2400" dirty="0">
-                <a:latin typeface="Candara" panose="020E0502030303020204" pitchFamily="34" charset="0"/>
-              </a:rPr>
-              <a:t>There are fewer options to reduce emissions</a:t>
-            </a:r>
-          </a:p>
-          <a:p>
-            <a:pPr lvl="1" eaLnBrk="1" hangingPunct="1"/>
-            <a:r>
-              <a:rPr lang="de-DE" sz="2400" dirty="0">
-                <a:latin typeface="Candara" panose="020E0502030303020204" pitchFamily="34" charset="0"/>
-              </a:rPr>
-              <a:t>The costs of emission reduction options are higher</a:t>
-            </a:r>
-          </a:p>
-          <a:p>
-            <a:pPr lvl="1" eaLnBrk="1" hangingPunct="1"/>
-            <a:r>
-              <a:rPr lang="de-DE" sz="2400" dirty="0">
-                <a:latin typeface="Candara" panose="020E0502030303020204" pitchFamily="34" charset="0"/>
-              </a:rPr>
-              <a:t>The costs of emission reduction options fall more slowly over time</a:t>
-            </a:r>
-          </a:p>
-          <a:p>
-            <a:pPr lvl="1" eaLnBrk="1" hangingPunct="1"/>
-            <a:r>
-              <a:rPr lang="de-DE" sz="2400" dirty="0">
-                <a:latin typeface="Candara" panose="020E0502030303020204" pitchFamily="34" charset="0"/>
-              </a:rPr>
-              <a:t>The rate of cost decline does not respond to climate policy</a:t>
-            </a:r>
-          </a:p>
-          <a:p>
-            <a:pPr lvl="1" eaLnBrk="1" hangingPunct="1"/>
-            <a:r>
-              <a:rPr lang="de-DE" sz="2400" dirty="0">
-                <a:latin typeface="Candara" panose="020E0502030303020204" pitchFamily="34" charset="0"/>
-              </a:rPr>
-              <a:t>The economy is less responsive because elasticities are lower or because capital lasts longer</a:t>
-            </a:r>
-          </a:p>
-        </p:txBody>
-      </p:sp>
-    </p:spTree>
-  </p:cSld>
-  <p:clrMapOvr>
-    <a:masterClrMapping/>
-  </p:clrMapOvr>
-</p:sld>
-</file>
-
 <file path=ppt/slides/slide9.xml><?xml version="1.0" encoding="utf-8"?>
 <p:sld xmlns:a="http://schemas.openxmlformats.org/drawingml/2006/main" xmlns:r="http://schemas.openxmlformats.org/officeDocument/2006/relationships" xmlns:p="http://schemas.openxmlformats.org/presentationml/2006/main">
   <p:cSld>
@@ -13884,166 +14179,46 @@
       </p:grpSpPr>
       <p:pic>
         <p:nvPicPr>
-          <p:cNvPr id="8194" name="Picture 2"/>
+          <p:cNvPr id="3" name="Picture 2" descr="Chart, box and whisker chart&#10;&#10;Description automatically generated">
+            <a:extLst>
+              <a:ext uri="{FF2B5EF4-FFF2-40B4-BE49-F238E27FC236}">
+                <a16:creationId xmlns:a16="http://schemas.microsoft.com/office/drawing/2014/main" id="{C636CA02-847D-DBBB-A3AB-AAE661BC93D0}"/>
+              </a:ext>
+            </a:extLst>
+          </p:cNvPr>
           <p:cNvPicPr>
-            <a:picLocks noChangeAspect="1" noChangeArrowheads="1"/>
+            <a:picLocks noChangeAspect="1"/>
           </p:cNvPicPr>
           <p:nvPr/>
         </p:nvPicPr>
         <p:blipFill>
-          <a:blip r:embed="rId3" cstate="print"/>
-          <a:srcRect/>
+          <a:blip r:embed="rId2">
+            <a:extLst>
+              <a:ext uri="{28A0092B-C50C-407E-A947-70E740481C1C}">
+                <a14:useLocalDpi xmlns:a14="http://schemas.microsoft.com/office/drawing/2010/main" val="0"/>
+              </a:ext>
+            </a:extLst>
+          </a:blip>
           <a:stretch>
             <a:fillRect/>
           </a:stretch>
         </p:blipFill>
-        <p:spPr bwMode="auto">
+        <p:spPr>
           <a:xfrm>
-            <a:off x="152400" y="228600"/>
-            <a:ext cx="3756025" cy="6400800"/>
+            <a:off x="0" y="-1"/>
+            <a:ext cx="9158022" cy="6324601"/>
           </a:xfrm>
           <a:prstGeom prst="rect">
             <a:avLst/>
           </a:prstGeom>
-          <a:noFill/>
-          <a:ln w="9525">
-            <a:noFill/>
-            <a:miter lim="800000"/>
-            <a:headEnd/>
-            <a:tailEnd/>
-          </a:ln>
         </p:spPr>
       </p:pic>
-      <p:pic>
-        <p:nvPicPr>
-          <p:cNvPr id="8195" name="Picture 3"/>
-          <p:cNvPicPr>
-            <a:picLocks noChangeAspect="1" noChangeArrowheads="1"/>
-          </p:cNvPicPr>
-          <p:nvPr/>
-        </p:nvPicPr>
-        <p:blipFill>
-          <a:blip r:embed="rId4" cstate="print"/>
-          <a:srcRect/>
-          <a:stretch>
-            <a:fillRect/>
-          </a:stretch>
-        </p:blipFill>
-        <p:spPr bwMode="auto">
-          <a:xfrm>
-            <a:off x="3779838" y="260350"/>
-            <a:ext cx="5364162" cy="3362325"/>
-          </a:xfrm>
-          <a:prstGeom prst="rect">
-            <a:avLst/>
-          </a:prstGeom>
-          <a:noFill/>
-          <a:ln w="9525">
-            <a:noFill/>
-            <a:miter lim="800000"/>
-            <a:headEnd/>
-            <a:tailEnd/>
-          </a:ln>
-        </p:spPr>
-      </p:pic>
-      <p:sp>
-        <p:nvSpPr>
-          <p:cNvPr id="8196" name="Text Box 4"/>
-          <p:cNvSpPr txBox="1">
-            <a:spLocks noChangeArrowheads="1"/>
-          </p:cNvSpPr>
-          <p:nvPr/>
-        </p:nvSpPr>
-        <p:spPr bwMode="auto">
-          <a:xfrm>
-            <a:off x="3903663" y="3741738"/>
-            <a:ext cx="4445448" cy="2308324"/>
-          </a:xfrm>
-          <a:prstGeom prst="rect">
-            <a:avLst/>
-          </a:prstGeom>
-          <a:noFill/>
-          <a:ln w="9525">
-            <a:noFill/>
-            <a:miter lim="800000"/>
-            <a:headEnd/>
-            <a:tailEnd/>
-          </a:ln>
-        </p:spPr>
-        <p:txBody>
-          <a:bodyPr wrap="none">
-            <a:spAutoFit/>
-          </a:bodyPr>
-          <a:lstStyle/>
-          <a:p>
-            <a:pPr marL="342900" indent="-342900"/>
-            <a:r>
-              <a:rPr lang="en-GB" dirty="0">
-                <a:latin typeface="Candara" panose="020E0502030303020204" pitchFamily="34" charset="0"/>
-              </a:rPr>
-              <a:t>It is better to start slow because:</a:t>
-            </a:r>
-          </a:p>
-          <a:p>
-            <a:pPr marL="342900" indent="-342900">
-              <a:buFontTx/>
-              <a:buAutoNum type="arabicPeriod"/>
-            </a:pPr>
-            <a:r>
-              <a:rPr lang="en-GB" dirty="0">
-                <a:latin typeface="Candara" panose="020E0502030303020204" pitchFamily="34" charset="0"/>
-              </a:rPr>
-              <a:t>Capital stock turnover</a:t>
-            </a:r>
-          </a:p>
-          <a:p>
-            <a:pPr marL="342900" indent="-342900">
-              <a:buFontTx/>
-              <a:buAutoNum type="arabicPeriod"/>
-            </a:pPr>
-            <a:r>
-              <a:rPr lang="en-GB" dirty="0">
-                <a:latin typeface="Candara" panose="020E0502030303020204" pitchFamily="34" charset="0"/>
-              </a:rPr>
-              <a:t>Technological progress</a:t>
-            </a:r>
-          </a:p>
-          <a:p>
-            <a:pPr marL="342900" indent="-342900">
-              <a:buFontTx/>
-              <a:buAutoNum type="arabicPeriod"/>
-            </a:pPr>
-            <a:r>
-              <a:rPr lang="en-GB" dirty="0">
-                <a:latin typeface="Candara" panose="020E0502030303020204" pitchFamily="34" charset="0"/>
-              </a:rPr>
-              <a:t>Discount rate</a:t>
-            </a:r>
-          </a:p>
-          <a:p>
-            <a:pPr marL="342900" indent="-342900">
-              <a:buFontTx/>
-              <a:buAutoNum type="arabicPeriod"/>
-            </a:pPr>
-            <a:r>
-              <a:rPr lang="en-GB" dirty="0">
-                <a:latin typeface="Candara" panose="020E0502030303020204" pitchFamily="34" charset="0"/>
-              </a:rPr>
-              <a:t>Carbon cycle</a:t>
-            </a:r>
-          </a:p>
-          <a:p>
-            <a:pPr marL="342900" indent="-342900">
-              <a:buFontTx/>
-              <a:buAutoNum type="arabicPeriod"/>
-            </a:pPr>
-            <a:endParaRPr lang="en-US" dirty="0">
-              <a:latin typeface="Comic Sans MS" pitchFamily="66" charset="0"/>
-            </a:endParaRPr>
-          </a:p>
-        </p:txBody>
-      </p:sp>
     </p:spTree>
+    <p:extLst>
+      <p:ext uri="{BB962C8B-B14F-4D97-AF65-F5344CB8AC3E}">
+        <p14:creationId xmlns:p14="http://schemas.microsoft.com/office/powerpoint/2010/main" val="1560855853"/>
+      </p:ext>
+    </p:extLst>
   </p:cSld>
   <p:clrMapOvr>
     <a:masterClrMapping/>
